--- a/07-Git2.pptx
+++ b/07-Git2.pptx
@@ -12,24 +12,25 @@
     <p:sldId id="302" r:id="rId6"/>
     <p:sldId id="309" r:id="rId7"/>
     <p:sldId id="305" r:id="rId8"/>
-    <p:sldId id="299" r:id="rId9"/>
-    <p:sldId id="307" r:id="rId10"/>
-    <p:sldId id="282" r:id="rId11"/>
-    <p:sldId id="283" r:id="rId12"/>
-    <p:sldId id="284" r:id="rId13"/>
-    <p:sldId id="285" r:id="rId14"/>
-    <p:sldId id="286" r:id="rId15"/>
-    <p:sldId id="287" r:id="rId16"/>
-    <p:sldId id="288" r:id="rId17"/>
-    <p:sldId id="289" r:id="rId18"/>
-    <p:sldId id="290" r:id="rId19"/>
-    <p:sldId id="292" r:id="rId20"/>
-    <p:sldId id="291" r:id="rId21"/>
-    <p:sldId id="293" r:id="rId22"/>
-    <p:sldId id="294" r:id="rId23"/>
-    <p:sldId id="295" r:id="rId24"/>
-    <p:sldId id="296" r:id="rId25"/>
-    <p:sldId id="297" r:id="rId26"/>
+    <p:sldId id="307" r:id="rId9"/>
+    <p:sldId id="299" r:id="rId10"/>
+    <p:sldId id="310" r:id="rId11"/>
+    <p:sldId id="282" r:id="rId12"/>
+    <p:sldId id="283" r:id="rId13"/>
+    <p:sldId id="284" r:id="rId14"/>
+    <p:sldId id="285" r:id="rId15"/>
+    <p:sldId id="286" r:id="rId16"/>
+    <p:sldId id="287" r:id="rId17"/>
+    <p:sldId id="288" r:id="rId18"/>
+    <p:sldId id="289" r:id="rId19"/>
+    <p:sldId id="290" r:id="rId20"/>
+    <p:sldId id="292" r:id="rId21"/>
+    <p:sldId id="291" r:id="rId22"/>
+    <p:sldId id="293" r:id="rId23"/>
+    <p:sldId id="294" r:id="rId24"/>
+    <p:sldId id="295" r:id="rId25"/>
+    <p:sldId id="296" r:id="rId26"/>
+    <p:sldId id="297" r:id="rId27"/>
   </p:sldIdLst>
   <p:sldSz cx="12192000" cy="6858000"/>
   <p:notesSz cx="6858000" cy="9144000"/>
@@ -136,6 +137,137 @@
 </p:presentation>
 </file>
 
+<file path=ppt/ink/ink1.xml><?xml version="1.0" encoding="utf-8"?>
+<inkml:ink xmlns:inkml="http://www.w3.org/2003/InkML">
+  <inkml:definitions>
+    <inkml:context xml:id="ctx0">
+      <inkml:inkSource xml:id="inkSrc0">
+        <inkml:traceFormat>
+          <inkml:channel name="X" type="integer" max="1680" units="cm"/>
+          <inkml:channel name="Y" type="integer" max="1050" units="cm"/>
+          <inkml:channel name="T" type="integer" max="2.14748E9" units="dev"/>
+        </inkml:traceFormat>
+        <inkml:channelProperties>
+          <inkml:channelProperty channel="X" name="resolution" value="34.28571" units="1/cm"/>
+          <inkml:channelProperty channel="Y" name="resolution" value="32.8125" units="1/cm"/>
+          <inkml:channelProperty channel="T" name="resolution" value="1" units="1/dev"/>
+        </inkml:channelProperties>
+      </inkml:inkSource>
+      <inkml:timestamp xml:id="ts0" timeString="2020-11-09T07:57:32.534"/>
+    </inkml:context>
+    <inkml:brush xml:id="br0">
+      <inkml:brushProperty name="width" value="0.26667" units="cm"/>
+      <inkml:brushProperty name="height" value="0.53333" units="cm"/>
+      <inkml:brushProperty name="color" value="#FF00FF"/>
+      <inkml:brushProperty name="tip" value="rectangle"/>
+      <inkml:brushProperty name="rasterOp" value="maskPen"/>
+      <inkml:brushProperty name="fitToCurve" value="1"/>
+    </inkml:brush>
+  </inkml:definitions>
+  <inkml:trace contextRef="#ctx0" brushRef="#br0">0 0 0,'5699'228'0</inkml:trace>
+</inkml:ink>
+</file>
+
+<file path=ppt/ink/ink2.xml><?xml version="1.0" encoding="utf-8"?>
+<inkml:ink xmlns:inkml="http://www.w3.org/2003/InkML">
+  <inkml:definitions>
+    <inkml:context xml:id="ctx0">
+      <inkml:inkSource xml:id="inkSrc0">
+        <inkml:traceFormat>
+          <inkml:channel name="X" type="integer" max="1680" units="cm"/>
+          <inkml:channel name="Y" type="integer" max="1050" units="cm"/>
+          <inkml:channel name="T" type="integer" max="2.14748E9" units="dev"/>
+        </inkml:traceFormat>
+        <inkml:channelProperties>
+          <inkml:channelProperty channel="X" name="resolution" value="34.28571" units="1/cm"/>
+          <inkml:channelProperty channel="Y" name="resolution" value="32.8125" units="1/cm"/>
+          <inkml:channelProperty channel="T" name="resolution" value="1" units="1/dev"/>
+        </inkml:channelProperties>
+      </inkml:inkSource>
+      <inkml:timestamp xml:id="ts0" timeString="2020-11-09T07:57:33.206"/>
+    </inkml:context>
+    <inkml:brush xml:id="br0">
+      <inkml:brushProperty name="width" value="0.26667" units="cm"/>
+      <inkml:brushProperty name="height" value="0.53333" units="cm"/>
+      <inkml:brushProperty name="color" value="#FF00FF"/>
+      <inkml:brushProperty name="tip" value="rectangle"/>
+      <inkml:brushProperty name="rasterOp" value="maskPen"/>
+      <inkml:brushProperty name="fitToCurve" value="1"/>
+    </inkml:brush>
+  </inkml:definitions>
+  <inkml:trace contextRef="#ctx0" brushRef="#br0">-1 0 0,'2116'33'0,"-943"-1"0,32 33 16,-391-65-1,-456 0 1,-293 0-1</inkml:trace>
+</inkml:ink>
+</file>
+
+<file path=ppt/ink/ink3.xml><?xml version="1.0" encoding="utf-8"?>
+<inkml:ink xmlns:inkml="http://www.w3.org/2003/InkML">
+  <inkml:definitions>
+    <inkml:context xml:id="ctx0">
+      <inkml:inkSource xml:id="inkSrc0">
+        <inkml:traceFormat>
+          <inkml:channel name="X" type="integer" max="1680" units="cm"/>
+          <inkml:channel name="Y" type="integer" max="1050" units="cm"/>
+          <inkml:channel name="T" type="integer" max="2.14748E9" units="dev"/>
+        </inkml:traceFormat>
+        <inkml:channelProperties>
+          <inkml:channelProperty channel="X" name="resolution" value="34.28571" units="1/cm"/>
+          <inkml:channelProperty channel="Y" name="resolution" value="32.8125" units="1/cm"/>
+          <inkml:channelProperty channel="T" name="resolution" value="1" units="1/dev"/>
+        </inkml:channelProperties>
+      </inkml:inkSource>
+      <inkml:timestamp xml:id="ts0" timeString="2020-11-09T07:57:34.111"/>
+    </inkml:context>
+    <inkml:brush xml:id="br0">
+      <inkml:brushProperty name="width" value="0.26667" units="cm"/>
+      <inkml:brushProperty name="height" value="0.53333" units="cm"/>
+      <inkml:brushProperty name="color" value="#FF00FF"/>
+      <inkml:brushProperty name="tip" value="rectangle"/>
+      <inkml:brushProperty name="rasterOp" value="maskPen"/>
+      <inkml:brushProperty name="fitToCurve" value="1"/>
+    </inkml:brush>
+  </inkml:definitions>
+  <inkml:trace contextRef="#ctx0" brushRef="#br0">2 1 0,'0'1498'0,"0"-456"0,33 489 15,-33-750 1,65 880 0,-33-65-1,-32-652 1,33 33-1,-33-326 1,33-227 0,-33-262 265,32-97-281</inkml:trace>
+</inkml:ink>
+</file>
+
+<file path=ppt/ink/ink4.xml><?xml version="1.0" encoding="utf-8"?>
+<inkml:ink xmlns:inkml="http://www.w3.org/2003/InkML">
+  <inkml:definitions>
+    <inkml:context xml:id="ctx0">
+      <inkml:inkSource xml:id="inkSrc0">
+        <inkml:traceFormat>
+          <inkml:channel name="X" type="integer" max="1680" units="cm"/>
+          <inkml:channel name="Y" type="integer" max="1050" units="cm"/>
+          <inkml:channel name="T" type="integer" max="2.14748E9" units="dev"/>
+        </inkml:traceFormat>
+        <inkml:channelProperties>
+          <inkml:channelProperty channel="X" name="resolution" value="34.28571" units="1/cm"/>
+          <inkml:channelProperty channel="Y" name="resolution" value="32.8125" units="1/cm"/>
+          <inkml:channelProperty channel="T" name="resolution" value="1" units="1/dev"/>
+        </inkml:channelProperties>
+      </inkml:inkSource>
+      <inkml:timestamp xml:id="ts0" timeString="2020-11-09T07:58:05.236"/>
+    </inkml:context>
+    <inkml:brush xml:id="br0">
+      <inkml:brushProperty name="width" value="0.06667" units="cm"/>
+      <inkml:brushProperty name="height" value="0.06667" units="cm"/>
+      <inkml:brushProperty name="color" value="#ED1C24"/>
+      <inkml:brushProperty name="fitToCurve" value="1"/>
+    </inkml:brush>
+  </inkml:definitions>
+  <inkml:traceGroup>
+    <inkml:annotationXML>
+      <emma:emma xmlns:emma="http://www.w3.org/2003/04/emma" version="1.0">
+        <emma:interpretation id="{579A91F0-602A-4363-90C4-A98EF7D41DA9}" emma:medium="tactile" emma:mode="ink">
+          <msink:context xmlns:msink="http://schemas.microsoft.com/ink/2010/main" type="inkDrawing" rotatedBoundingBox="5314,2676 15967,1130 16229,2933 5576,4478" semanticType="callout" shapeName="Other"/>
+        </emma:interpretation>
+      </emma:emma>
+    </inkml:annotationXML>
+    <inkml:trace contextRef="#ctx0" brushRef="#br0">0 2247 0,'33'-65'16,"65"-196"0,64-32-1,99-65 1,-66 130 0,66 0-1,-66 163 1,-97 65-1,162 0 1,33 98 15,98 64-31,0 197 16,0-66 15,0 32-15,-66-162-1,-129-163 17,325-32-17,-163-131-15,977-326 16,98-195 0,-717 294-1,-325 129 1,-293 229 46,-1 32-46,99 162 0,-66-162-1,196 33 1,64-33-1,-129-33 1,-33-97 0,-98 65-1,-130 0 1</inkml:trace>
+  </inkml:traceGroup>
+</inkml:ink>
+</file>
+
 <file path=ppt/slideLayouts/slideLayout1.xml><?xml version="1.0" encoding="utf-8"?>
 <p:sldLayout xmlns:a="http://schemas.openxmlformats.org/drawingml/2006/main" xmlns:r="http://schemas.openxmlformats.org/officeDocument/2006/relationships" xmlns:p="http://schemas.openxmlformats.org/presentationml/2006/main" type="title" preserve="1">
   <p:cSld name="제목 슬라이드">
@@ -267,7 +399,7 @@
           <a:p>
             <a:fld id="{78570142-8825-4D52-AFCC-EF8893624958}" type="datetimeFigureOut">
               <a:rPr lang="ko-KR" altLang="en-US" smtClean="0"/>
-              <a:t>2020-11-08</a:t>
+              <a:t>2020-11-09</a:t>
             </a:fld>
             <a:endParaRPr lang="ko-KR" altLang="en-US"/>
           </a:p>
@@ -437,7 +569,7 @@
           <a:p>
             <a:fld id="{78570142-8825-4D52-AFCC-EF8893624958}" type="datetimeFigureOut">
               <a:rPr lang="ko-KR" altLang="en-US" smtClean="0"/>
-              <a:t>2020-11-08</a:t>
+              <a:t>2020-11-09</a:t>
             </a:fld>
             <a:endParaRPr lang="ko-KR" altLang="en-US"/>
           </a:p>
@@ -617,7 +749,7 @@
           <a:p>
             <a:fld id="{78570142-8825-4D52-AFCC-EF8893624958}" type="datetimeFigureOut">
               <a:rPr lang="ko-KR" altLang="en-US" smtClean="0"/>
-              <a:t>2020-11-08</a:t>
+              <a:t>2020-11-09</a:t>
             </a:fld>
             <a:endParaRPr lang="ko-KR" altLang="en-US"/>
           </a:p>
@@ -787,7 +919,7 @@
           <a:p>
             <a:fld id="{78570142-8825-4D52-AFCC-EF8893624958}" type="datetimeFigureOut">
               <a:rPr lang="ko-KR" altLang="en-US" smtClean="0"/>
-              <a:t>2020-11-08</a:t>
+              <a:t>2020-11-09</a:t>
             </a:fld>
             <a:endParaRPr lang="ko-KR" altLang="en-US"/>
           </a:p>
@@ -1033,7 +1165,7 @@
           <a:p>
             <a:fld id="{78570142-8825-4D52-AFCC-EF8893624958}" type="datetimeFigureOut">
               <a:rPr lang="ko-KR" altLang="en-US" smtClean="0"/>
-              <a:t>2020-11-08</a:t>
+              <a:t>2020-11-09</a:t>
             </a:fld>
             <a:endParaRPr lang="ko-KR" altLang="en-US"/>
           </a:p>
@@ -1265,7 +1397,7 @@
           <a:p>
             <a:fld id="{78570142-8825-4D52-AFCC-EF8893624958}" type="datetimeFigureOut">
               <a:rPr lang="ko-KR" altLang="en-US" smtClean="0"/>
-              <a:t>2020-11-08</a:t>
+              <a:t>2020-11-09</a:t>
             </a:fld>
             <a:endParaRPr lang="ko-KR" altLang="en-US"/>
           </a:p>
@@ -1632,7 +1764,7 @@
           <a:p>
             <a:fld id="{78570142-8825-4D52-AFCC-EF8893624958}" type="datetimeFigureOut">
               <a:rPr lang="ko-KR" altLang="en-US" smtClean="0"/>
-              <a:t>2020-11-08</a:t>
+              <a:t>2020-11-09</a:t>
             </a:fld>
             <a:endParaRPr lang="ko-KR" altLang="en-US"/>
           </a:p>
@@ -1750,7 +1882,7 @@
           <a:p>
             <a:fld id="{78570142-8825-4D52-AFCC-EF8893624958}" type="datetimeFigureOut">
               <a:rPr lang="ko-KR" altLang="en-US" smtClean="0"/>
-              <a:t>2020-11-08</a:t>
+              <a:t>2020-11-09</a:t>
             </a:fld>
             <a:endParaRPr lang="ko-KR" altLang="en-US"/>
           </a:p>
@@ -1845,7 +1977,7 @@
           <a:p>
             <a:fld id="{78570142-8825-4D52-AFCC-EF8893624958}" type="datetimeFigureOut">
               <a:rPr lang="ko-KR" altLang="en-US" smtClean="0"/>
-              <a:t>2020-11-08</a:t>
+              <a:t>2020-11-09</a:t>
             </a:fld>
             <a:endParaRPr lang="ko-KR" altLang="en-US"/>
           </a:p>
@@ -2122,7 +2254,7 @@
           <a:p>
             <a:fld id="{78570142-8825-4D52-AFCC-EF8893624958}" type="datetimeFigureOut">
               <a:rPr lang="ko-KR" altLang="en-US" smtClean="0"/>
-              <a:t>2020-11-08</a:t>
+              <a:t>2020-11-09</a:t>
             </a:fld>
             <a:endParaRPr lang="ko-KR" altLang="en-US"/>
           </a:p>
@@ -2379,7 +2511,7 @@
           <a:p>
             <a:fld id="{78570142-8825-4D52-AFCC-EF8893624958}" type="datetimeFigureOut">
               <a:rPr lang="ko-KR" altLang="en-US" smtClean="0"/>
-              <a:t>2020-11-08</a:t>
+              <a:t>2020-11-09</a:t>
             </a:fld>
             <a:endParaRPr lang="ko-KR" altLang="en-US"/>
           </a:p>
@@ -2592,7 +2724,7 @@
           <a:p>
             <a:fld id="{78570142-8825-4D52-AFCC-EF8893624958}" type="datetimeFigureOut">
               <a:rPr lang="ko-KR" altLang="en-US" smtClean="0"/>
-              <a:t>2020-11-08</a:t>
+              <a:t>2020-11-09</a:t>
             </a:fld>
             <a:endParaRPr lang="ko-KR" altLang="en-US"/>
           </a:p>
@@ -3209,6 +3341,162 @@
           </a:p>
         </p:txBody>
       </p:sp>
+      <mc:AlternateContent xmlns:mc="http://schemas.openxmlformats.org/markup-compatibility/2006">
+        <mc:Choice xmlns:p14="http://schemas.microsoft.com/office/powerpoint/2010/main" Requires="p14">
+          <p:contentPart p14:bwMode="auto" r:id="rId2">
+            <p14:nvContentPartPr>
+              <p14:cNvPr id="4" name="잉크 3"/>
+              <p14:cNvContentPartPr/>
+              <p14:nvPr/>
+            </p14:nvContentPartPr>
+            <p14:xfrm>
+              <a:off x="398520" y="2262591"/>
+              <a:ext cx="2052000" cy="82440"/>
+            </p14:xfrm>
+          </p:contentPart>
+        </mc:Choice>
+        <mc:Fallback>
+          <p:pic>
+            <p:nvPicPr>
+              <p:cNvPr id="4" name="잉크 3"/>
+              <p:cNvPicPr/>
+              <p:nvPr/>
+            </p:nvPicPr>
+            <p:blipFill>
+              <a:blip r:embed="rId3"/>
+              <a:stretch>
+                <a:fillRect/>
+              </a:stretch>
+            </p:blipFill>
+            <p:spPr>
+              <a:xfrm>
+                <a:off x="350640" y="2166471"/>
+                <a:ext cx="2147760" cy="274680"/>
+              </a:xfrm>
+              <a:prstGeom prst="rect">
+                <a:avLst/>
+              </a:prstGeom>
+            </p:spPr>
+          </p:pic>
+        </mc:Fallback>
+      </mc:AlternateContent>
+      <mc:AlternateContent xmlns:mc="http://schemas.openxmlformats.org/markup-compatibility/2006">
+        <mc:Choice xmlns:p14="http://schemas.microsoft.com/office/powerpoint/2010/main" Requires="p14">
+          <p:contentPart p14:bwMode="auto" r:id="rId4">
+            <p14:nvContentPartPr>
+              <p14:cNvPr id="5" name="잉크 4"/>
+              <p14:cNvContentPartPr/>
+              <p14:nvPr/>
+            </p14:nvContentPartPr>
+            <p14:xfrm>
+              <a:off x="785880" y="3470031"/>
+              <a:ext cx="2063160" cy="47160"/>
+            </p14:xfrm>
+          </p:contentPart>
+        </mc:Choice>
+        <mc:Fallback>
+          <p:pic>
+            <p:nvPicPr>
+              <p:cNvPr id="5" name="잉크 4"/>
+              <p:cNvPicPr/>
+              <p:nvPr/>
+            </p:nvPicPr>
+            <p:blipFill>
+              <a:blip r:embed="rId5"/>
+              <a:stretch>
+                <a:fillRect/>
+              </a:stretch>
+            </p:blipFill>
+            <p:spPr>
+              <a:xfrm>
+                <a:off x="737640" y="3373911"/>
+                <a:ext cx="2159280" cy="239400"/>
+              </a:xfrm>
+              <a:prstGeom prst="rect">
+                <a:avLst/>
+              </a:prstGeom>
+            </p:spPr>
+          </p:pic>
+        </mc:Fallback>
+      </mc:AlternateContent>
+      <mc:AlternateContent xmlns:mc="http://schemas.openxmlformats.org/markup-compatibility/2006">
+        <mc:Choice xmlns:p14="http://schemas.microsoft.com/office/powerpoint/2010/main" Requires="p14">
+          <p:contentPart p14:bwMode="auto" r:id="rId6">
+            <p14:nvContentPartPr>
+              <p14:cNvPr id="6" name="잉크 5"/>
+              <p14:cNvContentPartPr/>
+              <p14:nvPr/>
+            </p14:nvContentPartPr>
+            <p14:xfrm>
+              <a:off x="1851480" y="1124991"/>
+              <a:ext cx="83160" cy="4080240"/>
+            </p14:xfrm>
+          </p:contentPart>
+        </mc:Choice>
+        <mc:Fallback>
+          <p:pic>
+            <p:nvPicPr>
+              <p:cNvPr id="6" name="잉크 5"/>
+              <p:cNvPicPr/>
+              <p:nvPr/>
+            </p:nvPicPr>
+            <p:blipFill>
+              <a:blip r:embed="rId7"/>
+              <a:stretch>
+                <a:fillRect/>
+              </a:stretch>
+            </p:blipFill>
+            <p:spPr>
+              <a:xfrm>
+                <a:off x="1803600" y="1029231"/>
+                <a:ext cx="178920" cy="4272120"/>
+              </a:xfrm>
+              <a:prstGeom prst="rect">
+                <a:avLst/>
+              </a:prstGeom>
+            </p:spPr>
+          </p:pic>
+        </mc:Fallback>
+      </mc:AlternateContent>
+      <mc:AlternateContent xmlns:mc="http://schemas.openxmlformats.org/markup-compatibility/2006">
+        <mc:Choice xmlns:p14="http://schemas.microsoft.com/office/powerpoint/2010/main" Requires="p14">
+          <p:contentPart p14:bwMode="auto" r:id="rId8">
+            <p14:nvContentPartPr>
+              <p14:cNvPr id="8" name="잉크 7"/>
+              <p14:cNvContentPartPr/>
+              <p14:nvPr/>
+            </p14:nvContentPartPr>
+            <p14:xfrm>
+              <a:off x="1981080" y="621351"/>
+              <a:ext cx="3798720" cy="809280"/>
+            </p14:xfrm>
+          </p:contentPart>
+        </mc:Choice>
+        <mc:Fallback>
+          <p:pic>
+            <p:nvPicPr>
+              <p:cNvPr id="8" name="잉크 7"/>
+              <p:cNvPicPr/>
+              <p:nvPr/>
+            </p:nvPicPr>
+            <p:blipFill>
+              <a:blip r:embed="rId9"/>
+              <a:stretch>
+                <a:fillRect/>
+              </a:stretch>
+            </p:blipFill>
+            <p:spPr>
+              <a:xfrm>
+                <a:off x="1969200" y="609471"/>
+                <a:ext cx="3822480" cy="833040"/>
+              </a:xfrm>
+              <a:prstGeom prst="rect">
+                <a:avLst/>
+              </a:prstGeom>
+            </p:spPr>
+          </p:pic>
+        </mc:Fallback>
+      </mc:AlternateContent>
     </p:spTree>
     <p:extLst>
       <p:ext uri="{BB962C8B-B14F-4D97-AF65-F5344CB8AC3E}">
@@ -3246,100 +3534,202 @@
           <a:chExt cx="0" cy="0"/>
         </a:xfrm>
       </p:grpSpPr>
+      <p:pic>
+        <p:nvPicPr>
+          <p:cNvPr id="9" name="그림 8"/>
+          <p:cNvPicPr>
+            <a:picLocks noChangeAspect="1"/>
+          </p:cNvPicPr>
+          <p:nvPr/>
+        </p:nvPicPr>
+        <p:blipFill>
+          <a:blip r:embed="rId2"/>
+          <a:stretch>
+            <a:fillRect/>
+          </a:stretch>
+        </p:blipFill>
+        <p:spPr>
+          <a:xfrm>
+            <a:off x="276225" y="1200148"/>
+            <a:ext cx="5791200" cy="3533775"/>
+          </a:xfrm>
+          <a:prstGeom prst="rect">
+            <a:avLst/>
+          </a:prstGeom>
+        </p:spPr>
+      </p:pic>
       <p:sp>
         <p:nvSpPr>
-          <p:cNvPr id="2" name="제목 1"/>
-          <p:cNvSpPr>
-            <a:spLocks noGrp="1"/>
-          </p:cNvSpPr>
-          <p:nvPr>
-            <p:ph type="ctrTitle"/>
-          </p:nvPr>
+          <p:cNvPr id="6" name="직사각형 5"/>
+          <p:cNvSpPr/>
+          <p:nvPr/>
         </p:nvSpPr>
-        <p:spPr/>
+        <p:spPr>
+          <a:xfrm>
+            <a:off x="276225" y="1095375"/>
+            <a:ext cx="5762625" cy="3743325"/>
+          </a:xfrm>
+          <a:prstGeom prst="rect">
+            <a:avLst/>
+          </a:prstGeom>
+          <a:noFill/>
+          <a:ln w="28575">
+            <a:solidFill>
+              <a:schemeClr val="tx1">
+                <a:lumMod val="65000"/>
+                <a:lumOff val="35000"/>
+              </a:schemeClr>
+            </a:solidFill>
+          </a:ln>
+        </p:spPr>
+        <p:style>
+          <a:lnRef idx="2">
+            <a:schemeClr val="accent1">
+              <a:shade val="50000"/>
+            </a:schemeClr>
+          </a:lnRef>
+          <a:fillRef idx="1">
+            <a:schemeClr val="accent1"/>
+          </a:fillRef>
+          <a:effectRef idx="0">
+            <a:schemeClr val="accent1"/>
+          </a:effectRef>
+          <a:fontRef idx="minor">
+            <a:schemeClr val="lt1"/>
+          </a:fontRef>
+        </p:style>
         <p:txBody>
-          <a:bodyPr/>
+          <a:bodyPr rtlCol="0" anchor="ctr"/>
           <a:lstStyle/>
           <a:p>
-            <a:r>
-              <a:rPr lang="en-US" altLang="ko-KR" b="1" dirty="0" err="1" smtClean="0">
-                <a:effectLst>
-                  <a:outerShdw blurRad="38100" dist="38100" dir="2700000" algn="tl">
-                    <a:srgbClr val="000000">
-                      <a:alpha val="43137"/>
-                    </a:srgbClr>
-                  </a:outerShdw>
-                </a:effectLst>
-                <a:latin typeface="+mj-ea"/>
-              </a:rPr>
-              <a:t>Git</a:t>
-            </a:r>
-            <a:r>
-              <a:rPr lang="en-US" altLang="ko-KR" b="1" dirty="0">
-                <a:effectLst>
-                  <a:outerShdw blurRad="38100" dist="38100" dir="2700000" algn="tl">
-                    <a:srgbClr val="000000">
-                      <a:alpha val="43137"/>
-                    </a:srgbClr>
-                  </a:outerShdw>
-                </a:effectLst>
-                <a:latin typeface="+mj-ea"/>
-              </a:rPr>
-              <a:t> </a:t>
-            </a:r>
-            <a:r>
-              <a:rPr lang="en-US" altLang="ko-KR" b="1" dirty="0" smtClean="0">
-                <a:effectLst>
-                  <a:outerShdw blurRad="38100" dist="38100" dir="2700000" algn="tl">
-                    <a:srgbClr val="000000">
-                      <a:alpha val="43137"/>
-                    </a:srgbClr>
-                  </a:outerShdw>
-                </a:effectLst>
-                <a:latin typeface="+mj-ea"/>
-              </a:rPr>
-              <a:t>branch</a:t>
-            </a:r>
-            <a:endParaRPr lang="ko-KR" altLang="en-US" b="1" dirty="0">
-              <a:effectLst>
-                <a:outerShdw blurRad="38100" dist="38100" dir="2700000" algn="tl">
-                  <a:srgbClr val="000000">
-                    <a:alpha val="43137"/>
-                  </a:srgbClr>
-                </a:outerShdw>
-              </a:effectLst>
-              <a:latin typeface="+mj-ea"/>
-            </a:endParaRPr>
+            <a:pPr algn="ctr"/>
+            <a:endParaRPr lang="ko-KR" altLang="en-US"/>
           </a:p>
         </p:txBody>
       </p:sp>
       <p:sp>
         <p:nvSpPr>
-          <p:cNvPr id="4" name="슬라이드 번호 개체 틀 3"/>
-          <p:cNvSpPr>
-            <a:spLocks noGrp="1"/>
-          </p:cNvSpPr>
-          <p:nvPr>
-            <p:ph type="sldNum" sz="quarter" idx="12"/>
-          </p:nvPr>
+          <p:cNvPr id="7" name="직사각형 6"/>
+          <p:cNvSpPr/>
+          <p:nvPr/>
         </p:nvSpPr>
-        <p:spPr/>
+        <p:spPr>
+          <a:xfrm>
+            <a:off x="6153150" y="1095374"/>
+            <a:ext cx="5762625" cy="3743325"/>
+          </a:xfrm>
+          <a:prstGeom prst="rect">
+            <a:avLst/>
+          </a:prstGeom>
+          <a:noFill/>
+          <a:ln w="28575">
+            <a:solidFill>
+              <a:schemeClr val="tx1">
+                <a:lumMod val="65000"/>
+                <a:lumOff val="35000"/>
+              </a:schemeClr>
+            </a:solidFill>
+          </a:ln>
+        </p:spPr>
+        <p:style>
+          <a:lnRef idx="2">
+            <a:schemeClr val="accent1">
+              <a:shade val="50000"/>
+            </a:schemeClr>
+          </a:lnRef>
+          <a:fillRef idx="1">
+            <a:schemeClr val="accent1"/>
+          </a:fillRef>
+          <a:effectRef idx="0">
+            <a:schemeClr val="accent1"/>
+          </a:effectRef>
+          <a:fontRef idx="minor">
+            <a:schemeClr val="lt1"/>
+          </a:fontRef>
+        </p:style>
         <p:txBody>
-          <a:bodyPr/>
+          <a:bodyPr rtlCol="0" anchor="ctr"/>
           <a:lstStyle/>
           <a:p>
-            <a:fld id="{58588529-ABE4-40AD-8768-23231B917785}" type="slidenum">
-              <a:rPr lang="ko-KR" altLang="en-US" smtClean="0"/>
-              <a:t>10</a:t>
-            </a:fld>
+            <a:pPr algn="ctr"/>
             <a:endParaRPr lang="ko-KR" altLang="en-US"/>
+          </a:p>
+        </p:txBody>
+      </p:sp>
+      <p:pic>
+        <p:nvPicPr>
+          <p:cNvPr id="8" name="그림 7"/>
+          <p:cNvPicPr>
+            <a:picLocks noChangeAspect="1"/>
+          </p:cNvPicPr>
+          <p:nvPr/>
+        </p:nvPicPr>
+        <p:blipFill>
+          <a:blip r:embed="rId3"/>
+          <a:stretch>
+            <a:fillRect/>
+          </a:stretch>
+        </p:blipFill>
+        <p:spPr>
+          <a:xfrm>
+            <a:off x="6400800" y="1165010"/>
+            <a:ext cx="5457825" cy="3568913"/>
+          </a:xfrm>
+          <a:prstGeom prst="rect">
+            <a:avLst/>
+          </a:prstGeom>
+        </p:spPr>
+      </p:pic>
+      <p:sp>
+        <p:nvSpPr>
+          <p:cNvPr id="10" name="TextBox 9"/>
+          <p:cNvSpPr txBox="1"/>
+          <p:nvPr/>
+        </p:nvSpPr>
+        <p:spPr>
+          <a:xfrm>
+            <a:off x="3238500" y="5686425"/>
+            <a:ext cx="5351017" cy="369332"/>
+          </a:xfrm>
+          <a:prstGeom prst="rect">
+            <a:avLst/>
+          </a:prstGeom>
+          <a:noFill/>
+        </p:spPr>
+        <p:txBody>
+          <a:bodyPr wrap="none" rtlCol="0">
+            <a:spAutoFit/>
+          </a:bodyPr>
+          <a:lstStyle/>
+          <a:p>
+            <a:r>
+              <a:rPr lang="ko-KR" altLang="en-US" dirty="0" smtClean="0"/>
+              <a:t>출처 </a:t>
+            </a:r>
+            <a:r>
+              <a:rPr lang="en-US" altLang="ko-KR" dirty="0"/>
+              <a:t>: </a:t>
+            </a:r>
+            <a:r>
+              <a:rPr lang="en-US" altLang="ko-KR" dirty="0">
+                <a:hlinkClick r:id="rId4"/>
+              </a:rPr>
+              <a:t>https://gcapes.github.io/git-course/07-undoing</a:t>
+            </a:r>
+            <a:r>
+              <a:rPr lang="en-US" altLang="ko-KR" dirty="0" smtClean="0">
+                <a:hlinkClick r:id="rId4"/>
+              </a:rPr>
+              <a:t>/</a:t>
+            </a:r>
+            <a:endParaRPr lang="en-US" altLang="ko-KR" dirty="0" smtClean="0"/>
           </a:p>
         </p:txBody>
       </p:sp>
     </p:spTree>
     <p:extLst>
       <p:ext uri="{BB962C8B-B14F-4D97-AF65-F5344CB8AC3E}">
-        <p14:creationId xmlns:p14="http://schemas.microsoft.com/office/powerpoint/2010/main" val="640842296"/>
+        <p14:creationId xmlns:p14="http://schemas.microsoft.com/office/powerpoint/2010/main" val="268439249"/>
       </p:ext>
     </p:extLst>
   </p:cSld>
@@ -3380,21 +3770,16 @@
             <a:spLocks noGrp="1"/>
           </p:cNvSpPr>
           <p:nvPr>
-            <p:ph type="title"/>
+            <p:ph type="ctrTitle"/>
           </p:nvPr>
         </p:nvSpPr>
-        <p:spPr>
-          <a:xfrm>
-            <a:off x="199375" y="171307"/>
-            <a:ext cx="10515600" cy="826539"/>
-          </a:xfrm>
-        </p:spPr>
+        <p:spPr/>
         <p:txBody>
           <a:bodyPr/>
           <a:lstStyle/>
           <a:p>
             <a:r>
-              <a:rPr lang="ko-KR" altLang="en-US" b="1" dirty="0" smtClean="0">
+              <a:rPr lang="en-US" altLang="ko-KR" b="1" dirty="0" err="1" smtClean="0">
                 <a:effectLst>
                   <a:outerShdw blurRad="38100" dist="38100" dir="2700000" algn="tl">
                     <a:srgbClr val="000000">
@@ -3402,8 +3787,35 @@
                     </a:srgbClr>
                   </a:outerShdw>
                 </a:effectLst>
-              </a:rPr>
-              <a:t>버전 관리 용어</a:t>
+                <a:latin typeface="+mj-ea"/>
+              </a:rPr>
+              <a:t>Git</a:t>
+            </a:r>
+            <a:r>
+              <a:rPr lang="en-US" altLang="ko-KR" b="1" dirty="0">
+                <a:effectLst>
+                  <a:outerShdw blurRad="38100" dist="38100" dir="2700000" algn="tl">
+                    <a:srgbClr val="000000">
+                      <a:alpha val="43137"/>
+                    </a:srgbClr>
+                  </a:outerShdw>
+                </a:effectLst>
+                <a:latin typeface="+mj-ea"/>
+              </a:rPr>
+              <a:t> </a:t>
+            </a:r>
+            <a:r>
+              <a:rPr lang="en-US" altLang="ko-KR" b="1" dirty="0" smtClean="0">
+                <a:effectLst>
+                  <a:outerShdw blurRad="38100" dist="38100" dir="2700000" algn="tl">
+                    <a:srgbClr val="000000">
+                      <a:alpha val="43137"/>
+                    </a:srgbClr>
+                  </a:outerShdw>
+                </a:effectLst>
+                <a:latin typeface="+mj-ea"/>
+              </a:rPr>
+              <a:t>branch</a:t>
             </a:r>
             <a:endParaRPr lang="ko-KR" altLang="en-US" b="1" dirty="0">
               <a:effectLst>
@@ -3413,316 +3825,8 @@
                   </a:srgbClr>
                 </a:outerShdw>
               </a:effectLst>
+              <a:latin typeface="+mj-ea"/>
             </a:endParaRPr>
-          </a:p>
-        </p:txBody>
-      </p:sp>
-      <p:sp>
-        <p:nvSpPr>
-          <p:cNvPr id="3" name="내용 개체 틀 2"/>
-          <p:cNvSpPr>
-            <a:spLocks noGrp="1"/>
-          </p:cNvSpPr>
-          <p:nvPr>
-            <p:ph idx="1"/>
-          </p:nvPr>
-        </p:nvSpPr>
-        <p:spPr>
-          <a:xfrm>
-            <a:off x="526211" y="1112808"/>
-            <a:ext cx="11151785" cy="5243542"/>
-          </a:xfrm>
-        </p:spPr>
-        <p:txBody>
-          <a:bodyPr>
-            <a:normAutofit fontScale="92500" lnSpcReduction="10000"/>
-          </a:bodyPr>
-          <a:lstStyle/>
-          <a:p>
-            <a:pPr>
-              <a:lnSpc>
-                <a:spcPct val="110000"/>
-              </a:lnSpc>
-            </a:pPr>
-            <a:r>
-              <a:rPr lang="ko-KR" altLang="en-US" dirty="0"/>
-              <a:t>저장소</a:t>
-            </a:r>
-            <a:r>
-              <a:rPr lang="en-US" altLang="ko-KR" dirty="0"/>
-              <a:t>(</a:t>
-            </a:r>
-            <a:r>
-              <a:rPr lang="en-US" altLang="ko-KR" b="1" dirty="0">
-                <a:solidFill>
-                  <a:srgbClr val="0000FF"/>
-                </a:solidFill>
-              </a:rPr>
-              <a:t>Repository</a:t>
-            </a:r>
-            <a:r>
-              <a:rPr lang="en-US" altLang="ko-KR" dirty="0"/>
-              <a:t>)</a:t>
-            </a:r>
-          </a:p>
-          <a:p>
-            <a:pPr lvl="1">
-              <a:lnSpc>
-                <a:spcPct val="110000"/>
-              </a:lnSpc>
-            </a:pPr>
-            <a:r>
-              <a:rPr lang="ko-KR" altLang="en-US" dirty="0" smtClean="0"/>
-              <a:t>프로젝트의 </a:t>
-            </a:r>
-            <a:r>
-              <a:rPr lang="ko-KR" altLang="en-US" dirty="0"/>
-              <a:t>현재 버전과 변경 이력 등의 정보를 저장하는 저장소</a:t>
-            </a:r>
-          </a:p>
-          <a:p>
-            <a:pPr>
-              <a:lnSpc>
-                <a:spcPct val="110000"/>
-              </a:lnSpc>
-            </a:pPr>
-            <a:r>
-              <a:rPr lang="ko-KR" altLang="en-US" dirty="0" smtClean="0"/>
-              <a:t>가져오기</a:t>
-            </a:r>
-            <a:r>
-              <a:rPr lang="en-US" altLang="ko-KR" dirty="0"/>
-              <a:t>(</a:t>
-            </a:r>
-            <a:r>
-              <a:rPr lang="en-US" altLang="ko-KR" b="1" dirty="0">
-                <a:solidFill>
-                  <a:srgbClr val="0000FF"/>
-                </a:solidFill>
-              </a:rPr>
-              <a:t>Import</a:t>
-            </a:r>
-            <a:r>
-              <a:rPr lang="en-US" altLang="ko-KR" dirty="0"/>
-              <a:t>)</a:t>
-            </a:r>
-          </a:p>
-          <a:p>
-            <a:pPr lvl="1">
-              <a:lnSpc>
-                <a:spcPct val="110000"/>
-              </a:lnSpc>
-            </a:pPr>
-            <a:r>
-              <a:rPr lang="ko-KR" altLang="en-US" dirty="0" smtClean="0"/>
-              <a:t>버전 </a:t>
-            </a:r>
-            <a:r>
-              <a:rPr lang="ko-KR" altLang="en-US" dirty="0"/>
-              <a:t>관리되고 있지 않은 로컬 디렉토리의 파일을 처음으로 저장소</a:t>
-            </a:r>
-            <a:r>
-              <a:rPr lang="en-US" altLang="ko-KR" dirty="0"/>
-              <a:t>(repository)</a:t>
-            </a:r>
-            <a:r>
-              <a:rPr lang="ko-KR" altLang="en-US" dirty="0"/>
-              <a:t>에 </a:t>
-            </a:r>
-            <a:r>
-              <a:rPr lang="ko-KR" altLang="en-US" dirty="0" smtClean="0"/>
-              <a:t>복사함</a:t>
-            </a:r>
-            <a:endParaRPr lang="en-US" altLang="ko-KR" dirty="0"/>
-          </a:p>
-          <a:p>
-            <a:pPr>
-              <a:lnSpc>
-                <a:spcPct val="110000"/>
-              </a:lnSpc>
-            </a:pPr>
-            <a:r>
-              <a:rPr lang="ko-KR" altLang="en-US" dirty="0" smtClean="0"/>
-              <a:t>체크 </a:t>
-            </a:r>
-            <a:r>
-              <a:rPr lang="ko-KR" altLang="en-US" dirty="0"/>
-              <a:t>아웃</a:t>
-            </a:r>
-            <a:r>
-              <a:rPr lang="en-US" altLang="ko-KR" dirty="0"/>
-              <a:t>(</a:t>
-            </a:r>
-            <a:r>
-              <a:rPr lang="en-US" altLang="ko-KR" b="1" dirty="0">
-                <a:solidFill>
-                  <a:srgbClr val="0000FF"/>
-                </a:solidFill>
-              </a:rPr>
-              <a:t>Check out</a:t>
-            </a:r>
-            <a:r>
-              <a:rPr lang="en-US" altLang="ko-KR" dirty="0"/>
-              <a:t>)</a:t>
-            </a:r>
-          </a:p>
-          <a:p>
-            <a:pPr lvl="1">
-              <a:lnSpc>
-                <a:spcPct val="110000"/>
-              </a:lnSpc>
-            </a:pPr>
-            <a:r>
-              <a:rPr lang="ko-KR" altLang="en-US" dirty="0" smtClean="0"/>
-              <a:t>저장소</a:t>
-            </a:r>
-            <a:r>
-              <a:rPr lang="en-US" altLang="ko-KR" dirty="0"/>
-              <a:t>(repository)</a:t>
-            </a:r>
-            <a:r>
-              <a:rPr lang="ko-KR" altLang="en-US" dirty="0"/>
-              <a:t>에서 파일을 </a:t>
-            </a:r>
-            <a:r>
-              <a:rPr lang="ko-KR" altLang="en-US" dirty="0" smtClean="0"/>
-              <a:t>가져옴</a:t>
-            </a:r>
-            <a:endParaRPr lang="en-US" altLang="ko-KR" dirty="0"/>
-          </a:p>
-          <a:p>
-            <a:pPr>
-              <a:lnSpc>
-                <a:spcPct val="110000"/>
-              </a:lnSpc>
-            </a:pPr>
-            <a:r>
-              <a:rPr lang="ko-KR" altLang="en-US" dirty="0" smtClean="0"/>
-              <a:t>체크 </a:t>
-            </a:r>
-            <a:r>
-              <a:rPr lang="ko-KR" altLang="en-US" dirty="0"/>
-              <a:t>인</a:t>
-            </a:r>
-            <a:r>
-              <a:rPr lang="en-US" altLang="ko-KR" dirty="0"/>
-              <a:t>(</a:t>
-            </a:r>
-            <a:r>
-              <a:rPr lang="en-US" altLang="ko-KR" b="1" dirty="0">
-                <a:solidFill>
-                  <a:srgbClr val="0000FF"/>
-                </a:solidFill>
-              </a:rPr>
-              <a:t>Check In</a:t>
-            </a:r>
-            <a:r>
-              <a:rPr lang="en-US" altLang="ko-KR" dirty="0"/>
-              <a:t>, </a:t>
-            </a:r>
-            <a:r>
-              <a:rPr lang="en-US" altLang="ko-KR" b="1" dirty="0">
-                <a:solidFill>
-                  <a:srgbClr val="0000FF"/>
-                </a:solidFill>
-              </a:rPr>
-              <a:t>commit</a:t>
-            </a:r>
-            <a:r>
-              <a:rPr lang="en-US" altLang="ko-KR" dirty="0"/>
-              <a:t>)</a:t>
-            </a:r>
-          </a:p>
-          <a:p>
-            <a:pPr lvl="1">
-              <a:lnSpc>
-                <a:spcPct val="110000"/>
-              </a:lnSpc>
-            </a:pPr>
-            <a:r>
-              <a:rPr lang="ko-KR" altLang="en-US" dirty="0" smtClean="0"/>
-              <a:t>체크 </a:t>
-            </a:r>
-            <a:r>
-              <a:rPr lang="ko-KR" altLang="en-US" dirty="0"/>
-              <a:t>아웃</a:t>
-            </a:r>
-            <a:r>
-              <a:rPr lang="en-US" altLang="ko-KR" dirty="0"/>
-              <a:t>(check out)</a:t>
-            </a:r>
-            <a:r>
-              <a:rPr lang="ko-KR" altLang="en-US" dirty="0"/>
-              <a:t>한 파일의 수정이 끝난 경우 저장소</a:t>
-            </a:r>
-            <a:r>
-              <a:rPr lang="en-US" altLang="ko-KR" dirty="0"/>
-              <a:t>(</a:t>
-            </a:r>
-            <a:r>
-              <a:rPr lang="en-US" altLang="ko-KR" dirty="0" err="1"/>
-              <a:t>respository</a:t>
-            </a:r>
-            <a:r>
-              <a:rPr lang="en-US" altLang="ko-KR" dirty="0"/>
-              <a:t>)</a:t>
-            </a:r>
-            <a:r>
-              <a:rPr lang="ko-KR" altLang="en-US" dirty="0"/>
-              <a:t>에 새로운 버전으로 갱신하는 작업</a:t>
-            </a:r>
-          </a:p>
-          <a:p>
-            <a:pPr lvl="1">
-              <a:lnSpc>
-                <a:spcPct val="110000"/>
-              </a:lnSpc>
-            </a:pPr>
-            <a:r>
-              <a:rPr lang="ko-KR" altLang="en-US" dirty="0" smtClean="0"/>
-              <a:t>이때 </a:t>
-            </a:r>
-            <a:r>
-              <a:rPr lang="ko-KR" altLang="en-US" dirty="0"/>
-              <a:t>이전에 갱신된 것이 있는 경우에 충돌</a:t>
-            </a:r>
-            <a:r>
-              <a:rPr lang="en-US" altLang="ko-KR" dirty="0"/>
-              <a:t>(conflict)</a:t>
-            </a:r>
-            <a:r>
-              <a:rPr lang="ko-KR" altLang="en-US" dirty="0"/>
-              <a:t>을 알려주며</a:t>
-            </a:r>
-            <a:r>
-              <a:rPr lang="en-US" altLang="ko-KR" dirty="0"/>
-              <a:t>, diff </a:t>
-            </a:r>
-            <a:r>
-              <a:rPr lang="ko-KR" altLang="en-US" dirty="0"/>
-              <a:t>도구를 이용해 수정하고 </a:t>
-            </a:r>
-            <a:r>
-              <a:rPr lang="en-US" altLang="ko-KR" dirty="0"/>
-              <a:t>commit</a:t>
-            </a:r>
-            <a:r>
-              <a:rPr lang="ko-KR" altLang="en-US" dirty="0"/>
-              <a:t>하는 </a:t>
-            </a:r>
-            <a:r>
-              <a:rPr lang="ko-KR" altLang="en-US" dirty="0" smtClean="0"/>
-              <a:t>과정을 거침</a:t>
-            </a:r>
-            <a:endParaRPr lang="en-US" altLang="ko-KR" dirty="0"/>
-          </a:p>
-          <a:p>
-            <a:pPr>
-              <a:lnSpc>
-                <a:spcPct val="110000"/>
-              </a:lnSpc>
-            </a:pPr>
-            <a:endParaRPr lang="ko-KR" altLang="en-US" dirty="0"/>
           </a:p>
         </p:txBody>
       </p:sp>
@@ -3752,7 +3856,7 @@
     </p:spTree>
     <p:extLst>
       <p:ext uri="{BB962C8B-B14F-4D97-AF65-F5344CB8AC3E}">
-        <p14:creationId xmlns:p14="http://schemas.microsoft.com/office/powerpoint/2010/main" val="1616613391"/>
+        <p14:creationId xmlns:p14="http://schemas.microsoft.com/office/powerpoint/2010/main" val="640842296"/>
       </p:ext>
     </p:extLst>
   </p:cSld>
@@ -3798,18 +3902,16 @@
         </p:nvSpPr>
         <p:spPr>
           <a:xfrm>
-            <a:off x="139461" y="140838"/>
-            <a:ext cx="10515600" cy="848533"/>
+            <a:off x="199375" y="171307"/>
+            <a:ext cx="10515600" cy="826539"/>
           </a:xfrm>
         </p:spPr>
         <p:txBody>
-          <a:bodyPr vert="horz" lIns="91440" tIns="45720" rIns="91440" bIns="45720" rtlCol="0" anchor="ctr">
-            <a:normAutofit/>
-          </a:bodyPr>
+          <a:bodyPr/>
           <a:lstStyle/>
           <a:p>
             <a:r>
-              <a:rPr lang="en-US" altLang="ko-KR" b="1" dirty="0">
+              <a:rPr lang="ko-KR" altLang="en-US" b="1" dirty="0" smtClean="0">
                 <a:effectLst>
                   <a:outerShdw blurRad="38100" dist="38100" dir="2700000" algn="tl">
                     <a:srgbClr val="000000">
@@ -3817,9 +3919,8 @@
                     </a:srgbClr>
                   </a:outerShdw>
                 </a:effectLst>
-                <a:latin typeface="+mj-ea"/>
-              </a:rPr>
-              <a:t>branch</a:t>
+              </a:rPr>
+              <a:t>버전 관리 용어</a:t>
             </a:r>
             <a:endParaRPr lang="ko-KR" altLang="en-US" b="1" dirty="0">
               <a:effectLst>
@@ -3829,7 +3930,6 @@
                   </a:srgbClr>
                 </a:outerShdw>
               </a:effectLst>
-              <a:latin typeface="+mj-ea"/>
             </a:endParaRPr>
           </a:p>
         </p:txBody>
@@ -3846,197 +3946,300 @@
         </p:nvSpPr>
         <p:spPr>
           <a:xfrm>
-            <a:off x="416944" y="1074501"/>
-            <a:ext cx="11159705" cy="3454368"/>
+            <a:off x="526211" y="1112808"/>
+            <a:ext cx="11151785" cy="5243542"/>
           </a:xfrm>
         </p:spPr>
         <p:txBody>
           <a:bodyPr>
-            <a:normAutofit fontScale="85000" lnSpcReduction="20000"/>
+            <a:normAutofit fontScale="92500" lnSpcReduction="10000"/>
           </a:bodyPr>
           <a:lstStyle/>
           <a:p>
             <a:pPr>
               <a:lnSpc>
-                <a:spcPct val="150000"/>
+                <a:spcPct val="110000"/>
               </a:lnSpc>
             </a:pPr>
             <a:r>
-              <a:rPr lang="ko-KR" altLang="en-US" dirty="0" smtClean="0">
-                <a:latin typeface="+mn-ea"/>
-              </a:rPr>
-              <a:t>기존 프로젝트와 독립적으로 개발을 진행할 수 있는 단위</a:t>
-            </a:r>
-            <a:endParaRPr lang="en-US" altLang="ko-KR" dirty="0" smtClean="0">
-              <a:latin typeface="+mn-ea"/>
-            </a:endParaRPr>
+              <a:rPr lang="ko-KR" altLang="en-US" dirty="0"/>
+              <a:t>저장소</a:t>
+            </a:r>
+            <a:r>
+              <a:rPr lang="en-US" altLang="ko-KR" dirty="0"/>
+              <a:t>(</a:t>
+            </a:r>
+            <a:r>
+              <a:rPr lang="en-US" altLang="ko-KR" b="1" dirty="0">
+                <a:solidFill>
+                  <a:srgbClr val="0000FF"/>
+                </a:solidFill>
+              </a:rPr>
+              <a:t>Repository</a:t>
+            </a:r>
+            <a:r>
+              <a:rPr lang="en-US" altLang="ko-KR" dirty="0"/>
+              <a:t>)</a:t>
+            </a:r>
+          </a:p>
+          <a:p>
+            <a:pPr lvl="1">
+              <a:lnSpc>
+                <a:spcPct val="110000"/>
+              </a:lnSpc>
+            </a:pPr>
+            <a:r>
+              <a:rPr lang="ko-KR" altLang="en-US" dirty="0" smtClean="0"/>
+              <a:t>프로젝트의 </a:t>
+            </a:r>
+            <a:r>
+              <a:rPr lang="ko-KR" altLang="en-US" dirty="0"/>
+              <a:t>현재 버전과 변경 이력 등의 정보를 저장하는 저장소</a:t>
+            </a:r>
           </a:p>
           <a:p>
             <a:pPr>
               <a:lnSpc>
-                <a:spcPct val="150000"/>
+                <a:spcPct val="110000"/>
               </a:lnSpc>
             </a:pPr>
             <a:r>
-              <a:rPr lang="ko-KR" altLang="en-US" dirty="0">
-                <a:latin typeface="+mn-ea"/>
-              </a:rPr>
-              <a:t>현재 프로젝트가 진행되는 상황에서 </a:t>
-            </a:r>
-            <a:r>
-              <a:rPr lang="ko-KR" altLang="en-US" b="1" dirty="0">
+              <a:rPr lang="ko-KR" altLang="en-US" dirty="0" smtClean="0"/>
+              <a:t>가져오기</a:t>
+            </a:r>
+            <a:r>
+              <a:rPr lang="en-US" altLang="ko-KR" dirty="0"/>
+              <a:t>(</a:t>
+            </a:r>
+            <a:r>
+              <a:rPr lang="en-US" altLang="ko-KR" b="1" dirty="0">
                 <a:solidFill>
                   <a:srgbClr val="0000FF"/>
                 </a:solidFill>
-                <a:latin typeface="+mn-ea"/>
-              </a:rPr>
-              <a:t>추가적인 기능</a:t>
-            </a:r>
-            <a:r>
-              <a:rPr lang="ko-KR" altLang="en-US" dirty="0">
-                <a:latin typeface="+mn-ea"/>
-              </a:rPr>
-              <a:t>을 만들 때를 </a:t>
-            </a:r>
-            <a:r>
-              <a:rPr lang="ko-KR" altLang="en-US" dirty="0" smtClean="0">
-                <a:latin typeface="+mn-ea"/>
-              </a:rPr>
-              <a:t>가정</a:t>
-            </a:r>
-            <a:endParaRPr lang="en-US" altLang="ko-KR" dirty="0">
-              <a:latin typeface="+mn-ea"/>
-            </a:endParaRPr>
+              </a:rPr>
+              <a:t>Import</a:t>
+            </a:r>
+            <a:r>
+              <a:rPr lang="en-US" altLang="ko-KR" dirty="0"/>
+              <a:t>)</a:t>
+            </a:r>
           </a:p>
           <a:p>
             <a:pPr lvl="1">
               <a:lnSpc>
-                <a:spcPct val="150000"/>
+                <a:spcPct val="110000"/>
               </a:lnSpc>
             </a:pPr>
             <a:r>
-              <a:rPr lang="ko-KR" altLang="en-US" dirty="0" smtClean="0">
-                <a:latin typeface="+mn-ea"/>
-              </a:rPr>
-              <a:t>추가 </a:t>
-            </a:r>
-            <a:r>
-              <a:rPr lang="ko-KR" altLang="en-US" dirty="0">
-                <a:latin typeface="+mn-ea"/>
-              </a:rPr>
-              <a:t>기능은 현재 프로젝트의 메인 기능에 영향을 주면 안 </a:t>
-            </a:r>
-            <a:r>
-              <a:rPr lang="ko-KR" altLang="en-US" dirty="0" smtClean="0">
-                <a:latin typeface="+mn-ea"/>
-              </a:rPr>
-              <a:t>됨</a:t>
-            </a:r>
-            <a:endParaRPr lang="en-US" altLang="ko-KR" dirty="0">
-              <a:latin typeface="+mn-ea"/>
-            </a:endParaRPr>
+              <a:rPr lang="ko-KR" altLang="en-US" dirty="0" smtClean="0"/>
+              <a:t>버전 </a:t>
+            </a:r>
+            <a:r>
+              <a:rPr lang="ko-KR" altLang="en-US" dirty="0"/>
+              <a:t>관리되고 있지 않은 로컬 디렉토리의 파일을 처음으로 저장소</a:t>
+            </a:r>
+            <a:r>
+              <a:rPr lang="en-US" altLang="ko-KR" dirty="0"/>
+              <a:t>(repository)</a:t>
+            </a:r>
+            <a:r>
+              <a:rPr lang="ko-KR" altLang="en-US" dirty="0"/>
+              <a:t>에 </a:t>
+            </a:r>
+            <a:r>
+              <a:rPr lang="ko-KR" altLang="en-US" dirty="0" smtClean="0"/>
+              <a:t>복사함</a:t>
+            </a:r>
+            <a:endParaRPr lang="en-US" altLang="ko-KR" dirty="0"/>
+          </a:p>
+          <a:p>
+            <a:pPr>
+              <a:lnSpc>
+                <a:spcPct val="110000"/>
+              </a:lnSpc>
+            </a:pPr>
+            <a:r>
+              <a:rPr lang="ko-KR" altLang="en-US" dirty="0" smtClean="0"/>
+              <a:t>체크 </a:t>
+            </a:r>
+            <a:r>
+              <a:rPr lang="ko-KR" altLang="en-US" dirty="0"/>
+              <a:t>아웃</a:t>
+            </a:r>
+            <a:r>
+              <a:rPr lang="en-US" altLang="ko-KR" dirty="0"/>
+              <a:t>(</a:t>
+            </a:r>
+            <a:r>
+              <a:rPr lang="en-US" altLang="ko-KR" b="1" dirty="0">
+                <a:solidFill>
+                  <a:srgbClr val="0000FF"/>
+                </a:solidFill>
+              </a:rPr>
+              <a:t>Check out</a:t>
+            </a:r>
+            <a:r>
+              <a:rPr lang="en-US" altLang="ko-KR" dirty="0"/>
+              <a:t>)</a:t>
+            </a:r>
           </a:p>
           <a:p>
             <a:pPr lvl="1">
               <a:lnSpc>
-                <a:spcPct val="150000"/>
+                <a:spcPct val="110000"/>
               </a:lnSpc>
             </a:pPr>
             <a:r>
-              <a:rPr lang="ko-KR" altLang="en-US" dirty="0">
-                <a:latin typeface="+mn-ea"/>
-              </a:rPr>
-              <a:t>메인 작업과 </a:t>
-            </a:r>
-            <a:r>
-              <a:rPr lang="ko-KR" altLang="en-US" dirty="0" smtClean="0">
-                <a:latin typeface="+mn-ea"/>
-              </a:rPr>
-              <a:t>추가 </a:t>
-            </a:r>
-            <a:r>
-              <a:rPr lang="ko-KR" altLang="en-US" dirty="0">
-                <a:latin typeface="+mn-ea"/>
-              </a:rPr>
-              <a:t>작업은 개별적으로 </a:t>
-            </a:r>
-            <a:r>
-              <a:rPr lang="ko-KR" altLang="en-US" dirty="0" smtClean="0">
-                <a:latin typeface="+mn-ea"/>
-              </a:rPr>
-              <a:t>진행됨</a:t>
-            </a:r>
-            <a:endParaRPr lang="en-US" altLang="ko-KR" dirty="0" smtClean="0">
-              <a:latin typeface="+mn-ea"/>
-            </a:endParaRPr>
+              <a:rPr lang="ko-KR" altLang="en-US" dirty="0" smtClean="0"/>
+              <a:t>저장소</a:t>
+            </a:r>
+            <a:r>
+              <a:rPr lang="en-US" altLang="ko-KR" dirty="0"/>
+              <a:t>(repository)</a:t>
+            </a:r>
+            <a:r>
+              <a:rPr lang="ko-KR" altLang="en-US" dirty="0"/>
+              <a:t>에서 파일을 </a:t>
+            </a:r>
+            <a:r>
+              <a:rPr lang="ko-KR" altLang="en-US" dirty="0" smtClean="0"/>
+              <a:t>가져옴</a:t>
+            </a:r>
+            <a:endParaRPr lang="en-US" altLang="ko-KR" dirty="0"/>
           </a:p>
           <a:p>
             <a:pPr>
               <a:lnSpc>
-                <a:spcPct val="150000"/>
+                <a:spcPct val="110000"/>
               </a:lnSpc>
             </a:pPr>
             <a:r>
-              <a:rPr lang="en-US" altLang="ko-KR" dirty="0" err="1" smtClean="0">
-                <a:latin typeface="+mn-ea"/>
-              </a:rPr>
-              <a:t>git</a:t>
-            </a:r>
-            <a:r>
-              <a:rPr lang="ko-KR" altLang="en-US" dirty="0" smtClean="0">
-                <a:latin typeface="+mn-ea"/>
-              </a:rPr>
-              <a:t>의 강력한 기능이며 다른 것과 구별되는 특징이 </a:t>
-            </a:r>
-            <a:r>
-              <a:rPr lang="en-US" altLang="ko-KR" dirty="0" smtClean="0">
-                <a:latin typeface="+mn-ea"/>
-              </a:rPr>
-              <a:t>branch</a:t>
-            </a:r>
-            <a:endParaRPr lang="en-US" altLang="ko-KR" dirty="0">
-              <a:latin typeface="+mn-ea"/>
-            </a:endParaRPr>
+              <a:rPr lang="ko-KR" altLang="en-US" dirty="0" smtClean="0"/>
+              <a:t>체크 </a:t>
+            </a:r>
+            <a:r>
+              <a:rPr lang="ko-KR" altLang="en-US" dirty="0"/>
+              <a:t>인</a:t>
+            </a:r>
+            <a:r>
+              <a:rPr lang="en-US" altLang="ko-KR" dirty="0"/>
+              <a:t>(</a:t>
+            </a:r>
+            <a:r>
+              <a:rPr lang="en-US" altLang="ko-KR" b="1" dirty="0">
+                <a:solidFill>
+                  <a:srgbClr val="0000FF"/>
+                </a:solidFill>
+              </a:rPr>
+              <a:t>Check In</a:t>
+            </a:r>
+            <a:r>
+              <a:rPr lang="en-US" altLang="ko-KR" dirty="0"/>
+              <a:t>, </a:t>
+            </a:r>
+            <a:r>
+              <a:rPr lang="en-US" altLang="ko-KR" b="1" dirty="0">
+                <a:solidFill>
+                  <a:srgbClr val="0000FF"/>
+                </a:solidFill>
+              </a:rPr>
+              <a:t>commit</a:t>
+            </a:r>
+            <a:r>
+              <a:rPr lang="en-US" altLang="ko-KR" dirty="0"/>
+              <a:t>)</a:t>
+            </a:r>
+          </a:p>
+          <a:p>
+            <a:pPr lvl="1">
+              <a:lnSpc>
+                <a:spcPct val="110000"/>
+              </a:lnSpc>
+            </a:pPr>
+            <a:r>
+              <a:rPr lang="ko-KR" altLang="en-US" dirty="0" smtClean="0"/>
+              <a:t>체크 </a:t>
+            </a:r>
+            <a:r>
+              <a:rPr lang="ko-KR" altLang="en-US" dirty="0"/>
+              <a:t>아웃</a:t>
+            </a:r>
+            <a:r>
+              <a:rPr lang="en-US" altLang="ko-KR" dirty="0"/>
+              <a:t>(check out)</a:t>
+            </a:r>
+            <a:r>
+              <a:rPr lang="ko-KR" altLang="en-US" dirty="0"/>
+              <a:t>한 파일의 수정이 끝난 경우 저장소</a:t>
+            </a:r>
+            <a:r>
+              <a:rPr lang="en-US" altLang="ko-KR" dirty="0"/>
+              <a:t>(</a:t>
+            </a:r>
+            <a:r>
+              <a:rPr lang="en-US" altLang="ko-KR" dirty="0" err="1"/>
+              <a:t>respository</a:t>
+            </a:r>
+            <a:r>
+              <a:rPr lang="en-US" altLang="ko-KR" dirty="0"/>
+              <a:t>)</a:t>
+            </a:r>
+            <a:r>
+              <a:rPr lang="ko-KR" altLang="en-US" dirty="0"/>
+              <a:t>에 새로운 버전으로 갱신하는 작업</a:t>
+            </a:r>
+          </a:p>
+          <a:p>
+            <a:pPr lvl="1">
+              <a:lnSpc>
+                <a:spcPct val="110000"/>
+              </a:lnSpc>
+            </a:pPr>
+            <a:r>
+              <a:rPr lang="ko-KR" altLang="en-US" dirty="0" smtClean="0"/>
+              <a:t>이때 </a:t>
+            </a:r>
+            <a:r>
+              <a:rPr lang="ko-KR" altLang="en-US" dirty="0"/>
+              <a:t>이전에 갱신된 것이 있는 경우에 충돌</a:t>
+            </a:r>
+            <a:r>
+              <a:rPr lang="en-US" altLang="ko-KR" dirty="0"/>
+              <a:t>(conflict)</a:t>
+            </a:r>
+            <a:r>
+              <a:rPr lang="ko-KR" altLang="en-US" dirty="0"/>
+              <a:t>을 알려주며</a:t>
+            </a:r>
+            <a:r>
+              <a:rPr lang="en-US" altLang="ko-KR" dirty="0"/>
+              <a:t>, diff </a:t>
+            </a:r>
+            <a:r>
+              <a:rPr lang="ko-KR" altLang="en-US" dirty="0"/>
+              <a:t>도구를 이용해 수정하고 </a:t>
+            </a:r>
+            <a:r>
+              <a:rPr lang="en-US" altLang="ko-KR" dirty="0"/>
+              <a:t>commit</a:t>
+            </a:r>
+            <a:r>
+              <a:rPr lang="ko-KR" altLang="en-US" dirty="0"/>
+              <a:t>하는 </a:t>
+            </a:r>
+            <a:r>
+              <a:rPr lang="ko-KR" altLang="en-US" dirty="0" smtClean="0"/>
+              <a:t>과정을 거침</a:t>
+            </a:r>
+            <a:endParaRPr lang="en-US" altLang="ko-KR" dirty="0"/>
           </a:p>
           <a:p>
             <a:pPr>
               <a:lnSpc>
-                <a:spcPct val="150000"/>
+                <a:spcPct val="110000"/>
               </a:lnSpc>
             </a:pPr>
-            <a:r>
-              <a:rPr lang="ko-KR" altLang="en-US" dirty="0" err="1" smtClean="0">
-                <a:latin typeface="+mn-ea"/>
-              </a:rPr>
-              <a:t>브랜치의</a:t>
-            </a:r>
-            <a:r>
-              <a:rPr lang="ko-KR" altLang="en-US" dirty="0" smtClean="0">
-                <a:latin typeface="+mn-ea"/>
-              </a:rPr>
-              <a:t> 작업 내용은 </a:t>
-            </a:r>
-            <a:r>
-              <a:rPr lang="en-US" altLang="ko-KR" dirty="0" smtClean="0">
-                <a:latin typeface="+mn-ea"/>
-              </a:rPr>
-              <a:t>merge </a:t>
-            </a:r>
-            <a:r>
-              <a:rPr lang="ko-KR" altLang="en-US" dirty="0">
-                <a:latin typeface="+mn-ea"/>
-              </a:rPr>
-              <a:t>과정을 통해 메인 작업에 </a:t>
-            </a:r>
-            <a:r>
-              <a:rPr lang="ko-KR" altLang="en-US" dirty="0" smtClean="0">
-                <a:latin typeface="+mn-ea"/>
-              </a:rPr>
-              <a:t>통합 가능</a:t>
-            </a:r>
-            <a:endParaRPr lang="en-US" altLang="ko-KR" dirty="0">
-              <a:latin typeface="+mn-ea"/>
-            </a:endParaRPr>
+            <a:endParaRPr lang="ko-KR" altLang="en-US" dirty="0"/>
           </a:p>
         </p:txBody>
       </p:sp>
@@ -4063,82 +4266,10 @@
           </a:p>
         </p:txBody>
       </p:sp>
-      <p:pic>
-        <p:nvPicPr>
-          <p:cNvPr id="5" name="그림 4"/>
-          <p:cNvPicPr>
-            <a:picLocks noChangeAspect="1"/>
-          </p:cNvPicPr>
-          <p:nvPr/>
-        </p:nvPicPr>
-        <p:blipFill>
-          <a:blip r:embed="rId2"/>
-          <a:stretch>
-            <a:fillRect/>
-          </a:stretch>
-        </p:blipFill>
-        <p:spPr>
-          <a:xfrm>
-            <a:off x="1374386" y="4362402"/>
-            <a:ext cx="3723826" cy="2359073"/>
-          </a:xfrm>
-          <a:prstGeom prst="rect">
-            <a:avLst/>
-          </a:prstGeom>
-        </p:spPr>
-      </p:pic>
-      <p:sp>
-        <p:nvSpPr>
-          <p:cNvPr id="6" name="TextBox 5"/>
-          <p:cNvSpPr txBox="1"/>
-          <p:nvPr/>
-        </p:nvSpPr>
-        <p:spPr>
-          <a:xfrm>
-            <a:off x="5738916" y="5044464"/>
-            <a:ext cx="5743367" cy="923330"/>
-          </a:xfrm>
-          <a:prstGeom prst="rect">
-            <a:avLst/>
-          </a:prstGeom>
-          <a:noFill/>
-        </p:spPr>
-        <p:txBody>
-          <a:bodyPr wrap="none" rtlCol="0">
-            <a:spAutoFit/>
-          </a:bodyPr>
-          <a:lstStyle/>
-          <a:p>
-            <a:r>
-              <a:rPr lang="ko-KR" altLang="en-US" dirty="0" err="1" smtClean="0"/>
-              <a:t>참고사이트</a:t>
-            </a:r>
-            <a:endParaRPr lang="en-US" altLang="ko-KR" dirty="0" smtClean="0"/>
-          </a:p>
-          <a:p>
-            <a:r>
-              <a:rPr lang="en-US" altLang="ko-KR" dirty="0">
-                <a:hlinkClick r:id="rId3"/>
-              </a:rPr>
-              <a:t>https://</a:t>
-            </a:r>
-            <a:r>
-              <a:rPr lang="en-US" altLang="ko-KR" dirty="0" smtClean="0">
-                <a:hlinkClick r:id="rId3"/>
-              </a:rPr>
-              <a:t>backlog.com/git-tutorial/kr/stepup/stepup1_1.html</a:t>
-            </a:r>
-            <a:endParaRPr lang="en-US" altLang="ko-KR" dirty="0" smtClean="0"/>
-          </a:p>
-          <a:p>
-            <a:endParaRPr lang="ko-KR" altLang="en-US" dirty="0"/>
-          </a:p>
-        </p:txBody>
-      </p:sp>
     </p:spTree>
     <p:extLst>
       <p:ext uri="{BB962C8B-B14F-4D97-AF65-F5344CB8AC3E}">
-        <p14:creationId xmlns:p14="http://schemas.microsoft.com/office/powerpoint/2010/main" val="3911844147"/>
+        <p14:creationId xmlns:p14="http://schemas.microsoft.com/office/powerpoint/2010/main" val="1616613391"/>
       </p:ext>
     </p:extLst>
   </p:cSld>
@@ -4174,6 +4305,54 @@
       </p:grpSpPr>
       <p:sp>
         <p:nvSpPr>
+          <p:cNvPr id="2" name="제목 1"/>
+          <p:cNvSpPr>
+            <a:spLocks noGrp="1"/>
+          </p:cNvSpPr>
+          <p:nvPr>
+            <p:ph type="title"/>
+          </p:nvPr>
+        </p:nvSpPr>
+        <p:spPr>
+          <a:xfrm>
+            <a:off x="139461" y="140838"/>
+            <a:ext cx="10515600" cy="848533"/>
+          </a:xfrm>
+        </p:spPr>
+        <p:txBody>
+          <a:bodyPr vert="horz" lIns="91440" tIns="45720" rIns="91440" bIns="45720" rtlCol="0" anchor="ctr">
+            <a:normAutofit/>
+          </a:bodyPr>
+          <a:lstStyle/>
+          <a:p>
+            <a:r>
+              <a:rPr lang="en-US" altLang="ko-KR" b="1" dirty="0">
+                <a:effectLst>
+                  <a:outerShdw blurRad="38100" dist="38100" dir="2700000" algn="tl">
+                    <a:srgbClr val="000000">
+                      <a:alpha val="43137"/>
+                    </a:srgbClr>
+                  </a:outerShdw>
+                </a:effectLst>
+                <a:latin typeface="+mj-ea"/>
+              </a:rPr>
+              <a:t>branch</a:t>
+            </a:r>
+            <a:endParaRPr lang="ko-KR" altLang="en-US" b="1" dirty="0">
+              <a:effectLst>
+                <a:outerShdw blurRad="38100" dist="38100" dir="2700000" algn="tl">
+                  <a:srgbClr val="000000">
+                    <a:alpha val="43137"/>
+                  </a:srgbClr>
+                </a:outerShdw>
+              </a:effectLst>
+              <a:latin typeface="+mj-ea"/>
+            </a:endParaRPr>
+          </a:p>
+        </p:txBody>
+      </p:sp>
+      <p:sp>
+        <p:nvSpPr>
           <p:cNvPr id="3" name="내용 개체 틀 2"/>
           <p:cNvSpPr>
             <a:spLocks noGrp="1"/>
@@ -4184,39 +4363,211 @@
         </p:nvSpPr>
         <p:spPr>
           <a:xfrm>
-            <a:off x="570781" y="598487"/>
-            <a:ext cx="10515600" cy="4351338"/>
+            <a:off x="416944" y="1074501"/>
+            <a:ext cx="11159705" cy="3454368"/>
           </a:xfrm>
         </p:spPr>
         <p:txBody>
-          <a:bodyPr/>
+          <a:bodyPr>
+            <a:normAutofit fontScale="85000" lnSpcReduction="20000"/>
+          </a:bodyPr>
           <a:lstStyle/>
           <a:p>
-            <a:r>
-              <a:rPr lang="ko-KR" altLang="en-US" dirty="0" smtClean="0"/>
-              <a:t>기본 </a:t>
-            </a:r>
-            <a:r>
-              <a:rPr lang="ko-KR" altLang="en-US" dirty="0" err="1" smtClean="0"/>
-              <a:t>브랜치와</a:t>
-            </a:r>
-            <a:r>
-              <a:rPr lang="ko-KR" altLang="en-US" dirty="0" smtClean="0"/>
-              <a:t>  </a:t>
-            </a:r>
-            <a:r>
-              <a:rPr lang="ko-KR" altLang="en-US" dirty="0" err="1" smtClean="0"/>
-              <a:t>커밋</a:t>
-            </a:r>
-            <a:r>
-              <a:rPr lang="ko-KR" altLang="en-US" dirty="0" smtClean="0"/>
-              <a:t> </a:t>
-            </a:r>
-            <a:r>
-              <a:rPr lang="ko-KR" altLang="en-US" dirty="0" err="1" smtClean="0"/>
-              <a:t>히스토리</a:t>
-            </a:r>
-            <a:endParaRPr lang="ko-KR" altLang="en-US" dirty="0"/>
+            <a:pPr>
+              <a:lnSpc>
+                <a:spcPct val="150000"/>
+              </a:lnSpc>
+            </a:pPr>
+            <a:r>
+              <a:rPr lang="ko-KR" altLang="en-US" dirty="0" smtClean="0">
+                <a:latin typeface="+mn-ea"/>
+              </a:rPr>
+              <a:t>기존 프로젝트와 독립적으로 개발을 진행할 수 있는 단위</a:t>
+            </a:r>
+            <a:endParaRPr lang="en-US" altLang="ko-KR" dirty="0" smtClean="0">
+              <a:latin typeface="+mn-ea"/>
+            </a:endParaRPr>
+          </a:p>
+          <a:p>
+            <a:pPr>
+              <a:lnSpc>
+                <a:spcPct val="150000"/>
+              </a:lnSpc>
+            </a:pPr>
+            <a:r>
+              <a:rPr lang="ko-KR" altLang="en-US" dirty="0">
+                <a:latin typeface="+mn-ea"/>
+              </a:rPr>
+              <a:t>현재 프로젝트가 진행되는 상황에서 </a:t>
+            </a:r>
+            <a:r>
+              <a:rPr lang="ko-KR" altLang="en-US" b="1" dirty="0">
+                <a:solidFill>
+                  <a:srgbClr val="0000FF"/>
+                </a:solidFill>
+                <a:latin typeface="+mn-ea"/>
+              </a:rPr>
+              <a:t>추가적인 기능</a:t>
+            </a:r>
+            <a:r>
+              <a:rPr lang="ko-KR" altLang="en-US" dirty="0">
+                <a:latin typeface="+mn-ea"/>
+              </a:rPr>
+              <a:t>을 만들 때를 </a:t>
+            </a:r>
+            <a:r>
+              <a:rPr lang="ko-KR" altLang="en-US" dirty="0" smtClean="0">
+                <a:latin typeface="+mn-ea"/>
+              </a:rPr>
+              <a:t>가정</a:t>
+            </a:r>
+            <a:endParaRPr lang="en-US" altLang="ko-KR" dirty="0">
+              <a:latin typeface="+mn-ea"/>
+            </a:endParaRPr>
+          </a:p>
+          <a:p>
+            <a:pPr lvl="1">
+              <a:lnSpc>
+                <a:spcPct val="150000"/>
+              </a:lnSpc>
+            </a:pPr>
+            <a:r>
+              <a:rPr lang="ko-KR" altLang="en-US" dirty="0" smtClean="0">
+                <a:latin typeface="+mn-ea"/>
+              </a:rPr>
+              <a:t>추가 </a:t>
+            </a:r>
+            <a:r>
+              <a:rPr lang="ko-KR" altLang="en-US" dirty="0">
+                <a:latin typeface="+mn-ea"/>
+              </a:rPr>
+              <a:t>기능은 현재 프로젝트의 메인 기능에 영향을 주면 안 </a:t>
+            </a:r>
+            <a:r>
+              <a:rPr lang="ko-KR" altLang="en-US" dirty="0" smtClean="0">
+                <a:latin typeface="+mn-ea"/>
+              </a:rPr>
+              <a:t>됨</a:t>
+            </a:r>
+            <a:endParaRPr lang="en-US" altLang="ko-KR" dirty="0">
+              <a:latin typeface="+mn-ea"/>
+            </a:endParaRPr>
+          </a:p>
+          <a:p>
+            <a:pPr lvl="1">
+              <a:lnSpc>
+                <a:spcPct val="150000"/>
+              </a:lnSpc>
+            </a:pPr>
+            <a:r>
+              <a:rPr lang="ko-KR" altLang="en-US" dirty="0">
+                <a:latin typeface="+mn-ea"/>
+              </a:rPr>
+              <a:t>메인 작업과 </a:t>
+            </a:r>
+            <a:r>
+              <a:rPr lang="ko-KR" altLang="en-US" dirty="0" smtClean="0">
+                <a:latin typeface="+mn-ea"/>
+              </a:rPr>
+              <a:t>추가 </a:t>
+            </a:r>
+            <a:r>
+              <a:rPr lang="ko-KR" altLang="en-US" dirty="0">
+                <a:latin typeface="+mn-ea"/>
+              </a:rPr>
+              <a:t>작업은 개별적으로 </a:t>
+            </a:r>
+            <a:r>
+              <a:rPr lang="ko-KR" altLang="en-US" dirty="0" smtClean="0">
+                <a:latin typeface="+mn-ea"/>
+              </a:rPr>
+              <a:t>진행됨</a:t>
+            </a:r>
+            <a:endParaRPr lang="en-US" altLang="ko-KR" dirty="0" smtClean="0">
+              <a:latin typeface="+mn-ea"/>
+            </a:endParaRPr>
+          </a:p>
+          <a:p>
+            <a:pPr>
+              <a:lnSpc>
+                <a:spcPct val="150000"/>
+              </a:lnSpc>
+            </a:pPr>
+            <a:r>
+              <a:rPr lang="en-US" altLang="ko-KR" dirty="0" err="1" smtClean="0">
+                <a:latin typeface="+mn-ea"/>
+              </a:rPr>
+              <a:t>git</a:t>
+            </a:r>
+            <a:r>
+              <a:rPr lang="ko-KR" altLang="en-US" dirty="0" smtClean="0">
+                <a:latin typeface="+mn-ea"/>
+              </a:rPr>
+              <a:t>의 강력한 기능이며 다른 것과 구별되는 특징이 </a:t>
+            </a:r>
+            <a:r>
+              <a:rPr lang="en-US" altLang="ko-KR" b="1" dirty="0" smtClean="0">
+                <a:effectLst>
+                  <a:outerShdw blurRad="38100" dist="38100" dir="2700000" algn="tl">
+                    <a:srgbClr val="000000">
+                      <a:alpha val="43137"/>
+                    </a:srgbClr>
+                  </a:outerShdw>
+                </a:effectLst>
+                <a:latin typeface="+mn-ea"/>
+              </a:rPr>
+              <a:t>branch</a:t>
+            </a:r>
+            <a:endParaRPr lang="en-US" altLang="ko-KR" b="1" dirty="0">
+              <a:effectLst>
+                <a:outerShdw blurRad="38100" dist="38100" dir="2700000" algn="tl">
+                  <a:srgbClr val="000000">
+                    <a:alpha val="43137"/>
+                  </a:srgbClr>
+                </a:outerShdw>
+              </a:effectLst>
+              <a:latin typeface="+mn-ea"/>
+            </a:endParaRPr>
+          </a:p>
+          <a:p>
+            <a:pPr>
+              <a:lnSpc>
+                <a:spcPct val="150000"/>
+              </a:lnSpc>
+            </a:pPr>
+            <a:r>
+              <a:rPr lang="ko-KR" altLang="en-US" dirty="0" err="1" smtClean="0">
+                <a:latin typeface="+mn-ea"/>
+              </a:rPr>
+              <a:t>브랜치의</a:t>
+            </a:r>
+            <a:r>
+              <a:rPr lang="ko-KR" altLang="en-US" dirty="0" smtClean="0">
+                <a:latin typeface="+mn-ea"/>
+              </a:rPr>
+              <a:t> 작업 내용은 </a:t>
+            </a:r>
+            <a:r>
+              <a:rPr lang="en-US" altLang="ko-KR" dirty="0" smtClean="0">
+                <a:latin typeface="+mn-ea"/>
+              </a:rPr>
+              <a:t>merge </a:t>
+            </a:r>
+            <a:r>
+              <a:rPr lang="ko-KR" altLang="en-US" dirty="0">
+                <a:latin typeface="+mn-ea"/>
+              </a:rPr>
+              <a:t>과정을 통해 메인 작업에 </a:t>
+            </a:r>
+            <a:r>
+              <a:rPr lang="ko-KR" altLang="en-US" dirty="0" smtClean="0">
+                <a:latin typeface="+mn-ea"/>
+              </a:rPr>
+              <a:t>통합 가능</a:t>
+            </a:r>
+            <a:endParaRPr lang="en-US" altLang="ko-KR" dirty="0">
+              <a:latin typeface="+mn-ea"/>
+            </a:endParaRPr>
           </a:p>
         </p:txBody>
       </p:sp>
@@ -4259,8 +4610,8 @@
         </p:blipFill>
         <p:spPr>
           <a:xfrm>
-            <a:off x="1289828" y="1824877"/>
-            <a:ext cx="7691825" cy="4030812"/>
+            <a:off x="1402961" y="4326592"/>
+            <a:ext cx="3723826" cy="2359073"/>
           </a:xfrm>
           <a:prstGeom prst="rect">
             <a:avLst/>
@@ -4275,8 +4626,8 @@
         </p:nvSpPr>
         <p:spPr>
           <a:xfrm>
-            <a:off x="8903538" y="1011627"/>
-            <a:ext cx="2372765" cy="400110"/>
+            <a:off x="5738916" y="5044464"/>
+            <a:ext cx="5743367" cy="923330"/>
           </a:xfrm>
           <a:prstGeom prst="rect">
             <a:avLst/>
@@ -4290,84 +4641,35 @@
           <a:lstStyle/>
           <a:p>
             <a:r>
-              <a:rPr lang="ko-KR" altLang="en-US" sz="2000" dirty="0" smtClean="0">
-                <a:solidFill>
-                  <a:srgbClr val="0000FF"/>
-                </a:solidFill>
-                <a:latin typeface="나눔손글씨 펜" panose="03040600000000000000" pitchFamily="66" charset="-127"/>
-                <a:ea typeface="나눔손글씨 펜" panose="03040600000000000000" pitchFamily="66" charset="-127"/>
-              </a:rPr>
-              <a:t>현재 </a:t>
-            </a:r>
-            <a:r>
-              <a:rPr lang="ko-KR" altLang="en-US" sz="2000" dirty="0" err="1" smtClean="0">
-                <a:solidFill>
-                  <a:srgbClr val="0000FF"/>
-                </a:solidFill>
-                <a:latin typeface="나눔손글씨 펜" panose="03040600000000000000" pitchFamily="66" charset="-127"/>
-                <a:ea typeface="나눔손글씨 펜" panose="03040600000000000000" pitchFamily="66" charset="-127"/>
-              </a:rPr>
-              <a:t>브랜치를</a:t>
-            </a:r>
-            <a:r>
-              <a:rPr lang="ko-KR" altLang="en-US" sz="2000" dirty="0" smtClean="0">
-                <a:solidFill>
-                  <a:srgbClr val="0000FF"/>
-                </a:solidFill>
-                <a:latin typeface="나눔손글씨 펜" panose="03040600000000000000" pitchFamily="66" charset="-127"/>
-                <a:ea typeface="나눔손글씨 펜" panose="03040600000000000000" pitchFamily="66" charset="-127"/>
-              </a:rPr>
-              <a:t> 나타내는 포인터</a:t>
-            </a:r>
-            <a:endParaRPr lang="ko-KR" altLang="en-US" sz="2000" dirty="0">
-              <a:solidFill>
-                <a:srgbClr val="0000FF"/>
-              </a:solidFill>
-              <a:latin typeface="나눔손글씨 펜" panose="03040600000000000000" pitchFamily="66" charset="-127"/>
-              <a:ea typeface="나눔손글씨 펜" panose="03040600000000000000" pitchFamily="66" charset="-127"/>
-            </a:endParaRPr>
+              <a:rPr lang="ko-KR" altLang="en-US" dirty="0" err="1" smtClean="0"/>
+              <a:t>참고사이트</a:t>
+            </a:r>
+            <a:endParaRPr lang="en-US" altLang="ko-KR" dirty="0" smtClean="0"/>
+          </a:p>
+          <a:p>
+            <a:r>
+              <a:rPr lang="en-US" altLang="ko-KR" dirty="0">
+                <a:hlinkClick r:id="rId3"/>
+              </a:rPr>
+              <a:t>https://</a:t>
+            </a:r>
+            <a:r>
+              <a:rPr lang="en-US" altLang="ko-KR" dirty="0" smtClean="0">
+                <a:hlinkClick r:id="rId3"/>
+              </a:rPr>
+              <a:t>backlog.com/git-tutorial/kr/stepup/stepup1_1.html</a:t>
+            </a:r>
+            <a:endParaRPr lang="en-US" altLang="ko-KR" dirty="0" smtClean="0"/>
+          </a:p>
+          <a:p>
+            <a:endParaRPr lang="ko-KR" altLang="en-US" dirty="0"/>
           </a:p>
         </p:txBody>
       </p:sp>
-      <p:cxnSp>
-        <p:nvCxnSpPr>
-          <p:cNvPr id="8" name="직선 화살표 연결선 7"/>
-          <p:cNvCxnSpPr>
-            <a:stCxn id="6" idx="1"/>
-          </p:cNvCxnSpPr>
-          <p:nvPr/>
-        </p:nvCxnSpPr>
-        <p:spPr>
-          <a:xfrm flipH="1">
-            <a:off x="7448550" y="1211682"/>
-            <a:ext cx="1454988" cy="759993"/>
-          </a:xfrm>
-          <a:prstGeom prst="straightConnector1">
-            <a:avLst/>
-          </a:prstGeom>
-          <a:ln>
-            <a:tailEnd type="triangle"/>
-          </a:ln>
-        </p:spPr>
-        <p:style>
-          <a:lnRef idx="1">
-            <a:schemeClr val="accent1"/>
-          </a:lnRef>
-          <a:fillRef idx="0">
-            <a:schemeClr val="accent1"/>
-          </a:fillRef>
-          <a:effectRef idx="0">
-            <a:schemeClr val="accent1"/>
-          </a:effectRef>
-          <a:fontRef idx="minor">
-            <a:schemeClr val="tx1"/>
-          </a:fontRef>
-        </p:style>
-      </p:cxnSp>
     </p:spTree>
     <p:extLst>
       <p:ext uri="{BB962C8B-B14F-4D97-AF65-F5344CB8AC3E}">
-        <p14:creationId xmlns:p14="http://schemas.microsoft.com/office/powerpoint/2010/main" val="1255046885"/>
+        <p14:creationId xmlns:p14="http://schemas.microsoft.com/office/powerpoint/2010/main" val="3911844147"/>
       </p:ext>
     </p:extLst>
   </p:cSld>
@@ -4413,127 +4715,39 @@
         </p:nvSpPr>
         <p:spPr>
           <a:xfrm>
-            <a:off x="250166" y="327804"/>
-            <a:ext cx="11186761" cy="4648677"/>
+            <a:off x="570781" y="598487"/>
+            <a:ext cx="10515600" cy="4351338"/>
           </a:xfrm>
         </p:spPr>
         <p:txBody>
           <a:bodyPr/>
           <a:lstStyle/>
           <a:p>
-            <a:pPr>
-              <a:lnSpc>
-                <a:spcPct val="150000"/>
-              </a:lnSpc>
-            </a:pPr>
-            <a:r>
-              <a:rPr lang="ko-KR" altLang="en-US" dirty="0" err="1" smtClean="0">
-                <a:latin typeface="+mj-ea"/>
-                <a:ea typeface="+mj-ea"/>
-              </a:rPr>
-              <a:t>브랜치</a:t>
-            </a:r>
-            <a:r>
-              <a:rPr lang="ko-KR" altLang="en-US" dirty="0" smtClean="0">
-                <a:latin typeface="+mj-ea"/>
-                <a:ea typeface="+mj-ea"/>
-              </a:rPr>
-              <a:t> 새로 만들기</a:t>
-            </a:r>
-            <a:endParaRPr lang="en-US" altLang="ko-KR" dirty="0" smtClean="0">
-              <a:latin typeface="+mj-ea"/>
-              <a:ea typeface="+mj-ea"/>
-            </a:endParaRPr>
-          </a:p>
-          <a:p>
-            <a:pPr lvl="1">
-              <a:lnSpc>
-                <a:spcPct val="100000"/>
-              </a:lnSpc>
-            </a:pPr>
-            <a:r>
-              <a:rPr lang="en-US" altLang="ko-KR" b="1" dirty="0" smtClean="0">
-                <a:solidFill>
-                  <a:srgbClr val="0000FF"/>
-                </a:solidFill>
-                <a:latin typeface="+mj-ea"/>
-                <a:ea typeface="+mj-ea"/>
-              </a:rPr>
-              <a:t>$ </a:t>
-            </a:r>
-            <a:r>
-              <a:rPr lang="en-US" altLang="ko-KR" b="1" dirty="0" err="1" smtClean="0">
-                <a:solidFill>
-                  <a:srgbClr val="0000FF"/>
-                </a:solidFill>
-                <a:latin typeface="+mj-ea"/>
-                <a:ea typeface="+mj-ea"/>
-              </a:rPr>
-              <a:t>git</a:t>
-            </a:r>
-            <a:r>
-              <a:rPr lang="en-US" altLang="ko-KR" b="1" dirty="0" smtClean="0">
-                <a:solidFill>
-                  <a:srgbClr val="0000FF"/>
-                </a:solidFill>
-                <a:latin typeface="+mj-ea"/>
-                <a:ea typeface="+mj-ea"/>
-              </a:rPr>
-              <a:t> branch testing</a:t>
-            </a:r>
-          </a:p>
-          <a:p>
-            <a:pPr lvl="1">
-              <a:lnSpc>
-                <a:spcPct val="100000"/>
-              </a:lnSpc>
-            </a:pPr>
-            <a:r>
-              <a:rPr lang="ko-KR" altLang="en-US" dirty="0" smtClean="0">
-                <a:latin typeface="+mj-ea"/>
-                <a:ea typeface="+mj-ea"/>
-              </a:rPr>
-              <a:t>새로 만든 </a:t>
-            </a:r>
-            <a:r>
-              <a:rPr lang="ko-KR" altLang="en-US" dirty="0" err="1" smtClean="0">
-                <a:latin typeface="+mj-ea"/>
-                <a:ea typeface="+mj-ea"/>
-              </a:rPr>
-              <a:t>브랜치도</a:t>
-            </a:r>
-            <a:r>
-              <a:rPr lang="ko-KR" altLang="en-US" dirty="0" smtClean="0">
-                <a:latin typeface="+mj-ea"/>
-                <a:ea typeface="+mj-ea"/>
-              </a:rPr>
-              <a:t> 지금 작업 중인 마지막 </a:t>
-            </a:r>
-            <a:r>
-              <a:rPr lang="ko-KR" altLang="en-US" dirty="0" err="1" smtClean="0">
-                <a:latin typeface="+mj-ea"/>
-                <a:ea typeface="+mj-ea"/>
-              </a:rPr>
-              <a:t>커밋을</a:t>
-            </a:r>
-            <a:r>
-              <a:rPr lang="ko-KR" altLang="en-US" dirty="0" smtClean="0">
-                <a:latin typeface="+mj-ea"/>
-                <a:ea typeface="+mj-ea"/>
-              </a:rPr>
-              <a:t> 가리킨다</a:t>
-            </a:r>
-            <a:r>
-              <a:rPr lang="en-US" altLang="ko-KR" dirty="0" smtClean="0">
-                <a:latin typeface="+mj-ea"/>
-                <a:ea typeface="+mj-ea"/>
-              </a:rPr>
-              <a:t>.</a:t>
-            </a:r>
-            <a:endParaRPr lang="ko-KR" altLang="en-US" dirty="0">
-              <a:latin typeface="+mj-ea"/>
-              <a:ea typeface="+mj-ea"/>
-            </a:endParaRPr>
+            <a:r>
+              <a:rPr lang="ko-KR" altLang="en-US" dirty="0" smtClean="0"/>
+              <a:t>기본 </a:t>
+            </a:r>
+            <a:r>
+              <a:rPr lang="ko-KR" altLang="en-US" dirty="0" err="1" smtClean="0"/>
+              <a:t>브랜치와</a:t>
+            </a:r>
+            <a:r>
+              <a:rPr lang="ko-KR" altLang="en-US" dirty="0" smtClean="0"/>
+              <a:t>  </a:t>
+            </a:r>
+            <a:r>
+              <a:rPr lang="ko-KR" altLang="en-US" dirty="0" err="1" smtClean="0"/>
+              <a:t>커밋</a:t>
+            </a:r>
+            <a:r>
+              <a:rPr lang="ko-KR" altLang="en-US" dirty="0" smtClean="0"/>
+              <a:t> </a:t>
+            </a:r>
+            <a:r>
+              <a:rPr lang="ko-KR" altLang="en-US" dirty="0" err="1" smtClean="0"/>
+              <a:t>히스토리</a:t>
+            </a:r>
+            <a:endParaRPr lang="ko-KR" altLang="en-US" dirty="0"/>
           </a:p>
         </p:txBody>
       </p:sp>
@@ -4555,6 +4769,340 @@
             <a:fld id="{58588529-ABE4-40AD-8768-23231B917785}" type="slidenum">
               <a:rPr lang="ko-KR" altLang="en-US" smtClean="0"/>
               <a:t>14</a:t>
+            </a:fld>
+            <a:endParaRPr lang="ko-KR" altLang="en-US"/>
+          </a:p>
+        </p:txBody>
+      </p:sp>
+      <p:pic>
+        <p:nvPicPr>
+          <p:cNvPr id="5" name="그림 4"/>
+          <p:cNvPicPr>
+            <a:picLocks noChangeAspect="1"/>
+          </p:cNvPicPr>
+          <p:nvPr/>
+        </p:nvPicPr>
+        <p:blipFill>
+          <a:blip r:embed="rId2"/>
+          <a:stretch>
+            <a:fillRect/>
+          </a:stretch>
+        </p:blipFill>
+        <p:spPr>
+          <a:xfrm>
+            <a:off x="1289828" y="1824877"/>
+            <a:ext cx="7691825" cy="4030812"/>
+          </a:xfrm>
+          <a:prstGeom prst="rect">
+            <a:avLst/>
+          </a:prstGeom>
+        </p:spPr>
+      </p:pic>
+      <p:sp>
+        <p:nvSpPr>
+          <p:cNvPr id="6" name="TextBox 5"/>
+          <p:cNvSpPr txBox="1"/>
+          <p:nvPr/>
+        </p:nvSpPr>
+        <p:spPr>
+          <a:xfrm>
+            <a:off x="8417503" y="1984705"/>
+            <a:ext cx="3174267" cy="400110"/>
+          </a:xfrm>
+          <a:prstGeom prst="rect">
+            <a:avLst/>
+          </a:prstGeom>
+          <a:noFill/>
+        </p:spPr>
+        <p:txBody>
+          <a:bodyPr wrap="none" rtlCol="0">
+            <a:spAutoFit/>
+          </a:bodyPr>
+          <a:lstStyle/>
+          <a:p>
+            <a:r>
+              <a:rPr lang="ko-KR" altLang="en-US" sz="2000" dirty="0" smtClean="0">
+                <a:solidFill>
+                  <a:srgbClr val="0000FF"/>
+                </a:solidFill>
+                <a:latin typeface="나눔손글씨 펜" panose="03040600000000000000" pitchFamily="66" charset="-127"/>
+                <a:ea typeface="나눔손글씨 펜" panose="03040600000000000000" pitchFamily="66" charset="-127"/>
+              </a:rPr>
+              <a:t>현재 </a:t>
+            </a:r>
+            <a:r>
+              <a:rPr lang="ko-KR" altLang="en-US" sz="2000" dirty="0" err="1" smtClean="0">
+                <a:solidFill>
+                  <a:srgbClr val="0000FF"/>
+                </a:solidFill>
+                <a:latin typeface="나눔손글씨 펜" panose="03040600000000000000" pitchFamily="66" charset="-127"/>
+                <a:ea typeface="나눔손글씨 펜" panose="03040600000000000000" pitchFamily="66" charset="-127"/>
+              </a:rPr>
+              <a:t>브랜치의</a:t>
+            </a:r>
+            <a:r>
+              <a:rPr lang="ko-KR" altLang="en-US" sz="2000" dirty="0" smtClean="0">
+                <a:solidFill>
+                  <a:srgbClr val="0000FF"/>
+                </a:solidFill>
+                <a:latin typeface="나눔손글씨 펜" panose="03040600000000000000" pitchFamily="66" charset="-127"/>
+                <a:ea typeface="나눔손글씨 펜" panose="03040600000000000000" pitchFamily="66" charset="-127"/>
+              </a:rPr>
+              <a:t> 선두 부분을 가리키는 포인터</a:t>
+            </a:r>
+            <a:endParaRPr lang="ko-KR" altLang="en-US" sz="2000" dirty="0">
+              <a:solidFill>
+                <a:srgbClr val="0000FF"/>
+              </a:solidFill>
+              <a:latin typeface="나눔손글씨 펜" panose="03040600000000000000" pitchFamily="66" charset="-127"/>
+              <a:ea typeface="나눔손글씨 펜" panose="03040600000000000000" pitchFamily="66" charset="-127"/>
+            </a:endParaRPr>
+          </a:p>
+        </p:txBody>
+      </p:sp>
+      <p:sp>
+        <p:nvSpPr>
+          <p:cNvPr id="7" name="TextBox 6"/>
+          <p:cNvSpPr txBox="1"/>
+          <p:nvPr/>
+        </p:nvSpPr>
+        <p:spPr>
+          <a:xfrm>
+            <a:off x="8447585" y="3049335"/>
+            <a:ext cx="958917" cy="400110"/>
+          </a:xfrm>
+          <a:prstGeom prst="rect">
+            <a:avLst/>
+          </a:prstGeom>
+          <a:noFill/>
+        </p:spPr>
+        <p:txBody>
+          <a:bodyPr wrap="none" rtlCol="0">
+            <a:spAutoFit/>
+          </a:bodyPr>
+          <a:lstStyle/>
+          <a:p>
+            <a:r>
+              <a:rPr lang="ko-KR" altLang="en-US" sz="2000" dirty="0" smtClean="0">
+                <a:solidFill>
+                  <a:srgbClr val="0000FF"/>
+                </a:solidFill>
+                <a:latin typeface="나눔손글씨 펜" panose="03040600000000000000" pitchFamily="66" charset="-127"/>
+                <a:ea typeface="나눔손글씨 펜" panose="03040600000000000000" pitchFamily="66" charset="-127"/>
+              </a:rPr>
+              <a:t>기본 </a:t>
+            </a:r>
+            <a:r>
+              <a:rPr lang="ko-KR" altLang="en-US" sz="2000" dirty="0" err="1" smtClean="0">
+                <a:solidFill>
+                  <a:srgbClr val="0000FF"/>
+                </a:solidFill>
+                <a:latin typeface="나눔손글씨 펜" panose="03040600000000000000" pitchFamily="66" charset="-127"/>
+                <a:ea typeface="나눔손글씨 펜" panose="03040600000000000000" pitchFamily="66" charset="-127"/>
+              </a:rPr>
+              <a:t>브랜치</a:t>
+            </a:r>
+            <a:endParaRPr lang="ko-KR" altLang="en-US" sz="2000" dirty="0">
+              <a:solidFill>
+                <a:srgbClr val="0000FF"/>
+              </a:solidFill>
+              <a:latin typeface="나눔손글씨 펜" panose="03040600000000000000" pitchFamily="66" charset="-127"/>
+              <a:ea typeface="나눔손글씨 펜" panose="03040600000000000000" pitchFamily="66" charset="-127"/>
+            </a:endParaRPr>
+          </a:p>
+        </p:txBody>
+      </p:sp>
+    </p:spTree>
+    <p:extLst>
+      <p:ext uri="{BB962C8B-B14F-4D97-AF65-F5344CB8AC3E}">
+        <p14:creationId xmlns:p14="http://schemas.microsoft.com/office/powerpoint/2010/main" val="1255046885"/>
+      </p:ext>
+    </p:extLst>
+  </p:cSld>
+  <p:clrMapOvr>
+    <a:masterClrMapping/>
+  </p:clrMapOvr>
+  <p:timing>
+    <p:tnLst>
+      <p:par>
+        <p:cTn id="1" dur="indefinite" restart="never" nodeType="tmRoot"/>
+      </p:par>
+    </p:tnLst>
+  </p:timing>
+</p:sld>
+</file>
+
+<file path=ppt/slides/slide15.xml><?xml version="1.0" encoding="utf-8"?>
+<p:sld xmlns:a="http://schemas.openxmlformats.org/drawingml/2006/main" xmlns:r="http://schemas.openxmlformats.org/officeDocument/2006/relationships" xmlns:p="http://schemas.openxmlformats.org/presentationml/2006/main">
+  <p:cSld>
+    <p:spTree>
+      <p:nvGrpSpPr>
+        <p:cNvPr id="1" name=""/>
+        <p:cNvGrpSpPr/>
+        <p:nvPr/>
+      </p:nvGrpSpPr>
+      <p:grpSpPr>
+        <a:xfrm>
+          <a:off x="0" y="0"/>
+          <a:ext cx="0" cy="0"/>
+          <a:chOff x="0" y="0"/>
+          <a:chExt cx="0" cy="0"/>
+        </a:xfrm>
+      </p:grpSpPr>
+      <p:sp>
+        <p:nvSpPr>
+          <p:cNvPr id="3" name="내용 개체 틀 2"/>
+          <p:cNvSpPr>
+            <a:spLocks noGrp="1"/>
+          </p:cNvSpPr>
+          <p:nvPr>
+            <p:ph idx="1"/>
+          </p:nvPr>
+        </p:nvSpPr>
+        <p:spPr>
+          <a:xfrm>
+            <a:off x="250166" y="327804"/>
+            <a:ext cx="11186761" cy="4648677"/>
+          </a:xfrm>
+        </p:spPr>
+        <p:txBody>
+          <a:bodyPr/>
+          <a:lstStyle/>
+          <a:p>
+            <a:pPr>
+              <a:lnSpc>
+                <a:spcPct val="150000"/>
+              </a:lnSpc>
+            </a:pPr>
+            <a:r>
+              <a:rPr lang="ko-KR" altLang="en-US" dirty="0" err="1" smtClean="0">
+                <a:latin typeface="+mj-ea"/>
+                <a:ea typeface="+mj-ea"/>
+              </a:rPr>
+              <a:t>브랜치</a:t>
+            </a:r>
+            <a:r>
+              <a:rPr lang="ko-KR" altLang="en-US" dirty="0" smtClean="0">
+                <a:latin typeface="+mj-ea"/>
+                <a:ea typeface="+mj-ea"/>
+              </a:rPr>
+              <a:t> 새로 만들기</a:t>
+            </a:r>
+            <a:endParaRPr lang="en-US" altLang="ko-KR" dirty="0" smtClean="0">
+              <a:latin typeface="+mj-ea"/>
+              <a:ea typeface="+mj-ea"/>
+            </a:endParaRPr>
+          </a:p>
+          <a:p>
+            <a:pPr lvl="1">
+              <a:lnSpc>
+                <a:spcPct val="100000"/>
+              </a:lnSpc>
+            </a:pPr>
+            <a:r>
+              <a:rPr lang="en-US" altLang="ko-KR" b="1" dirty="0" smtClean="0">
+                <a:solidFill>
+                  <a:srgbClr val="0000FF"/>
+                </a:solidFill>
+                <a:latin typeface="+mj-ea"/>
+                <a:ea typeface="+mj-ea"/>
+              </a:rPr>
+              <a:t>$ </a:t>
+            </a:r>
+            <a:r>
+              <a:rPr lang="en-US" altLang="ko-KR" b="1" dirty="0" err="1" smtClean="0">
+                <a:solidFill>
+                  <a:srgbClr val="0000FF"/>
+                </a:solidFill>
+                <a:latin typeface="+mj-ea"/>
+                <a:ea typeface="+mj-ea"/>
+              </a:rPr>
+              <a:t>git</a:t>
+            </a:r>
+            <a:r>
+              <a:rPr lang="en-US" altLang="ko-KR" b="1" dirty="0" smtClean="0">
+                <a:solidFill>
+                  <a:srgbClr val="0000FF"/>
+                </a:solidFill>
+                <a:latin typeface="+mj-ea"/>
+                <a:ea typeface="+mj-ea"/>
+              </a:rPr>
+              <a:t> branch testing</a:t>
+            </a:r>
+          </a:p>
+          <a:p>
+            <a:pPr lvl="1">
+              <a:lnSpc>
+                <a:spcPct val="100000"/>
+              </a:lnSpc>
+            </a:pPr>
+            <a:r>
+              <a:rPr lang="ko-KR" altLang="en-US" dirty="0" smtClean="0">
+                <a:latin typeface="+mj-ea"/>
+                <a:ea typeface="+mj-ea"/>
+              </a:rPr>
+              <a:t>새로 만든 </a:t>
+            </a:r>
+            <a:r>
+              <a:rPr lang="ko-KR" altLang="en-US" dirty="0" err="1" smtClean="0">
+                <a:latin typeface="+mj-ea"/>
+                <a:ea typeface="+mj-ea"/>
+              </a:rPr>
+              <a:t>브랜치도</a:t>
+            </a:r>
+            <a:r>
+              <a:rPr lang="ko-KR" altLang="en-US" dirty="0" smtClean="0">
+                <a:latin typeface="+mj-ea"/>
+                <a:ea typeface="+mj-ea"/>
+              </a:rPr>
+              <a:t> 지금 작업 중인 마지막 </a:t>
+            </a:r>
+            <a:r>
+              <a:rPr lang="ko-KR" altLang="en-US" dirty="0" err="1" smtClean="0">
+                <a:latin typeface="+mj-ea"/>
+                <a:ea typeface="+mj-ea"/>
+              </a:rPr>
+              <a:t>커밋을</a:t>
+            </a:r>
+            <a:r>
+              <a:rPr lang="ko-KR" altLang="en-US" dirty="0" smtClean="0">
+                <a:latin typeface="+mj-ea"/>
+                <a:ea typeface="+mj-ea"/>
+              </a:rPr>
+              <a:t> 가리킨다</a:t>
+            </a:r>
+            <a:r>
+              <a:rPr lang="en-US" altLang="ko-KR" dirty="0" smtClean="0">
+                <a:latin typeface="+mj-ea"/>
+                <a:ea typeface="+mj-ea"/>
+              </a:rPr>
+              <a:t>.</a:t>
+            </a:r>
+            <a:endParaRPr lang="ko-KR" altLang="en-US" dirty="0">
+              <a:latin typeface="+mj-ea"/>
+              <a:ea typeface="+mj-ea"/>
+            </a:endParaRPr>
+          </a:p>
+        </p:txBody>
+      </p:sp>
+      <p:sp>
+        <p:nvSpPr>
+          <p:cNvPr id="4" name="슬라이드 번호 개체 틀 3"/>
+          <p:cNvSpPr>
+            <a:spLocks noGrp="1"/>
+          </p:cNvSpPr>
+          <p:nvPr>
+            <p:ph type="sldNum" sz="quarter" idx="12"/>
+          </p:nvPr>
+        </p:nvSpPr>
+        <p:spPr/>
+        <p:txBody>
+          <a:bodyPr/>
+          <a:lstStyle/>
+          <a:p>
+            <a:fld id="{58588529-ABE4-40AD-8768-23231B917785}" type="slidenum">
+              <a:rPr lang="ko-KR" altLang="en-US" smtClean="0"/>
+              <a:t>15</a:t>
             </a:fld>
             <a:endParaRPr lang="ko-KR" altLang="en-US"/>
           </a:p>
@@ -4604,7 +5152,7 @@
 </p:sld>
 </file>
 
-<file path=ppt/slides/slide15.xml><?xml version="1.0" encoding="utf-8"?>
+<file path=ppt/slides/slide16.xml><?xml version="1.0" encoding="utf-8"?>
 <p:sld xmlns:a="http://schemas.openxmlformats.org/drawingml/2006/main" xmlns:r="http://schemas.openxmlformats.org/officeDocument/2006/relationships" xmlns:p="http://schemas.openxmlformats.org/presentationml/2006/main">
   <p:cSld>
     <p:spTree>
@@ -4781,7 +5329,7 @@
           <a:p>
             <a:fld id="{58588529-ABE4-40AD-8768-23231B917785}" type="slidenum">
               <a:rPr lang="ko-KR" altLang="en-US" smtClean="0"/>
-              <a:t>15</a:t>
+              <a:t>16</a:t>
             </a:fld>
             <a:endParaRPr lang="ko-KR" altLang="en-US"/>
           </a:p>
@@ -4831,7 +5379,7 @@
 </p:sld>
 </file>
 
-<file path=ppt/slides/slide16.xml><?xml version="1.0" encoding="utf-8"?>
+<file path=ppt/slides/slide17.xml><?xml version="1.0" encoding="utf-8"?>
 <p:sld xmlns:a="http://schemas.openxmlformats.org/drawingml/2006/main" xmlns:r="http://schemas.openxmlformats.org/officeDocument/2006/relationships" xmlns:p="http://schemas.openxmlformats.org/presentationml/2006/main">
   <p:cSld>
     <p:spTree>
@@ -4860,7 +5408,7 @@
         </p:nvSpPr>
         <p:spPr>
           <a:xfrm>
-            <a:off x="474453" y="422694"/>
+            <a:off x="217278" y="196234"/>
             <a:ext cx="11512499" cy="4540611"/>
           </a:xfrm>
         </p:spPr>
@@ -5010,26 +5558,29 @@
                 <a:latin typeface="+mj-ea"/>
                 <a:ea typeface="+mj-ea"/>
               </a:rPr>
-              <a:t> commit –a –m “make a change” </a:t>
-            </a:r>
-            <a:r>
-              <a:rPr lang="en-US" altLang="ko-KR" sz="2000" i="1" dirty="0">
-                <a:solidFill>
-                  <a:schemeClr val="accent6">
-                    <a:lumMod val="75000"/>
-                  </a:schemeClr>
+              <a:t> add hello.html</a:t>
+            </a:r>
+          </a:p>
+          <a:p>
+            <a:pPr lvl="1">
+              <a:lnSpc>
+                <a:spcPct val="150000"/>
+              </a:lnSpc>
+            </a:pPr>
+            <a:r>
+              <a:rPr lang="en-US" altLang="ko-KR" b="1" dirty="0" smtClean="0">
+                <a:solidFill>
+                  <a:srgbClr val="0000FF"/>
                 </a:solidFill>
                 <a:latin typeface="+mj-ea"/>
                 <a:ea typeface="+mj-ea"/>
               </a:rPr>
-              <a:t>//</a:t>
-            </a:r>
-            <a:r>
-              <a:rPr lang="en-US" altLang="ko-KR" sz="2000" i="1" dirty="0" err="1">
-                <a:solidFill>
-                  <a:schemeClr val="accent6">
-                    <a:lumMod val="75000"/>
-                  </a:schemeClr>
+              <a:t>$ </a:t>
+            </a:r>
+            <a:r>
+              <a:rPr lang="en-US" altLang="ko-KR" b="1" dirty="0" err="1" smtClean="0">
+                <a:solidFill>
+                  <a:srgbClr val="0000FF"/>
                 </a:solidFill>
                 <a:latin typeface="+mj-ea"/>
                 <a:ea typeface="+mj-ea"/>
@@ -5037,74 +5588,15 @@
               <a:t>git</a:t>
             </a:r>
             <a:r>
-              <a:rPr lang="en-US" altLang="ko-KR" sz="2000" i="1" dirty="0">
-                <a:solidFill>
-                  <a:schemeClr val="accent6">
-                    <a:lumMod val="75000"/>
-                  </a:schemeClr>
+              <a:rPr lang="en-US" altLang="ko-KR" b="1" dirty="0" smtClean="0">
+                <a:solidFill>
+                  <a:srgbClr val="0000FF"/>
                 </a:solidFill>
                 <a:latin typeface="+mj-ea"/>
                 <a:ea typeface="+mj-ea"/>
               </a:rPr>
-              <a:t> add</a:t>
-            </a:r>
-            <a:r>
-              <a:rPr lang="ko-KR" altLang="en-US" sz="2000" i="1" dirty="0">
-                <a:solidFill>
-                  <a:schemeClr val="accent6">
-                    <a:lumMod val="75000"/>
-                  </a:schemeClr>
-                </a:solidFill>
-                <a:latin typeface="+mj-ea"/>
-                <a:ea typeface="+mj-ea"/>
-              </a:rPr>
-              <a:t>와 </a:t>
-            </a:r>
-            <a:r>
-              <a:rPr lang="en-US" altLang="ko-KR" sz="2000" i="1" dirty="0" err="1">
-                <a:solidFill>
-                  <a:schemeClr val="accent6">
-                    <a:lumMod val="75000"/>
-                  </a:schemeClr>
-                </a:solidFill>
-                <a:latin typeface="+mj-ea"/>
-                <a:ea typeface="+mj-ea"/>
-              </a:rPr>
-              <a:t>git</a:t>
-            </a:r>
-            <a:r>
-              <a:rPr lang="en-US" altLang="ko-KR" sz="2000" i="1" dirty="0">
-                <a:solidFill>
-                  <a:schemeClr val="accent6">
-                    <a:lumMod val="75000"/>
-                  </a:schemeClr>
-                </a:solidFill>
-                <a:latin typeface="+mj-ea"/>
-                <a:ea typeface="+mj-ea"/>
-              </a:rPr>
-              <a:t> commit</a:t>
-            </a:r>
-            <a:r>
-              <a:rPr lang="ko-KR" altLang="en-US" sz="2000" i="1" dirty="0">
-                <a:solidFill>
-                  <a:schemeClr val="accent6">
-                    <a:lumMod val="75000"/>
-                  </a:schemeClr>
-                </a:solidFill>
-                <a:latin typeface="+mj-ea"/>
-                <a:ea typeface="+mj-ea"/>
-              </a:rPr>
-              <a:t>을 함께 실행</a:t>
-            </a:r>
-            <a:endParaRPr lang="en-US" altLang="ko-KR" sz="2000" i="1" dirty="0">
-              <a:solidFill>
-                <a:schemeClr val="accent6">
-                  <a:lumMod val="75000"/>
-                </a:schemeClr>
-              </a:solidFill>
-              <a:latin typeface="+mj-ea"/>
-              <a:ea typeface="+mj-ea"/>
-            </a:endParaRPr>
+              <a:t> commit –m “make a change” </a:t>
+            </a:r>
           </a:p>
           <a:p>
             <a:pPr lvl="1">
@@ -5305,7 +5797,7 @@
           <a:p>
             <a:fld id="{58588529-ABE4-40AD-8768-23231B917785}" type="slidenum">
               <a:rPr lang="ko-KR" altLang="en-US" smtClean="0"/>
-              <a:t>16</a:t>
+              <a:t>17</a:t>
             </a:fld>
             <a:endParaRPr lang="ko-KR" altLang="en-US"/>
           </a:p>
@@ -5338,8 +5830,8 @@
         </p:blipFill>
         <p:spPr>
           <a:xfrm>
-            <a:off x="1967245" y="3539088"/>
-            <a:ext cx="7133623" cy="3077462"/>
+            <a:off x="2510170" y="3937698"/>
+            <a:ext cx="6452855" cy="2783777"/>
           </a:xfrm>
           <a:prstGeom prst="rect">
             <a:avLst/>
@@ -5366,7 +5858,7 @@
 </p:sld>
 </file>
 
-<file path=ppt/slides/slide17.xml><?xml version="1.0" encoding="utf-8"?>
+<file path=ppt/slides/slide18.xml><?xml version="1.0" encoding="utf-8"?>
 <p:sld xmlns:a="http://schemas.openxmlformats.org/drawingml/2006/main" xmlns:r="http://schemas.openxmlformats.org/officeDocument/2006/relationships" xmlns:p="http://schemas.openxmlformats.org/presentationml/2006/main">
   <p:cSld>
     <p:spTree>
@@ -5974,7 +6466,7 @@
           <a:p>
             <a:fld id="{58588529-ABE4-40AD-8768-23231B917785}" type="slidenum">
               <a:rPr lang="ko-KR" altLang="en-US" smtClean="0"/>
-              <a:t>17</a:t>
+              <a:t>18</a:t>
             </a:fld>
             <a:endParaRPr lang="ko-KR" altLang="en-US"/>
           </a:p>
@@ -6023,7 +6515,7 @@
         </p:nvSpPr>
         <p:spPr>
           <a:xfrm>
-            <a:off x="7187421" y="2877089"/>
+            <a:off x="6111096" y="1695989"/>
             <a:ext cx="4280339" cy="400110"/>
           </a:xfrm>
           <a:prstGeom prst="rect">
@@ -6127,7 +6619,7 @@
 </p:sld>
 </file>
 
-<file path=ppt/slides/slide18.xml><?xml version="1.0" encoding="utf-8"?>
+<file path=ppt/slides/slide19.xml><?xml version="1.0" encoding="utf-8"?>
 <p:sld xmlns:a="http://schemas.openxmlformats.org/drawingml/2006/main" xmlns:r="http://schemas.openxmlformats.org/officeDocument/2006/relationships" xmlns:p="http://schemas.openxmlformats.org/presentationml/2006/main">
   <p:cSld>
     <p:spTree>
@@ -6220,7 +6712,7 @@
           <a:p>
             <a:fld id="{58588529-ABE4-40AD-8768-23231B917785}" type="slidenum">
               <a:rPr lang="ko-KR" altLang="en-US" smtClean="0"/>
-              <a:t>18</a:t>
+              <a:t>19</a:t>
             </a:fld>
             <a:endParaRPr lang="ko-KR" altLang="en-US"/>
           </a:p>
@@ -6235,14 +6727,14 @@
           <p:nvPr>
             <p:extLst>
               <p:ext uri="{D42A27DB-BD31-4B8C-83A1-F6EECF244321}">
-                <p14:modId xmlns:p14="http://schemas.microsoft.com/office/powerpoint/2010/main" val="3612987057"/>
+                <p14:modId xmlns:p14="http://schemas.microsoft.com/office/powerpoint/2010/main" val="1689684051"/>
               </p:ext>
             </p:extLst>
           </p:nvPr>
         </p:nvGraphicFramePr>
         <p:xfrm>
           <a:off x="411113" y="1131134"/>
-          <a:ext cx="11381195" cy="5088510"/>
+          <a:ext cx="11381195" cy="5163200"/>
         </p:xfrm>
         <a:graphic>
           <a:graphicData uri="http://schemas.openxmlformats.org/drawingml/2006/table">
@@ -7569,10 +8061,69 @@
                         </a:rPr>
                         <a:t>&gt;</a:t>
                       </a:r>
-                      <a:endParaRPr lang="ko-KR" altLang="en-US" sz="1800" b="1" dirty="0">
-                        <a:latin typeface="+mj-ea"/>
-                        <a:ea typeface="+mj-ea"/>
-                      </a:endParaRPr>
+                    </a:p>
+                    <a:p>
+                      <a:pPr marL="0" marR="0" lvl="0" indent="0" algn="l" defTabSz="914400" rtl="0" eaLnBrk="1" fontAlgn="auto" latinLnBrk="1" hangingPunct="1">
+                        <a:lnSpc>
+                          <a:spcPct val="100000"/>
+                        </a:lnSpc>
+                        <a:spcBef>
+                          <a:spcPts val="0"/>
+                        </a:spcBef>
+                        <a:spcAft>
+                          <a:spcPts val="0"/>
+                        </a:spcAft>
+                        <a:buClrTx/>
+                        <a:buSzTx/>
+                        <a:buFontTx/>
+                        <a:buNone/>
+                        <a:tabLst/>
+                        <a:defRPr/>
+                      </a:pPr>
+                      <a:r>
+                        <a:rPr lang="en-US" altLang="ko-KR" sz="1800" b="1" kern="1200" dirty="0" err="1" smtClean="0">
+                          <a:solidFill>
+                            <a:schemeClr val="tx1"/>
+                          </a:solidFill>
+                          <a:latin typeface="+mj-ea"/>
+                          <a:ea typeface="+mn-ea"/>
+                          <a:cs typeface="+mn-cs"/>
+                        </a:rPr>
+                        <a:t>git</a:t>
+                      </a:r>
+                      <a:r>
+                        <a:rPr lang="en-US" altLang="ko-KR" sz="1800" b="1" kern="1200" dirty="0" smtClean="0">
+                          <a:solidFill>
+                            <a:schemeClr val="tx1"/>
+                          </a:solidFill>
+                          <a:latin typeface="+mj-ea"/>
+                          <a:ea typeface="+mn-ea"/>
+                          <a:cs typeface="+mn-cs"/>
+                        </a:rPr>
+                        <a:t> branch –D &lt;branch</a:t>
+                      </a:r>
+                      <a:r>
+                        <a:rPr lang="ko-KR" altLang="en-US" sz="1800" b="1" kern="1200" dirty="0" smtClean="0">
+                          <a:solidFill>
+                            <a:schemeClr val="tx1"/>
+                          </a:solidFill>
+                          <a:latin typeface="+mj-ea"/>
+                          <a:ea typeface="+mn-ea"/>
+                          <a:cs typeface="+mn-cs"/>
+                        </a:rPr>
+                        <a:t>명</a:t>
+                      </a:r>
+                      <a:r>
+                        <a:rPr lang="en-US" altLang="ko-KR" sz="1800" b="1" kern="1200" dirty="0" smtClean="0">
+                          <a:solidFill>
+                            <a:schemeClr val="tx1"/>
+                          </a:solidFill>
+                          <a:latin typeface="+mj-ea"/>
+                          <a:ea typeface="+mn-ea"/>
+                          <a:cs typeface="+mn-cs"/>
+                        </a:rPr>
+                        <a:t>&gt;</a:t>
+                      </a:r>
                     </a:p>
                   </a:txBody>
                   <a:tcPr anchor="ctr">
@@ -8005,431 +8556,6 @@
 </p:sld>
 </file>
 
-<file path=ppt/slides/slide19.xml><?xml version="1.0" encoding="utf-8"?>
-<p:sld xmlns:a="http://schemas.openxmlformats.org/drawingml/2006/main" xmlns:r="http://schemas.openxmlformats.org/officeDocument/2006/relationships" xmlns:p="http://schemas.openxmlformats.org/presentationml/2006/main">
-  <p:cSld>
-    <p:spTree>
-      <p:nvGrpSpPr>
-        <p:cNvPr id="1" name=""/>
-        <p:cNvGrpSpPr/>
-        <p:nvPr/>
-      </p:nvGrpSpPr>
-      <p:grpSpPr>
-        <a:xfrm>
-          <a:off x="0" y="0"/>
-          <a:ext cx="0" cy="0"/>
-          <a:chOff x="0" y="0"/>
-          <a:chExt cx="0" cy="0"/>
-        </a:xfrm>
-      </p:grpSpPr>
-      <p:sp>
-        <p:nvSpPr>
-          <p:cNvPr id="2" name="제목 1"/>
-          <p:cNvSpPr>
-            <a:spLocks noGrp="1"/>
-          </p:cNvSpPr>
-          <p:nvPr>
-            <p:ph type="title"/>
-          </p:nvPr>
-        </p:nvSpPr>
-        <p:spPr>
-          <a:xfrm>
-            <a:off x="199845" y="145472"/>
-            <a:ext cx="10515600" cy="773719"/>
-          </a:xfrm>
-        </p:spPr>
-        <p:txBody>
-          <a:bodyPr/>
-          <a:lstStyle/>
-          <a:p>
-            <a:r>
-              <a:rPr lang="en-US" altLang="ko-KR" b="1" dirty="0" smtClean="0">
-                <a:effectLst>
-                  <a:outerShdw blurRad="38100" dist="38100" dir="2700000" algn="tl">
-                    <a:srgbClr val="000000">
-                      <a:alpha val="43137"/>
-                    </a:srgbClr>
-                  </a:outerShdw>
-                </a:effectLst>
-                <a:latin typeface="+mn-ea"/>
-                <a:ea typeface="+mn-ea"/>
-              </a:rPr>
-              <a:t>conflict</a:t>
-            </a:r>
-            <a:endParaRPr lang="ko-KR" altLang="en-US" b="1" dirty="0">
-              <a:effectLst>
-                <a:outerShdw blurRad="38100" dist="38100" dir="2700000" algn="tl">
-                  <a:srgbClr val="000000">
-                    <a:alpha val="43137"/>
-                  </a:srgbClr>
-                </a:outerShdw>
-              </a:effectLst>
-              <a:latin typeface="+mn-ea"/>
-              <a:ea typeface="+mn-ea"/>
-            </a:endParaRPr>
-          </a:p>
-        </p:txBody>
-      </p:sp>
-      <p:sp>
-        <p:nvSpPr>
-          <p:cNvPr id="3" name="내용 개체 틀 2"/>
-          <p:cNvSpPr>
-            <a:spLocks noGrp="1"/>
-          </p:cNvSpPr>
-          <p:nvPr>
-            <p:ph idx="1"/>
-          </p:nvPr>
-        </p:nvSpPr>
-        <p:spPr>
-          <a:xfrm>
-            <a:off x="596660" y="919191"/>
-            <a:ext cx="11238782" cy="4351338"/>
-          </a:xfrm>
-        </p:spPr>
-        <p:txBody>
-          <a:bodyPr>
-            <a:normAutofit/>
-          </a:bodyPr>
-          <a:lstStyle/>
-          <a:p>
-            <a:pPr marL="469900" indent="-457200">
-              <a:lnSpc>
-                <a:spcPct val="100000"/>
-              </a:lnSpc>
-              <a:spcBef>
-                <a:spcPts val="1105"/>
-              </a:spcBef>
-              <a:tabLst>
-                <a:tab pos="241300" algn="l"/>
-              </a:tabLst>
-            </a:pPr>
-            <a:r>
-              <a:rPr lang="ko-KR" altLang="en-US" spc="210" dirty="0">
-                <a:latin typeface="+mj-ea"/>
-                <a:ea typeface="+mj-ea"/>
-                <a:cs typeface="나눔스퀘어OTF Light"/>
-              </a:rPr>
-              <a:t>서로 다른 </a:t>
-            </a:r>
-            <a:r>
-              <a:rPr lang="en-US" altLang="ko-KR" spc="55" dirty="0">
-                <a:latin typeface="+mj-ea"/>
-                <a:ea typeface="+mj-ea"/>
-                <a:cs typeface="나눔스퀘어OTF Light"/>
-              </a:rPr>
-              <a:t>branch</a:t>
-            </a:r>
-            <a:r>
-              <a:rPr lang="ko-KR" altLang="en-US" spc="55" dirty="0">
-                <a:latin typeface="+mj-ea"/>
-                <a:ea typeface="+mj-ea"/>
-                <a:cs typeface="나눔스퀘어OTF Light"/>
-              </a:rPr>
-              <a:t>끼리 </a:t>
-            </a:r>
-            <a:r>
-              <a:rPr lang="ko-KR" altLang="en-US" spc="210" dirty="0">
-                <a:latin typeface="+mj-ea"/>
-                <a:ea typeface="+mj-ea"/>
-                <a:cs typeface="나눔스퀘어OTF Light"/>
-              </a:rPr>
-              <a:t>병합했을 때 충돌이 일어나는</a:t>
-            </a:r>
-            <a:r>
-              <a:rPr lang="ko-KR" altLang="en-US" spc="415" dirty="0">
-                <a:latin typeface="+mj-ea"/>
-                <a:ea typeface="+mj-ea"/>
-                <a:cs typeface="나눔스퀘어OTF Light"/>
-              </a:rPr>
-              <a:t> </a:t>
-            </a:r>
-            <a:r>
-              <a:rPr lang="ko-KR" altLang="en-US" spc="210" dirty="0">
-                <a:latin typeface="+mj-ea"/>
-                <a:ea typeface="+mj-ea"/>
-                <a:cs typeface="나눔스퀘어OTF Light"/>
-              </a:rPr>
-              <a:t>현상</a:t>
-            </a:r>
-            <a:endParaRPr lang="ko-KR" altLang="en-US" dirty="0">
-              <a:latin typeface="+mj-ea"/>
-              <a:ea typeface="+mj-ea"/>
-              <a:cs typeface="나눔스퀘어OTF Light"/>
-            </a:endParaRPr>
-          </a:p>
-          <a:p>
-            <a:pPr marL="469900" marR="5080" indent="-457200">
-              <a:lnSpc>
-                <a:spcPct val="100000"/>
-              </a:lnSpc>
-              <a:spcBef>
-                <a:spcPts val="1010"/>
-              </a:spcBef>
-              <a:tabLst>
-                <a:tab pos="241300" algn="l"/>
-              </a:tabLst>
-            </a:pPr>
-            <a:r>
-              <a:rPr lang="ko-KR" altLang="en-US" spc="210" dirty="0">
-                <a:latin typeface="+mj-ea"/>
-                <a:ea typeface="+mj-ea"/>
-                <a:cs typeface="나눔스퀘어OTF Light"/>
-              </a:rPr>
-              <a:t>서로 다른 </a:t>
-            </a:r>
-            <a:r>
-              <a:rPr lang="en-US" altLang="ko-KR" spc="55" dirty="0">
-                <a:latin typeface="+mj-ea"/>
-                <a:ea typeface="+mj-ea"/>
-                <a:cs typeface="나눔스퀘어OTF Light"/>
-              </a:rPr>
-              <a:t>branch</a:t>
-            </a:r>
-            <a:r>
-              <a:rPr lang="ko-KR" altLang="en-US" spc="55" dirty="0">
-                <a:latin typeface="+mj-ea"/>
-                <a:ea typeface="+mj-ea"/>
-                <a:cs typeface="나눔스퀘어OTF Light"/>
-              </a:rPr>
-              <a:t>에서 </a:t>
-            </a:r>
-            <a:r>
-              <a:rPr lang="ko-KR" altLang="en-US" spc="210" dirty="0">
-                <a:latin typeface="+mj-ea"/>
-                <a:ea typeface="+mj-ea"/>
-                <a:cs typeface="나눔스퀘어OTF Light"/>
-              </a:rPr>
-              <a:t>같은 부분을 수정했을 때 </a:t>
-            </a:r>
-            <a:r>
-              <a:rPr lang="en-US" altLang="ko-KR" spc="-5" dirty="0" smtClean="0">
-                <a:latin typeface="+mj-ea"/>
-                <a:ea typeface="+mj-ea"/>
-                <a:cs typeface="나눔스퀘어OTF Light"/>
-              </a:rPr>
-              <a:t>conflict </a:t>
-            </a:r>
-            <a:r>
-              <a:rPr lang="ko-KR" altLang="en-US" spc="-5" dirty="0" smtClean="0">
-                <a:latin typeface="+mj-ea"/>
-                <a:ea typeface="+mj-ea"/>
-                <a:cs typeface="나눔스퀘어OTF Light"/>
-              </a:rPr>
-              <a:t>발생</a:t>
-            </a:r>
-            <a:endParaRPr lang="en-US" altLang="ko-KR" spc="-5" dirty="0" smtClean="0">
-              <a:latin typeface="+mj-ea"/>
-              <a:ea typeface="+mj-ea"/>
-              <a:cs typeface="나눔스퀘어OTF Light"/>
-            </a:endParaRPr>
-          </a:p>
-          <a:p>
-            <a:pPr marL="927100" marR="5080" lvl="1" indent="-457200">
-              <a:lnSpc>
-                <a:spcPct val="100000"/>
-              </a:lnSpc>
-              <a:spcBef>
-                <a:spcPts val="1010"/>
-              </a:spcBef>
-              <a:tabLst>
-                <a:tab pos="241300" algn="l"/>
-              </a:tabLst>
-            </a:pPr>
-            <a:r>
-              <a:rPr lang="ko-KR" altLang="en-US" spc="-5" dirty="0" smtClean="0">
-                <a:latin typeface="+mj-ea"/>
-                <a:ea typeface="+mj-ea"/>
-                <a:cs typeface="나눔스퀘어OTF Light"/>
-              </a:rPr>
-              <a:t>아래 그림에서 </a:t>
-            </a:r>
-            <a:r>
-              <a:rPr lang="en-US" altLang="ko-KR" spc="-5" dirty="0" smtClean="0">
-                <a:latin typeface="+mj-ea"/>
-                <a:ea typeface="+mj-ea"/>
-                <a:cs typeface="나눔스퀘어OTF Light"/>
-              </a:rPr>
-              <a:t>master</a:t>
-            </a:r>
-            <a:r>
-              <a:rPr lang="ko-KR" altLang="en-US" spc="-5" dirty="0" smtClean="0">
-                <a:latin typeface="+mj-ea"/>
-                <a:ea typeface="+mj-ea"/>
-                <a:cs typeface="나눔스퀘어OTF Light"/>
-              </a:rPr>
-              <a:t>와 </a:t>
-            </a:r>
-            <a:r>
-              <a:rPr lang="en-US" altLang="ko-KR" spc="-5" dirty="0" smtClean="0">
-                <a:latin typeface="+mj-ea"/>
-                <a:ea typeface="+mj-ea"/>
-                <a:cs typeface="나눔스퀘어OTF Light"/>
-              </a:rPr>
-              <a:t>testing</a:t>
-            </a:r>
-            <a:r>
-              <a:rPr lang="ko-KR" altLang="en-US" spc="-5" dirty="0" smtClean="0">
-                <a:latin typeface="+mj-ea"/>
-                <a:ea typeface="+mj-ea"/>
-                <a:cs typeface="나눔스퀘어OTF Light"/>
-              </a:rPr>
-              <a:t>에서 각각 같은 파일을 수정</a:t>
-            </a:r>
-            <a:endParaRPr lang="en-US" altLang="ko-KR" spc="-5" dirty="0" smtClean="0">
-              <a:latin typeface="+mj-ea"/>
-              <a:ea typeface="+mj-ea"/>
-              <a:cs typeface="나눔스퀘어OTF Light"/>
-            </a:endParaRPr>
-          </a:p>
-          <a:p>
-            <a:pPr marL="927100" marR="5080" lvl="1" indent="-457200">
-              <a:lnSpc>
-                <a:spcPct val="100000"/>
-              </a:lnSpc>
-              <a:spcBef>
-                <a:spcPts val="1010"/>
-              </a:spcBef>
-              <a:tabLst>
-                <a:tab pos="241300" algn="l"/>
-              </a:tabLst>
-            </a:pPr>
-            <a:r>
-              <a:rPr lang="ko-KR" altLang="en-US" spc="-5" dirty="0" smtClean="0">
-                <a:latin typeface="+mj-ea"/>
-                <a:ea typeface="+mj-ea"/>
-                <a:cs typeface="나눔스퀘어OTF Light"/>
-              </a:rPr>
-              <a:t>이 둘을 </a:t>
-            </a:r>
-            <a:r>
-              <a:rPr lang="en-US" altLang="ko-KR" spc="-5" dirty="0" smtClean="0">
-                <a:latin typeface="+mj-ea"/>
-                <a:ea typeface="+mj-ea"/>
-                <a:cs typeface="나눔스퀘어OTF Light"/>
-              </a:rPr>
-              <a:t>merge </a:t>
-            </a:r>
-            <a:r>
-              <a:rPr lang="ko-KR" altLang="en-US" spc="-5" dirty="0" smtClean="0">
-                <a:latin typeface="+mj-ea"/>
-                <a:ea typeface="+mj-ea"/>
-                <a:cs typeface="나눔스퀘어OTF Light"/>
-              </a:rPr>
-              <a:t>할 경우 </a:t>
-            </a:r>
-            <a:r>
-              <a:rPr lang="en-US" altLang="ko-KR" spc="-5" dirty="0" smtClean="0">
-                <a:latin typeface="+mj-ea"/>
-                <a:ea typeface="+mj-ea"/>
-                <a:cs typeface="나눔스퀘어OTF Light"/>
-              </a:rPr>
-              <a:t>conflict </a:t>
-            </a:r>
-            <a:r>
-              <a:rPr lang="ko-KR" altLang="en-US" spc="-5" dirty="0" smtClean="0">
-                <a:latin typeface="+mj-ea"/>
-                <a:ea typeface="+mj-ea"/>
-                <a:cs typeface="나눔스퀘어OTF Light"/>
-              </a:rPr>
-              <a:t>발생</a:t>
-            </a:r>
-            <a:endParaRPr lang="ko-KR" altLang="en-US" dirty="0">
-              <a:latin typeface="+mj-ea"/>
-              <a:ea typeface="+mj-ea"/>
-              <a:cs typeface="나눔스퀘어OTF Light"/>
-            </a:endParaRPr>
-          </a:p>
-          <a:p>
-            <a:pPr>
-              <a:lnSpc>
-                <a:spcPct val="150000"/>
-              </a:lnSpc>
-            </a:pPr>
-            <a:endParaRPr lang="ko-KR" altLang="en-US" sz="2400" dirty="0">
-              <a:latin typeface="+mj-ea"/>
-              <a:ea typeface="+mj-ea"/>
-            </a:endParaRPr>
-          </a:p>
-        </p:txBody>
-      </p:sp>
-      <p:sp>
-        <p:nvSpPr>
-          <p:cNvPr id="4" name="슬라이드 번호 개체 틀 3"/>
-          <p:cNvSpPr>
-            <a:spLocks noGrp="1"/>
-          </p:cNvSpPr>
-          <p:nvPr>
-            <p:ph type="sldNum" sz="quarter" idx="12"/>
-          </p:nvPr>
-        </p:nvSpPr>
-        <p:spPr/>
-        <p:txBody>
-          <a:bodyPr/>
-          <a:lstStyle/>
-          <a:p>
-            <a:fld id="{58588529-ABE4-40AD-8768-23231B917785}" type="slidenum">
-              <a:rPr lang="ko-KR" altLang="en-US" smtClean="0"/>
-              <a:t>19</a:t>
-            </a:fld>
-            <a:endParaRPr lang="ko-KR" altLang="en-US"/>
-          </a:p>
-        </p:txBody>
-      </p:sp>
-      <p:pic>
-        <p:nvPicPr>
-          <p:cNvPr id="5" name="그림 4"/>
-          <p:cNvPicPr>
-            <a:picLocks noChangeAspect="1"/>
-          </p:cNvPicPr>
-          <p:nvPr/>
-        </p:nvPicPr>
-        <p:blipFill>
-          <a:blip r:embed="rId2">
-            <a:clrChange>
-              <a:clrFrom>
-                <a:srgbClr val="FCFCFA"/>
-              </a:clrFrom>
-              <a:clrTo>
-                <a:srgbClr val="FCFCFA">
-                  <a:alpha val="0"/>
-                </a:srgbClr>
-              </a:clrTo>
-            </a:clrChange>
-          </a:blip>
-          <a:stretch>
-            <a:fillRect/>
-          </a:stretch>
-        </p:blipFill>
-        <p:spPr>
-          <a:xfrm>
-            <a:off x="1808357" y="2333681"/>
-            <a:ext cx="7879106" cy="4667157"/>
-          </a:xfrm>
-          <a:prstGeom prst="rect">
-            <a:avLst/>
-          </a:prstGeom>
-        </p:spPr>
-      </p:pic>
-    </p:spTree>
-    <p:extLst>
-      <p:ext uri="{BB962C8B-B14F-4D97-AF65-F5344CB8AC3E}">
-        <p14:creationId xmlns:p14="http://schemas.microsoft.com/office/powerpoint/2010/main" val="3074781698"/>
-      </p:ext>
-    </p:extLst>
-  </p:cSld>
-  <p:clrMapOvr>
-    <a:masterClrMapping/>
-  </p:clrMapOvr>
-  <p:timing>
-    <p:tnLst>
-      <p:par>
-        <p:cTn id="1" dur="indefinite" restart="never" nodeType="tmRoot"/>
-      </p:par>
-    </p:tnLst>
-  </p:timing>
-</p:sld>
-</file>
-
 <file path=ppt/slides/slide2.xml><?xml version="1.0" encoding="utf-8"?>
 <p:sld xmlns:a="http://schemas.openxmlformats.org/drawingml/2006/main" xmlns:r="http://schemas.openxmlformats.org/officeDocument/2006/relationships" xmlns:p="http://schemas.openxmlformats.org/presentationml/2006/main">
   <p:cSld>
@@ -8456,14 +8582,14 @@
           <p:nvPr>
             <p:extLst>
               <p:ext uri="{D42A27DB-BD31-4B8C-83A1-F6EECF244321}">
-                <p14:modId xmlns:p14="http://schemas.microsoft.com/office/powerpoint/2010/main" val="953950830"/>
+                <p14:modId xmlns:p14="http://schemas.microsoft.com/office/powerpoint/2010/main" val="2687490628"/>
               </p:ext>
             </p:extLst>
           </p:nvPr>
         </p:nvGraphicFramePr>
         <p:xfrm>
-          <a:off x="880414" y="1231510"/>
-          <a:ext cx="9170408" cy="4568675"/>
+          <a:off x="880413" y="1231510"/>
+          <a:ext cx="10863911" cy="4568675"/>
         </p:xfrm>
         <a:graphic>
           <a:graphicData uri="http://schemas.openxmlformats.org/drawingml/2006/table">
@@ -8472,14 +8598,14 @@
                 <a:tableStyleId>{2D5ABB26-0587-4C30-8999-92F81FD0307C}</a:tableStyleId>
               </a:tblPr>
               <a:tblGrid>
-                <a:gridCol w="3312288">
+                <a:gridCol w="4497437">
                   <a:extLst>
                     <a:ext uri="{9D8B030D-6E8A-4147-A177-3AD203B41FA5}">
                       <a16:colId xmlns:a16="http://schemas.microsoft.com/office/drawing/2014/main" val="20000"/>
                     </a:ext>
                   </a:extLst>
                 </a:gridCol>
-                <a:gridCol w="5858120">
+                <a:gridCol w="6366474">
                   <a:extLst>
                     <a:ext uri="{9D8B030D-6E8A-4147-A177-3AD203B41FA5}">
                       <a16:colId xmlns:a16="http://schemas.microsoft.com/office/drawing/2014/main" val="20002"/>
@@ -9190,6 +9316,32 @@
                           <a:ea typeface="+mj-ea"/>
                         </a:rPr>
                         <a:t>config</a:t>
+                      </a:r>
+                      <a:r>
+                        <a:rPr lang="en-US" altLang="ko-KR" sz="1800" b="1" dirty="0" smtClean="0">
+                          <a:latin typeface="+mj-ea"/>
+                          <a:ea typeface="+mj-ea"/>
+                        </a:rPr>
+                        <a:t>  --global</a:t>
+                      </a:r>
+                      <a:r>
+                        <a:rPr lang="en-US" altLang="ko-KR" sz="1800" b="1" baseline="0" dirty="0" smtClean="0">
+                          <a:latin typeface="+mj-ea"/>
+                          <a:ea typeface="+mj-ea"/>
+                        </a:rPr>
+                        <a:t> </a:t>
+                      </a:r>
+                      <a:r>
+                        <a:rPr lang="en-US" altLang="ko-KR" dirty="0" smtClean="0"/>
+                        <a:t>user.name “</a:t>
+                      </a:r>
+                      <a:r>
+                        <a:rPr lang="en-US" altLang="ko-KR" dirty="0" err="1" smtClean="0"/>
+                        <a:t>gildong</a:t>
+                      </a:r>
+                      <a:r>
+                        <a:rPr lang="en-US" altLang="ko-KR" dirty="0" smtClean="0"/>
+                        <a:t>"</a:t>
                       </a:r>
                       <a:endParaRPr lang="ko-KR" altLang="en-US" sz="1800" b="1" dirty="0">
                         <a:latin typeface="+mj-ea"/>
@@ -10098,6 +10250,431 @@
         </p:nvSpPr>
         <p:spPr>
           <a:xfrm>
+            <a:off x="199845" y="145472"/>
+            <a:ext cx="10515600" cy="773719"/>
+          </a:xfrm>
+        </p:spPr>
+        <p:txBody>
+          <a:bodyPr/>
+          <a:lstStyle/>
+          <a:p>
+            <a:r>
+              <a:rPr lang="en-US" altLang="ko-KR" b="1" dirty="0" smtClean="0">
+                <a:effectLst>
+                  <a:outerShdw blurRad="38100" dist="38100" dir="2700000" algn="tl">
+                    <a:srgbClr val="000000">
+                      <a:alpha val="43137"/>
+                    </a:srgbClr>
+                  </a:outerShdw>
+                </a:effectLst>
+                <a:latin typeface="+mn-ea"/>
+                <a:ea typeface="+mn-ea"/>
+              </a:rPr>
+              <a:t>conflict</a:t>
+            </a:r>
+            <a:endParaRPr lang="ko-KR" altLang="en-US" b="1" dirty="0">
+              <a:effectLst>
+                <a:outerShdw blurRad="38100" dist="38100" dir="2700000" algn="tl">
+                  <a:srgbClr val="000000">
+                    <a:alpha val="43137"/>
+                  </a:srgbClr>
+                </a:outerShdw>
+              </a:effectLst>
+              <a:latin typeface="+mn-ea"/>
+              <a:ea typeface="+mn-ea"/>
+            </a:endParaRPr>
+          </a:p>
+        </p:txBody>
+      </p:sp>
+      <p:sp>
+        <p:nvSpPr>
+          <p:cNvPr id="3" name="내용 개체 틀 2"/>
+          <p:cNvSpPr>
+            <a:spLocks noGrp="1"/>
+          </p:cNvSpPr>
+          <p:nvPr>
+            <p:ph idx="1"/>
+          </p:nvPr>
+        </p:nvSpPr>
+        <p:spPr>
+          <a:xfrm>
+            <a:off x="596660" y="919191"/>
+            <a:ext cx="11238782" cy="4351338"/>
+          </a:xfrm>
+        </p:spPr>
+        <p:txBody>
+          <a:bodyPr>
+            <a:normAutofit/>
+          </a:bodyPr>
+          <a:lstStyle/>
+          <a:p>
+            <a:pPr marL="469900" indent="-457200">
+              <a:lnSpc>
+                <a:spcPct val="100000"/>
+              </a:lnSpc>
+              <a:spcBef>
+                <a:spcPts val="1105"/>
+              </a:spcBef>
+              <a:tabLst>
+                <a:tab pos="241300" algn="l"/>
+              </a:tabLst>
+            </a:pPr>
+            <a:r>
+              <a:rPr lang="ko-KR" altLang="en-US" spc="210" dirty="0">
+                <a:latin typeface="+mj-ea"/>
+                <a:ea typeface="+mj-ea"/>
+                <a:cs typeface="나눔스퀘어OTF Light"/>
+              </a:rPr>
+              <a:t>서로 다른 </a:t>
+            </a:r>
+            <a:r>
+              <a:rPr lang="en-US" altLang="ko-KR" spc="55" dirty="0">
+                <a:latin typeface="+mj-ea"/>
+                <a:ea typeface="+mj-ea"/>
+                <a:cs typeface="나눔스퀘어OTF Light"/>
+              </a:rPr>
+              <a:t>branch</a:t>
+            </a:r>
+            <a:r>
+              <a:rPr lang="ko-KR" altLang="en-US" spc="55" dirty="0">
+                <a:latin typeface="+mj-ea"/>
+                <a:ea typeface="+mj-ea"/>
+                <a:cs typeface="나눔스퀘어OTF Light"/>
+              </a:rPr>
+              <a:t>끼리 </a:t>
+            </a:r>
+            <a:r>
+              <a:rPr lang="ko-KR" altLang="en-US" spc="210" dirty="0">
+                <a:latin typeface="+mj-ea"/>
+                <a:ea typeface="+mj-ea"/>
+                <a:cs typeface="나눔스퀘어OTF Light"/>
+              </a:rPr>
+              <a:t>병합했을 때 충돌이 일어나는</a:t>
+            </a:r>
+            <a:r>
+              <a:rPr lang="ko-KR" altLang="en-US" spc="415" dirty="0">
+                <a:latin typeface="+mj-ea"/>
+                <a:ea typeface="+mj-ea"/>
+                <a:cs typeface="나눔스퀘어OTF Light"/>
+              </a:rPr>
+              <a:t> </a:t>
+            </a:r>
+            <a:r>
+              <a:rPr lang="ko-KR" altLang="en-US" spc="210" dirty="0">
+                <a:latin typeface="+mj-ea"/>
+                <a:ea typeface="+mj-ea"/>
+                <a:cs typeface="나눔스퀘어OTF Light"/>
+              </a:rPr>
+              <a:t>현상</a:t>
+            </a:r>
+            <a:endParaRPr lang="ko-KR" altLang="en-US" dirty="0">
+              <a:latin typeface="+mj-ea"/>
+              <a:ea typeface="+mj-ea"/>
+              <a:cs typeface="나눔스퀘어OTF Light"/>
+            </a:endParaRPr>
+          </a:p>
+          <a:p>
+            <a:pPr marL="469900" marR="5080" indent="-457200">
+              <a:lnSpc>
+                <a:spcPct val="100000"/>
+              </a:lnSpc>
+              <a:spcBef>
+                <a:spcPts val="1010"/>
+              </a:spcBef>
+              <a:tabLst>
+                <a:tab pos="241300" algn="l"/>
+              </a:tabLst>
+            </a:pPr>
+            <a:r>
+              <a:rPr lang="ko-KR" altLang="en-US" spc="210" dirty="0">
+                <a:latin typeface="+mj-ea"/>
+                <a:ea typeface="+mj-ea"/>
+                <a:cs typeface="나눔스퀘어OTF Light"/>
+              </a:rPr>
+              <a:t>서로 다른 </a:t>
+            </a:r>
+            <a:r>
+              <a:rPr lang="en-US" altLang="ko-KR" spc="55" dirty="0">
+                <a:latin typeface="+mj-ea"/>
+                <a:ea typeface="+mj-ea"/>
+                <a:cs typeface="나눔스퀘어OTF Light"/>
+              </a:rPr>
+              <a:t>branch</a:t>
+            </a:r>
+            <a:r>
+              <a:rPr lang="ko-KR" altLang="en-US" spc="55" dirty="0">
+                <a:latin typeface="+mj-ea"/>
+                <a:ea typeface="+mj-ea"/>
+                <a:cs typeface="나눔스퀘어OTF Light"/>
+              </a:rPr>
+              <a:t>에서 </a:t>
+            </a:r>
+            <a:r>
+              <a:rPr lang="ko-KR" altLang="en-US" spc="210" dirty="0">
+                <a:latin typeface="+mj-ea"/>
+                <a:ea typeface="+mj-ea"/>
+                <a:cs typeface="나눔스퀘어OTF Light"/>
+              </a:rPr>
+              <a:t>같은 부분을 수정했을 때 </a:t>
+            </a:r>
+            <a:r>
+              <a:rPr lang="en-US" altLang="ko-KR" spc="-5" dirty="0" smtClean="0">
+                <a:latin typeface="+mj-ea"/>
+                <a:ea typeface="+mj-ea"/>
+                <a:cs typeface="나눔스퀘어OTF Light"/>
+              </a:rPr>
+              <a:t>conflict </a:t>
+            </a:r>
+            <a:r>
+              <a:rPr lang="ko-KR" altLang="en-US" spc="-5" dirty="0" smtClean="0">
+                <a:latin typeface="+mj-ea"/>
+                <a:ea typeface="+mj-ea"/>
+                <a:cs typeface="나눔스퀘어OTF Light"/>
+              </a:rPr>
+              <a:t>발생</a:t>
+            </a:r>
+            <a:endParaRPr lang="en-US" altLang="ko-KR" spc="-5" dirty="0" smtClean="0">
+              <a:latin typeface="+mj-ea"/>
+              <a:ea typeface="+mj-ea"/>
+              <a:cs typeface="나눔스퀘어OTF Light"/>
+            </a:endParaRPr>
+          </a:p>
+          <a:p>
+            <a:pPr marL="927100" marR="5080" lvl="1" indent="-457200">
+              <a:lnSpc>
+                <a:spcPct val="100000"/>
+              </a:lnSpc>
+              <a:spcBef>
+                <a:spcPts val="1010"/>
+              </a:spcBef>
+              <a:tabLst>
+                <a:tab pos="241300" algn="l"/>
+              </a:tabLst>
+            </a:pPr>
+            <a:r>
+              <a:rPr lang="ko-KR" altLang="en-US" spc="-5" dirty="0" smtClean="0">
+                <a:latin typeface="+mj-ea"/>
+                <a:ea typeface="+mj-ea"/>
+                <a:cs typeface="나눔스퀘어OTF Light"/>
+              </a:rPr>
+              <a:t>아래 그림에서 </a:t>
+            </a:r>
+            <a:r>
+              <a:rPr lang="en-US" altLang="ko-KR" spc="-5" dirty="0" smtClean="0">
+                <a:latin typeface="+mj-ea"/>
+                <a:ea typeface="+mj-ea"/>
+                <a:cs typeface="나눔스퀘어OTF Light"/>
+              </a:rPr>
+              <a:t>master</a:t>
+            </a:r>
+            <a:r>
+              <a:rPr lang="ko-KR" altLang="en-US" spc="-5" dirty="0" smtClean="0">
+                <a:latin typeface="+mj-ea"/>
+                <a:ea typeface="+mj-ea"/>
+                <a:cs typeface="나눔스퀘어OTF Light"/>
+              </a:rPr>
+              <a:t>와 </a:t>
+            </a:r>
+            <a:r>
+              <a:rPr lang="en-US" altLang="ko-KR" spc="-5" dirty="0" smtClean="0">
+                <a:latin typeface="+mj-ea"/>
+                <a:ea typeface="+mj-ea"/>
+                <a:cs typeface="나눔스퀘어OTF Light"/>
+              </a:rPr>
+              <a:t>testing</a:t>
+            </a:r>
+            <a:r>
+              <a:rPr lang="ko-KR" altLang="en-US" spc="-5" dirty="0" smtClean="0">
+                <a:latin typeface="+mj-ea"/>
+                <a:ea typeface="+mj-ea"/>
+                <a:cs typeface="나눔스퀘어OTF Light"/>
+              </a:rPr>
+              <a:t>에서 각각 같은 파일을 수정</a:t>
+            </a:r>
+            <a:endParaRPr lang="en-US" altLang="ko-KR" spc="-5" dirty="0" smtClean="0">
+              <a:latin typeface="+mj-ea"/>
+              <a:ea typeface="+mj-ea"/>
+              <a:cs typeface="나눔스퀘어OTF Light"/>
+            </a:endParaRPr>
+          </a:p>
+          <a:p>
+            <a:pPr marL="927100" marR="5080" lvl="1" indent="-457200">
+              <a:lnSpc>
+                <a:spcPct val="100000"/>
+              </a:lnSpc>
+              <a:spcBef>
+                <a:spcPts val="1010"/>
+              </a:spcBef>
+              <a:tabLst>
+                <a:tab pos="241300" algn="l"/>
+              </a:tabLst>
+            </a:pPr>
+            <a:r>
+              <a:rPr lang="ko-KR" altLang="en-US" spc="-5" dirty="0" smtClean="0">
+                <a:latin typeface="+mj-ea"/>
+                <a:ea typeface="+mj-ea"/>
+                <a:cs typeface="나눔스퀘어OTF Light"/>
+              </a:rPr>
+              <a:t>이 둘을 </a:t>
+            </a:r>
+            <a:r>
+              <a:rPr lang="en-US" altLang="ko-KR" spc="-5" dirty="0" smtClean="0">
+                <a:latin typeface="+mj-ea"/>
+                <a:ea typeface="+mj-ea"/>
+                <a:cs typeface="나눔스퀘어OTF Light"/>
+              </a:rPr>
+              <a:t>merge </a:t>
+            </a:r>
+            <a:r>
+              <a:rPr lang="ko-KR" altLang="en-US" spc="-5" dirty="0" smtClean="0">
+                <a:latin typeface="+mj-ea"/>
+                <a:ea typeface="+mj-ea"/>
+                <a:cs typeface="나눔스퀘어OTF Light"/>
+              </a:rPr>
+              <a:t>할 경우 </a:t>
+            </a:r>
+            <a:r>
+              <a:rPr lang="en-US" altLang="ko-KR" spc="-5" dirty="0" smtClean="0">
+                <a:latin typeface="+mj-ea"/>
+                <a:ea typeface="+mj-ea"/>
+                <a:cs typeface="나눔스퀘어OTF Light"/>
+              </a:rPr>
+              <a:t>conflict </a:t>
+            </a:r>
+            <a:r>
+              <a:rPr lang="ko-KR" altLang="en-US" spc="-5" dirty="0" smtClean="0">
+                <a:latin typeface="+mj-ea"/>
+                <a:ea typeface="+mj-ea"/>
+                <a:cs typeface="나눔스퀘어OTF Light"/>
+              </a:rPr>
+              <a:t>발생</a:t>
+            </a:r>
+            <a:endParaRPr lang="ko-KR" altLang="en-US" dirty="0">
+              <a:latin typeface="+mj-ea"/>
+              <a:ea typeface="+mj-ea"/>
+              <a:cs typeface="나눔스퀘어OTF Light"/>
+            </a:endParaRPr>
+          </a:p>
+          <a:p>
+            <a:pPr>
+              <a:lnSpc>
+                <a:spcPct val="150000"/>
+              </a:lnSpc>
+            </a:pPr>
+            <a:endParaRPr lang="ko-KR" altLang="en-US" sz="2400" dirty="0">
+              <a:latin typeface="+mj-ea"/>
+              <a:ea typeface="+mj-ea"/>
+            </a:endParaRPr>
+          </a:p>
+        </p:txBody>
+      </p:sp>
+      <p:sp>
+        <p:nvSpPr>
+          <p:cNvPr id="4" name="슬라이드 번호 개체 틀 3"/>
+          <p:cNvSpPr>
+            <a:spLocks noGrp="1"/>
+          </p:cNvSpPr>
+          <p:nvPr>
+            <p:ph type="sldNum" sz="quarter" idx="12"/>
+          </p:nvPr>
+        </p:nvSpPr>
+        <p:spPr/>
+        <p:txBody>
+          <a:bodyPr/>
+          <a:lstStyle/>
+          <a:p>
+            <a:fld id="{58588529-ABE4-40AD-8768-23231B917785}" type="slidenum">
+              <a:rPr lang="ko-KR" altLang="en-US" smtClean="0"/>
+              <a:t>20</a:t>
+            </a:fld>
+            <a:endParaRPr lang="ko-KR" altLang="en-US"/>
+          </a:p>
+        </p:txBody>
+      </p:sp>
+      <p:pic>
+        <p:nvPicPr>
+          <p:cNvPr id="5" name="그림 4"/>
+          <p:cNvPicPr>
+            <a:picLocks noChangeAspect="1"/>
+          </p:cNvPicPr>
+          <p:nvPr/>
+        </p:nvPicPr>
+        <p:blipFill>
+          <a:blip r:embed="rId2">
+            <a:clrChange>
+              <a:clrFrom>
+                <a:srgbClr val="FCFCFA"/>
+              </a:clrFrom>
+              <a:clrTo>
+                <a:srgbClr val="FCFCFA">
+                  <a:alpha val="0"/>
+                </a:srgbClr>
+              </a:clrTo>
+            </a:clrChange>
+          </a:blip>
+          <a:stretch>
+            <a:fillRect/>
+          </a:stretch>
+        </p:blipFill>
+        <p:spPr>
+          <a:xfrm>
+            <a:off x="1808357" y="2333681"/>
+            <a:ext cx="7879106" cy="4667157"/>
+          </a:xfrm>
+          <a:prstGeom prst="rect">
+            <a:avLst/>
+          </a:prstGeom>
+        </p:spPr>
+      </p:pic>
+    </p:spTree>
+    <p:extLst>
+      <p:ext uri="{BB962C8B-B14F-4D97-AF65-F5344CB8AC3E}">
+        <p14:creationId xmlns:p14="http://schemas.microsoft.com/office/powerpoint/2010/main" val="3074781698"/>
+      </p:ext>
+    </p:extLst>
+  </p:cSld>
+  <p:clrMapOvr>
+    <a:masterClrMapping/>
+  </p:clrMapOvr>
+  <p:timing>
+    <p:tnLst>
+      <p:par>
+        <p:cTn id="1" dur="indefinite" restart="never" nodeType="tmRoot"/>
+      </p:par>
+    </p:tnLst>
+  </p:timing>
+</p:sld>
+</file>
+
+<file path=ppt/slides/slide21.xml><?xml version="1.0" encoding="utf-8"?>
+<p:sld xmlns:a="http://schemas.openxmlformats.org/drawingml/2006/main" xmlns:r="http://schemas.openxmlformats.org/officeDocument/2006/relationships" xmlns:p="http://schemas.openxmlformats.org/presentationml/2006/main">
+  <p:cSld>
+    <p:spTree>
+      <p:nvGrpSpPr>
+        <p:cNvPr id="1" name=""/>
+        <p:cNvGrpSpPr/>
+        <p:nvPr/>
+      </p:nvGrpSpPr>
+      <p:grpSpPr>
+        <a:xfrm>
+          <a:off x="0" y="0"/>
+          <a:ext cx="0" cy="0"/>
+          <a:chOff x="0" y="0"/>
+          <a:chExt cx="0" cy="0"/>
+        </a:xfrm>
+      </p:grpSpPr>
+      <p:sp>
+        <p:nvSpPr>
+          <p:cNvPr id="2" name="제목 1"/>
+          <p:cNvSpPr>
+            <a:spLocks noGrp="1"/>
+          </p:cNvSpPr>
+          <p:nvPr>
+            <p:ph type="title"/>
+          </p:nvPr>
+        </p:nvSpPr>
+        <p:spPr>
+          <a:xfrm>
             <a:off x="139460" y="139700"/>
             <a:ext cx="10515600" cy="692710"/>
           </a:xfrm>
@@ -10417,7 +10994,7 @@
           <a:p>
             <a:fld id="{58588529-ABE4-40AD-8768-23231B917785}" type="slidenum">
               <a:rPr lang="ko-KR" altLang="en-US" smtClean="0"/>
-              <a:t>20</a:t>
+              <a:t>21</a:t>
             </a:fld>
             <a:endParaRPr lang="ko-KR" altLang="en-US"/>
           </a:p>
@@ -10491,7 +11068,7 @@
 </p:sld>
 </file>
 
-<file path=ppt/slides/slide21.xml><?xml version="1.0" encoding="utf-8"?>
+<file path=ppt/slides/slide22.xml><?xml version="1.0" encoding="utf-8"?>
 <p:sld xmlns:a="http://schemas.openxmlformats.org/drawingml/2006/main" xmlns:r="http://schemas.openxmlformats.org/officeDocument/2006/relationships" xmlns:p="http://schemas.openxmlformats.org/presentationml/2006/main">
   <p:cSld>
     <p:spTree>
@@ -10679,7 +11256,7 @@
           <a:p>
             <a:fld id="{58588529-ABE4-40AD-8768-23231B917785}" type="slidenum">
               <a:rPr lang="ko-KR" altLang="en-US" smtClean="0"/>
-              <a:t>21</a:t>
+              <a:t>22</a:t>
             </a:fld>
             <a:endParaRPr lang="ko-KR" altLang="en-US"/>
           </a:p>
@@ -10775,7 +11352,7 @@
 </p:sld>
 </file>
 
-<file path=ppt/slides/slide22.xml><?xml version="1.0" encoding="utf-8"?>
+<file path=ppt/slides/slide23.xml><?xml version="1.0" encoding="utf-8"?>
 <p:sld xmlns:a="http://schemas.openxmlformats.org/drawingml/2006/main" xmlns:r="http://schemas.openxmlformats.org/officeDocument/2006/relationships" xmlns:p="http://schemas.openxmlformats.org/presentationml/2006/main">
   <p:cSld>
     <p:spTree>
@@ -11032,7 +11609,7 @@
           <a:p>
             <a:fld id="{58588529-ABE4-40AD-8768-23231B917785}" type="slidenum">
               <a:rPr lang="ko-KR" altLang="en-US" smtClean="0"/>
-              <a:t>22</a:t>
+              <a:t>23</a:t>
             </a:fld>
             <a:endParaRPr lang="ko-KR" altLang="en-US"/>
           </a:p>
@@ -11116,8 +11693,8 @@
         </p:nvSpPr>
         <p:spPr>
           <a:xfrm>
-            <a:off x="2713655" y="5408630"/>
-            <a:ext cx="2061783" cy="461665"/>
+            <a:off x="2005956" y="5522930"/>
+            <a:ext cx="2975495" cy="461665"/>
           </a:xfrm>
           <a:prstGeom prst="rect">
             <a:avLst/>
@@ -11148,7 +11725,7 @@
                 <a:latin typeface="나눔손글씨 펜" panose="03040600000000000000" pitchFamily="66" charset="-127"/>
                 <a:ea typeface="나눔손글씨 펜" panose="03040600000000000000" pitchFamily="66" charset="-127"/>
               </a:rPr>
-              <a:t> 부분을 정리한다</a:t>
+              <a:t> 부분을 수작업으로 정리한다</a:t>
             </a:r>
             <a:r>
               <a:rPr lang="en-US" altLang="ko-KR" sz="2400" dirty="0" smtClean="0">
@@ -11181,8 +11758,8 @@
         </p:nvCxnSpPr>
         <p:spPr>
           <a:xfrm flipV="1">
-            <a:off x="3744547" y="5005898"/>
-            <a:ext cx="1764037" cy="402732"/>
+            <a:off x="3493704" y="5005898"/>
+            <a:ext cx="2014880" cy="517032"/>
           </a:xfrm>
           <a:prstGeom prst="straightConnector1">
             <a:avLst/>
@@ -11253,7 +11830,7 @@
 </p:sld>
 </file>
 
-<file path=ppt/slides/slide23.xml><?xml version="1.0" encoding="utf-8"?>
+<file path=ppt/slides/slide24.xml><?xml version="1.0" encoding="utf-8"?>
 <p:sld xmlns:a="http://schemas.openxmlformats.org/drawingml/2006/main" xmlns:r="http://schemas.openxmlformats.org/officeDocument/2006/relationships" xmlns:p="http://schemas.openxmlformats.org/presentationml/2006/main">
   <p:cSld>
     <p:spTree>
@@ -11387,7 +11964,7 @@
           <a:p>
             <a:fld id="{58588529-ABE4-40AD-8768-23231B917785}" type="slidenum">
               <a:rPr lang="ko-KR" altLang="en-US" smtClean="0"/>
-              <a:t>23</a:t>
+              <a:t>24</a:t>
             </a:fld>
             <a:endParaRPr lang="ko-KR" altLang="en-US"/>
           </a:p>
@@ -11437,7 +12014,7 @@
 </p:sld>
 </file>
 
-<file path=ppt/slides/slide24.xml><?xml version="1.0" encoding="utf-8"?>
+<file path=ppt/slides/slide25.xml><?xml version="1.0" encoding="utf-8"?>
 <p:sld xmlns:a="http://schemas.openxmlformats.org/drawingml/2006/main" xmlns:r="http://schemas.openxmlformats.org/officeDocument/2006/relationships" xmlns:p="http://schemas.openxmlformats.org/presentationml/2006/main">
   <p:cSld>
     <p:spTree>
@@ -11580,7 +12157,7 @@
           <a:p>
             <a:fld id="{58588529-ABE4-40AD-8768-23231B917785}" type="slidenum">
               <a:rPr lang="ko-KR" altLang="en-US" smtClean="0"/>
-              <a:t>24</a:t>
+              <a:t>25</a:t>
             </a:fld>
             <a:endParaRPr lang="ko-KR" altLang="en-US"/>
           </a:p>
@@ -12218,7 +12795,7 @@
 </p:sld>
 </file>
 
-<file path=ppt/slides/slide25.xml><?xml version="1.0" encoding="utf-8"?>
+<file path=ppt/slides/slide26.xml><?xml version="1.0" encoding="utf-8"?>
 <p:sld xmlns:a="http://schemas.openxmlformats.org/drawingml/2006/main" xmlns:r="http://schemas.openxmlformats.org/officeDocument/2006/relationships" xmlns:p="http://schemas.openxmlformats.org/presentationml/2006/main">
   <p:cSld>
     <p:spTree>
@@ -12357,7 +12934,7 @@
           <a:p>
             <a:fld id="{58588529-ABE4-40AD-8768-23231B917785}" type="slidenum">
               <a:rPr lang="ko-KR" altLang="en-US" smtClean="0"/>
-              <a:t>25</a:t>
+              <a:t>26</a:t>
             </a:fld>
             <a:endParaRPr lang="ko-KR" altLang="en-US"/>
           </a:p>
@@ -13948,7 +14525,7 @@
         </p:blipFill>
         <p:spPr>
           <a:xfrm>
-            <a:off x="2572917" y="2692699"/>
+            <a:off x="1635335" y="2699348"/>
             <a:ext cx="3457575" cy="1162050"/>
           </a:xfrm>
           <a:prstGeom prst="rect">
@@ -13988,7 +14565,7 @@
         </p:nvSpPr>
         <p:spPr>
           <a:xfrm>
-            <a:off x="6328470" y="3485417"/>
+            <a:off x="1585020" y="6318938"/>
             <a:ext cx="5734134" cy="369332"/>
           </a:xfrm>
           <a:prstGeom prst="rect">
@@ -14040,6 +14617,98 @@
               <a:t>파악하기</a:t>
             </a:r>
             <a:endParaRPr lang="en-US" altLang="ko-KR" dirty="0"/>
+          </a:p>
+        </p:txBody>
+      </p:sp>
+      <p:sp>
+        <p:nvSpPr>
+          <p:cNvPr id="5" name="TextBox 4"/>
+          <p:cNvSpPr txBox="1"/>
+          <p:nvPr/>
+        </p:nvSpPr>
+        <p:spPr>
+          <a:xfrm>
+            <a:off x="5457645" y="3248235"/>
+            <a:ext cx="5772150" cy="369332"/>
+          </a:xfrm>
+          <a:prstGeom prst="rect">
+            <a:avLst/>
+          </a:prstGeom>
+          <a:noFill/>
+        </p:spPr>
+        <p:txBody>
+          <a:bodyPr wrap="square" rtlCol="0">
+            <a:spAutoFit/>
+          </a:bodyPr>
+          <a:lstStyle/>
+          <a:p>
+            <a:r>
+              <a:rPr lang="ko-KR" altLang="en-US" dirty="0" err="1" smtClean="0">
+                <a:solidFill>
+                  <a:srgbClr val="0000FF"/>
+                </a:solidFill>
+                <a:latin typeface="1훈하얀고양이 R" panose="02020603020101020101" pitchFamily="18" charset="-127"/>
+                <a:ea typeface="1훈하얀고양이 R" panose="02020603020101020101" pitchFamily="18" charset="-127"/>
+              </a:rPr>
+              <a:t>우분트를</a:t>
+            </a:r>
+            <a:r>
+              <a:rPr lang="ko-KR" altLang="en-US" dirty="0" smtClean="0">
+                <a:solidFill>
+                  <a:srgbClr val="0000FF"/>
+                </a:solidFill>
+                <a:latin typeface="1훈하얀고양이 R" panose="02020603020101020101" pitchFamily="18" charset="-127"/>
+                <a:ea typeface="1훈하얀고양이 R" panose="02020603020101020101" pitchFamily="18" charset="-127"/>
+              </a:rPr>
+              <a:t> 사용하면 </a:t>
+            </a:r>
+            <a:r>
+              <a:rPr lang="en-US" altLang="ko-KR" dirty="0" smtClean="0">
+                <a:solidFill>
+                  <a:srgbClr val="0000FF"/>
+                </a:solidFill>
+                <a:latin typeface="1훈하얀고양이 R" panose="02020603020101020101" pitchFamily="18" charset="-127"/>
+                <a:ea typeface="1훈하얀고양이 R" panose="02020603020101020101" pitchFamily="18" charset="-127"/>
+              </a:rPr>
+              <a:t>vi</a:t>
+            </a:r>
+            <a:r>
+              <a:rPr lang="ko-KR" altLang="en-US" dirty="0" err="1" smtClean="0">
+                <a:solidFill>
+                  <a:srgbClr val="0000FF"/>
+                </a:solidFill>
+                <a:latin typeface="1훈하얀고양이 R" panose="02020603020101020101" pitchFamily="18" charset="-127"/>
+                <a:ea typeface="1훈하얀고양이 R" panose="02020603020101020101" pitchFamily="18" charset="-127"/>
+              </a:rPr>
+              <a:t>를</a:t>
+            </a:r>
+            <a:r>
+              <a:rPr lang="ko-KR" altLang="en-US" dirty="0" smtClean="0">
+                <a:solidFill>
+                  <a:srgbClr val="0000FF"/>
+                </a:solidFill>
+                <a:latin typeface="1훈하얀고양이 R" panose="02020603020101020101" pitchFamily="18" charset="-127"/>
+                <a:ea typeface="1훈하얀고양이 R" panose="02020603020101020101" pitchFamily="18" charset="-127"/>
+              </a:rPr>
+              <a:t> 사용해야하나 편리하게 사용하기 위해 메모장을 사용한다</a:t>
+            </a:r>
+            <a:r>
+              <a:rPr lang="en-US" altLang="ko-KR" dirty="0" smtClean="0">
+                <a:solidFill>
+                  <a:srgbClr val="0000FF"/>
+                </a:solidFill>
+                <a:latin typeface="1훈하얀고양이 R" panose="02020603020101020101" pitchFamily="18" charset="-127"/>
+                <a:ea typeface="1훈하얀고양이 R" panose="02020603020101020101" pitchFamily="18" charset="-127"/>
+              </a:rPr>
+              <a:t>.</a:t>
+            </a:r>
+            <a:endParaRPr lang="ko-KR" altLang="en-US" dirty="0">
+              <a:solidFill>
+                <a:srgbClr val="0000FF"/>
+              </a:solidFill>
+              <a:latin typeface="1훈하얀고양이 R" panose="02020603020101020101" pitchFamily="18" charset="-127"/>
+              <a:ea typeface="1훈하얀고양이 R" panose="02020603020101020101" pitchFamily="18" charset="-127"/>
+            </a:endParaRPr>
           </a:p>
         </p:txBody>
       </p:sp>
@@ -14590,16 +15259,10 @@
               </a:lnSpc>
             </a:pPr>
             <a:r>
-              <a:rPr lang="ko-KR" altLang="en-US" dirty="0" err="1" smtClean="0">
-                <a:latin typeface="+mj-ea"/>
-              </a:rPr>
-              <a:t>파일별로</a:t>
-            </a:r>
-            <a:r>
               <a:rPr lang="ko-KR" altLang="en-US" dirty="0" smtClean="0">
                 <a:latin typeface="+mj-ea"/>
               </a:rPr>
-              <a:t> </a:t>
+              <a:t>파일 별로 </a:t>
             </a:r>
             <a:r>
               <a:rPr lang="ko-KR" altLang="en-US" dirty="0" err="1" smtClean="0">
@@ -15000,6 +15663,13 @@
   <p:clrMapOvr>
     <a:masterClrMapping/>
   </p:clrMapOvr>
+  <p:timing>
+    <p:tnLst>
+      <p:par>
+        <p:cTn id="1" dur="indefinite" restart="never" nodeType="tmRoot"/>
+      </p:par>
+    </p:tnLst>
+  </p:timing>
 </p:sld>
 </file>
 
@@ -15631,6 +16301,13 @@
   <p:clrMapOvr>
     <a:masterClrMapping/>
   </p:clrMapOvr>
+  <p:timing>
+    <p:tnLst>
+      <p:par>
+        <p:cTn id="1" dur="indefinite" restart="never" nodeType="tmRoot"/>
+      </p:par>
+    </p:tnLst>
+  </p:timing>
 </p:sld>
 </file>
 
@@ -15788,11 +16465,20 @@
               <a:t>checksum1</a:t>
             </a:r>
             <a:r>
-              <a:rPr lang="en-US" altLang="ko-KR" dirty="0" smtClean="0">
-                <a:latin typeface="+mj-ea"/>
-              </a:rPr>
-              <a:t>&gt;..&lt;checksum&gt;</a:t>
-            </a:r>
+              <a:rPr lang="en-US" altLang="ko-KR" smtClean="0">
+                <a:latin typeface="+mj-ea"/>
+              </a:rPr>
+              <a:t>&gt;..&lt;</a:t>
+            </a:r>
+            <a:r>
+              <a:rPr lang="en-US" altLang="ko-KR" smtClean="0">
+                <a:latin typeface="+mj-ea"/>
+              </a:rPr>
+              <a:t>checksum2&gt;</a:t>
+            </a:r>
+            <a:endParaRPr lang="en-US" altLang="ko-KR" dirty="0" smtClean="0">
+              <a:latin typeface="+mj-ea"/>
+            </a:endParaRPr>
           </a:p>
           <a:p>
             <a:pPr lvl="1">
@@ -16230,6 +16916,13 @@
   <p:clrMapOvr>
     <a:masterClrMapping/>
   </p:clrMapOvr>
+  <p:timing>
+    <p:tnLst>
+      <p:par>
+        <p:cTn id="1" dur="indefinite" restart="never" nodeType="tmRoot"/>
+      </p:par>
+    </p:tnLst>
+  </p:timing>
 </p:sld>
 </file>
 
@@ -16535,7 +17228,7 @@
           <p:nvPr>
             <p:extLst>
               <p:ext uri="{D42A27DB-BD31-4B8C-83A1-F6EECF244321}">
-                <p14:modId xmlns:p14="http://schemas.microsoft.com/office/powerpoint/2010/main" val="2517682548"/>
+                <p14:modId xmlns:p14="http://schemas.microsoft.com/office/powerpoint/2010/main" val="2166688191"/>
               </p:ext>
             </p:extLst>
           </p:nvPr>
@@ -17422,9 +18115,21 @@
                     <a:bodyPr/>
                     <a:lstStyle/>
                     <a:p>
-                      <a:pPr marL="285750" lvl="1" indent="-285750" algn="l" eaLnBrk="1" hangingPunct="1">
+                      <a:pPr marL="285750" marR="0" lvl="1" indent="-285750" algn="l" defTabSz="914400" rtl="0" eaLnBrk="1" fontAlgn="auto" latinLnBrk="1" hangingPunct="1">
+                        <a:lnSpc>
+                          <a:spcPct val="100000"/>
+                        </a:lnSpc>
+                        <a:spcBef>
+                          <a:spcPts val="0"/>
+                        </a:spcBef>
+                        <a:spcAft>
+                          <a:spcPts val="0"/>
+                        </a:spcAft>
+                        <a:buClrTx/>
+                        <a:buSzTx/>
                         <a:buFont typeface="Arial" panose="020B0604020202020204" pitchFamily="34" charset="0"/>
                         <a:buChar char="•"/>
+                        <a:tabLst/>
                         <a:defRPr/>
                       </a:pPr>
                       <a:r>
@@ -17446,11 +18151,66 @@
                           <a:latin typeface="+mj-ea"/>
                           <a:ea typeface="+mj-ea"/>
                         </a:rPr>
-                        <a:t>의 기록을 보여주는 명령</a:t>
+                        <a:t>의 기록을 </a:t>
                       </a:r>
-                      <a:endParaRPr lang="en-US" altLang="ko-KR" sz="1800" dirty="0" smtClean="0">
-                        <a:latin typeface="+mj-ea"/>
-                        <a:ea typeface="+mj-ea"/>
+                      <a:r>
+                        <a:rPr lang="ko-KR" altLang="en-US" sz="1800" b="0" dirty="0" smtClean="0">
+                          <a:latin typeface="+mj-ea"/>
+                          <a:ea typeface="+mj-ea"/>
+                        </a:rPr>
+                        <a:t>보여주는 명령</a:t>
+                      </a:r>
+                      <a:r>
+                        <a:rPr lang="en-US" altLang="ko-KR" sz="1800" b="0" dirty="0" smtClean="0">
+                          <a:latin typeface="+mj-ea"/>
+                          <a:ea typeface="+mj-ea"/>
+                        </a:rPr>
+                        <a:t>(</a:t>
+                      </a:r>
+                      <a:r>
+                        <a:rPr lang="en-US" altLang="ko-KR" sz="1800" b="0" i="0" kern="1200" dirty="0" smtClean="0">
+                          <a:solidFill>
+                            <a:schemeClr val="tx1"/>
+                          </a:solidFill>
+                          <a:effectLst/>
+                          <a:latin typeface="+mn-lt"/>
+                          <a:ea typeface="+mn-ea"/>
+                          <a:cs typeface="+mn-cs"/>
+                        </a:rPr>
+                        <a:t>HEAD</a:t>
+                      </a:r>
+                      <a:r>
+                        <a:rPr lang="ko-KR" altLang="en-US" sz="1800" b="0" i="0" kern="1200" dirty="0" smtClean="0">
+                          <a:solidFill>
+                            <a:schemeClr val="tx1"/>
+                          </a:solidFill>
+                          <a:effectLst/>
+                          <a:latin typeface="+mn-lt"/>
+                          <a:ea typeface="+mn-ea"/>
+                          <a:cs typeface="+mn-cs"/>
+                        </a:rPr>
+                        <a:t>의 이동 이력</a:t>
+                      </a:r>
+                      <a:r>
+                        <a:rPr lang="en-US" altLang="ko-KR" sz="1800" b="0" i="0" kern="1200" dirty="0" smtClean="0">
+                          <a:solidFill>
+                            <a:schemeClr val="tx1"/>
+                          </a:solidFill>
+                          <a:effectLst/>
+                          <a:latin typeface="+mn-lt"/>
+                          <a:ea typeface="+mn-ea"/>
+                          <a:cs typeface="+mn-cs"/>
+                        </a:rPr>
+                        <a:t>)</a:t>
+                      </a:r>
+                      <a:endParaRPr lang="ko-KR" altLang="en-US" sz="1800" b="0" i="0" kern="1200" dirty="0" smtClean="0">
+                        <a:solidFill>
+                          <a:schemeClr val="tx1"/>
+                        </a:solidFill>
+                        <a:effectLst/>
+                        <a:latin typeface="+mn-lt"/>
+                        <a:ea typeface="+mn-ea"/>
+                        <a:cs typeface="+mn-cs"/>
                       </a:endParaRPr>
                     </a:p>
                   </a:txBody>
@@ -17614,363 +18374,17 @@
   <p:clrMapOvr>
     <a:masterClrMapping/>
   </p:clrMapOvr>
+  <p:timing>
+    <p:tnLst>
+      <p:par>
+        <p:cTn id="1" dur="indefinite" restart="never" nodeType="tmRoot"/>
+      </p:par>
+    </p:tnLst>
+  </p:timing>
 </p:sld>
 </file>
 
 <file path=ppt/slides/slide8.xml><?xml version="1.0" encoding="utf-8"?>
-<p:sld xmlns:a="http://schemas.openxmlformats.org/drawingml/2006/main" xmlns:r="http://schemas.openxmlformats.org/officeDocument/2006/relationships" xmlns:p="http://schemas.openxmlformats.org/presentationml/2006/main">
-  <p:cSld>
-    <p:spTree>
-      <p:nvGrpSpPr>
-        <p:cNvPr id="1" name=""/>
-        <p:cNvGrpSpPr/>
-        <p:nvPr/>
-      </p:nvGrpSpPr>
-      <p:grpSpPr>
-        <a:xfrm>
-          <a:off x="0" y="0"/>
-          <a:ext cx="0" cy="0"/>
-          <a:chOff x="0" y="0"/>
-          <a:chExt cx="0" cy="0"/>
-        </a:xfrm>
-      </p:grpSpPr>
-      <p:sp>
-        <p:nvSpPr>
-          <p:cNvPr id="2" name="제목 1"/>
-          <p:cNvSpPr>
-            <a:spLocks noGrp="1"/>
-          </p:cNvSpPr>
-          <p:nvPr>
-            <p:ph type="title"/>
-          </p:nvPr>
-        </p:nvSpPr>
-        <p:spPr>
-          <a:xfrm>
-            <a:off x="173966" y="158091"/>
-            <a:ext cx="10515600" cy="756309"/>
-          </a:xfrm>
-        </p:spPr>
-        <p:txBody>
-          <a:bodyPr/>
-          <a:lstStyle/>
-          <a:p>
-            <a:r>
-              <a:rPr lang="ko-KR" altLang="en-US" b="1" dirty="0" smtClean="0">
-                <a:latin typeface="+mn-ea"/>
-                <a:ea typeface="+mn-ea"/>
-              </a:rPr>
-              <a:t>버전 </a:t>
-            </a:r>
-            <a:r>
-              <a:rPr lang="ko-KR" altLang="en-US" sz="4000" b="1" dirty="0" smtClean="0">
-                <a:latin typeface="+mn-ea"/>
-                <a:ea typeface="+mn-ea"/>
-              </a:rPr>
-              <a:t>되돌리기</a:t>
-            </a:r>
-            <a:r>
-              <a:rPr lang="ko-KR" altLang="en-US" b="1" dirty="0" smtClean="0">
-                <a:latin typeface="+mn-ea"/>
-                <a:ea typeface="+mn-ea"/>
-              </a:rPr>
-              <a:t> </a:t>
-            </a:r>
-            <a:r>
-              <a:rPr lang="en-US" altLang="ko-KR" b="1" dirty="0" smtClean="0">
-                <a:latin typeface="+mn-ea"/>
-                <a:ea typeface="+mn-ea"/>
-              </a:rPr>
-              <a:t>: </a:t>
-            </a:r>
-            <a:r>
-              <a:rPr lang="en-US" altLang="ko-KR" b="1" dirty="0" err="1" smtClean="0">
-                <a:latin typeface="+mn-ea"/>
-                <a:ea typeface="+mn-ea"/>
-              </a:rPr>
-              <a:t>git</a:t>
-            </a:r>
-            <a:r>
-              <a:rPr lang="en-US" altLang="ko-KR" b="1" dirty="0" smtClean="0">
-                <a:latin typeface="+mn-ea"/>
-                <a:ea typeface="+mn-ea"/>
-              </a:rPr>
-              <a:t> revert &lt;checksum&gt;</a:t>
-            </a:r>
-            <a:endParaRPr lang="ko-KR" altLang="en-US" b="1" dirty="0">
-              <a:latin typeface="+mn-ea"/>
-              <a:ea typeface="+mn-ea"/>
-            </a:endParaRPr>
-          </a:p>
-        </p:txBody>
-      </p:sp>
-      <p:sp>
-        <p:nvSpPr>
-          <p:cNvPr id="3" name="내용 개체 틀 2"/>
-          <p:cNvSpPr>
-            <a:spLocks noGrp="1"/>
-          </p:cNvSpPr>
-          <p:nvPr>
-            <p:ph idx="1"/>
-          </p:nvPr>
-        </p:nvSpPr>
-        <p:spPr>
-          <a:xfrm>
-            <a:off x="293298" y="1043796"/>
-            <a:ext cx="4945452" cy="5133167"/>
-          </a:xfrm>
-        </p:spPr>
-        <p:txBody>
-          <a:bodyPr>
-            <a:normAutofit fontScale="92500" lnSpcReduction="20000"/>
-          </a:bodyPr>
-          <a:lstStyle/>
-          <a:p>
-            <a:pPr>
-              <a:lnSpc>
-                <a:spcPct val="110000"/>
-              </a:lnSpc>
-            </a:pPr>
-            <a:r>
-              <a:rPr lang="ko-KR" altLang="en-US" dirty="0" smtClean="0"/>
-              <a:t>공개된 </a:t>
-            </a:r>
-            <a:r>
-              <a:rPr lang="ko-KR" altLang="en-US" dirty="0" err="1" smtClean="0"/>
-              <a:t>커밋의</a:t>
-            </a:r>
-            <a:r>
-              <a:rPr lang="ko-KR" altLang="en-US" dirty="0" smtClean="0"/>
-              <a:t> 변경 내역을 되돌리기</a:t>
-            </a:r>
-            <a:endParaRPr lang="en-US" altLang="ko-KR" dirty="0" smtClean="0"/>
-          </a:p>
-          <a:p>
-            <a:pPr>
-              <a:lnSpc>
-                <a:spcPct val="110000"/>
-              </a:lnSpc>
-            </a:pPr>
-            <a:r>
-              <a:rPr lang="ko-KR" altLang="en-US" dirty="0" smtClean="0"/>
-              <a:t>실제</a:t>
-            </a:r>
-            <a:r>
-              <a:rPr lang="en-US" altLang="ko-KR" dirty="0" smtClean="0"/>
-              <a:t> </a:t>
-            </a:r>
-            <a:r>
-              <a:rPr lang="ko-KR" altLang="en-US" dirty="0" smtClean="0"/>
-              <a:t>되돌리는 것이 아니고 되돌리는 것과 같은 효과를 내는 것</a:t>
-            </a:r>
-            <a:endParaRPr lang="en-US" altLang="ko-KR" dirty="0" smtClean="0"/>
-          </a:p>
-          <a:p>
-            <a:pPr>
-              <a:lnSpc>
-                <a:spcPct val="110000"/>
-              </a:lnSpc>
-            </a:pPr>
-            <a:r>
-              <a:rPr lang="ko-KR" altLang="en-US" dirty="0" smtClean="0"/>
-              <a:t>대상 </a:t>
-            </a:r>
-            <a:r>
-              <a:rPr lang="ko-KR" altLang="en-US" dirty="0" err="1" smtClean="0"/>
-              <a:t>커밋의</a:t>
-            </a:r>
-            <a:r>
-              <a:rPr lang="ko-KR" altLang="en-US" dirty="0" smtClean="0"/>
-              <a:t> 변경 내역을 거꾸로 적용하는 새 </a:t>
-            </a:r>
-            <a:r>
-              <a:rPr lang="ko-KR" altLang="en-US" dirty="0" err="1" smtClean="0"/>
-              <a:t>커밋을</a:t>
-            </a:r>
-            <a:r>
-              <a:rPr lang="ko-KR" altLang="en-US" dirty="0" smtClean="0"/>
-              <a:t> 만드는 것</a:t>
-            </a:r>
-            <a:endParaRPr lang="en-US" altLang="ko-KR" dirty="0" smtClean="0"/>
-          </a:p>
-          <a:p>
-            <a:pPr>
-              <a:lnSpc>
-                <a:spcPct val="110000"/>
-              </a:lnSpc>
-            </a:pPr>
-            <a:r>
-              <a:rPr lang="en-US" altLang="ko-KR" dirty="0" err="1" smtClean="0"/>
-              <a:t>git</a:t>
-            </a:r>
-            <a:r>
-              <a:rPr lang="en-US" altLang="ko-KR" dirty="0" smtClean="0"/>
-              <a:t> reset </a:t>
-            </a:r>
-            <a:r>
-              <a:rPr lang="ko-KR" altLang="en-US" dirty="0" smtClean="0"/>
-              <a:t>보다 안전한 방법</a:t>
-            </a:r>
-            <a:r>
-              <a:rPr lang="en-US" altLang="ko-KR" dirty="0" smtClean="0"/>
-              <a:t>(</a:t>
-            </a:r>
-            <a:r>
-              <a:rPr lang="ko-KR" altLang="en-US" dirty="0" smtClean="0"/>
-              <a:t>협업 시 사용</a:t>
-            </a:r>
-            <a:r>
-              <a:rPr lang="en-US" altLang="ko-KR" dirty="0" smtClean="0"/>
-              <a:t>)</a:t>
-            </a:r>
-          </a:p>
-          <a:p>
-            <a:pPr>
-              <a:lnSpc>
-                <a:spcPct val="110000"/>
-              </a:lnSpc>
-            </a:pPr>
-            <a:r>
-              <a:rPr lang="ko-KR" altLang="en-US" dirty="0" err="1" smtClean="0"/>
-              <a:t>커밋의</a:t>
-            </a:r>
-            <a:r>
-              <a:rPr lang="ko-KR" altLang="en-US" dirty="0" smtClean="0"/>
-              <a:t> 역순으로 변경 내역을 되돌려야 충돌을 피할 수 있음</a:t>
-            </a:r>
-            <a:endParaRPr lang="ko-KR" altLang="en-US" dirty="0"/>
-          </a:p>
-        </p:txBody>
-      </p:sp>
-      <p:pic>
-        <p:nvPicPr>
-          <p:cNvPr id="4" name="그림 3"/>
-          <p:cNvPicPr>
-            <a:picLocks noChangeAspect="1"/>
-          </p:cNvPicPr>
-          <p:nvPr/>
-        </p:nvPicPr>
-        <p:blipFill>
-          <a:blip r:embed="rId2"/>
-          <a:stretch>
-            <a:fillRect/>
-          </a:stretch>
-        </p:blipFill>
-        <p:spPr>
-          <a:xfrm>
-            <a:off x="5238750" y="891673"/>
-            <a:ext cx="6748193" cy="6307092"/>
-          </a:xfrm>
-          <a:prstGeom prst="rect">
-            <a:avLst/>
-          </a:prstGeom>
-        </p:spPr>
-      </p:pic>
-      <p:sp>
-        <p:nvSpPr>
-          <p:cNvPr id="5" name="직사각형 4"/>
-          <p:cNvSpPr/>
-          <p:nvPr/>
-        </p:nvSpPr>
-        <p:spPr>
-          <a:xfrm>
-            <a:off x="5218681" y="1043796"/>
-            <a:ext cx="5470885" cy="232277"/>
-          </a:xfrm>
-          <a:prstGeom prst="rect">
-            <a:avLst/>
-          </a:prstGeom>
-          <a:noFill/>
-          <a:ln w="38100">
-            <a:solidFill>
-              <a:srgbClr val="FF0000"/>
-            </a:solidFill>
-          </a:ln>
-        </p:spPr>
-        <p:style>
-          <a:lnRef idx="2">
-            <a:schemeClr val="accent1">
-              <a:shade val="50000"/>
-            </a:schemeClr>
-          </a:lnRef>
-          <a:fillRef idx="1">
-            <a:schemeClr val="accent1"/>
-          </a:fillRef>
-          <a:effectRef idx="0">
-            <a:schemeClr val="accent1"/>
-          </a:effectRef>
-          <a:fontRef idx="minor">
-            <a:schemeClr val="lt1"/>
-          </a:fontRef>
-        </p:style>
-        <p:txBody>
-          <a:bodyPr rtlCol="0" anchor="ctr"/>
-          <a:lstStyle/>
-          <a:p>
-            <a:pPr algn="ctr"/>
-            <a:endParaRPr lang="ko-KR" altLang="en-US"/>
-          </a:p>
-        </p:txBody>
-      </p:sp>
-      <p:sp>
-        <p:nvSpPr>
-          <p:cNvPr id="6" name="직사각형 5"/>
-          <p:cNvSpPr/>
-          <p:nvPr/>
-        </p:nvSpPr>
-        <p:spPr>
-          <a:xfrm>
-            <a:off x="5218681" y="1893516"/>
-            <a:ext cx="1182120" cy="232277"/>
-          </a:xfrm>
-          <a:prstGeom prst="rect">
-            <a:avLst/>
-          </a:prstGeom>
-          <a:noFill/>
-          <a:ln w="38100">
-            <a:solidFill>
-              <a:srgbClr val="FF0000"/>
-            </a:solidFill>
-          </a:ln>
-        </p:spPr>
-        <p:style>
-          <a:lnRef idx="2">
-            <a:schemeClr val="accent1">
-              <a:shade val="50000"/>
-            </a:schemeClr>
-          </a:lnRef>
-          <a:fillRef idx="1">
-            <a:schemeClr val="accent1"/>
-          </a:fillRef>
-          <a:effectRef idx="0">
-            <a:schemeClr val="accent1"/>
-          </a:effectRef>
-          <a:fontRef idx="minor">
-            <a:schemeClr val="lt1"/>
-          </a:fontRef>
-        </p:style>
-        <p:txBody>
-          <a:bodyPr rtlCol="0" anchor="ctr"/>
-          <a:lstStyle/>
-          <a:p>
-            <a:pPr algn="ctr"/>
-            <a:endParaRPr lang="ko-KR" altLang="en-US"/>
-          </a:p>
-        </p:txBody>
-      </p:sp>
-    </p:spTree>
-    <p:extLst>
-      <p:ext uri="{BB962C8B-B14F-4D97-AF65-F5344CB8AC3E}">
-        <p14:creationId xmlns:p14="http://schemas.microsoft.com/office/powerpoint/2010/main" val="982699170"/>
-      </p:ext>
-    </p:extLst>
-  </p:cSld>
-  <p:clrMapOvr>
-    <a:masterClrMapping/>
-  </p:clrMapOvr>
-</p:sld>
-</file>
-
-<file path=ppt/slides/slide9.xml><?xml version="1.0" encoding="utf-8"?>
 <p:sld xmlns:a="http://schemas.openxmlformats.org/drawingml/2006/main" xmlns:r="http://schemas.openxmlformats.org/officeDocument/2006/relationships" xmlns:p="http://schemas.openxmlformats.org/presentationml/2006/main">
   <p:cSld>
     <p:spTree>
@@ -18285,14 +18699,14 @@
           <p:nvPr>
             <p:extLst>
               <p:ext uri="{D42A27DB-BD31-4B8C-83A1-F6EECF244321}">
-                <p14:modId xmlns:p14="http://schemas.microsoft.com/office/powerpoint/2010/main" val="2384372786"/>
+                <p14:modId xmlns:p14="http://schemas.microsoft.com/office/powerpoint/2010/main" val="1948987687"/>
               </p:ext>
             </p:extLst>
           </p:nvPr>
         </p:nvGraphicFramePr>
         <p:xfrm>
           <a:off x="811580" y="1486942"/>
-          <a:ext cx="7894270" cy="1859280"/>
+          <a:ext cx="10380295" cy="1491312"/>
         </p:xfrm>
         <a:graphic>
           <a:graphicData uri="http://schemas.openxmlformats.org/drawingml/2006/table">
@@ -18301,38 +18715,17 @@
                 <a:tableStyleId>{2D5ABB26-0587-4C30-8999-92F81FD0307C}</a:tableStyleId>
               </a:tblPr>
               <a:tblGrid>
-                <a:gridCol w="912445">
+                <a:gridCol w="1512520">
                   <a:extLst>
                     <a:ext uri="{9D8B030D-6E8A-4147-A177-3AD203B41FA5}">
                       <a16:colId xmlns:a16="http://schemas.microsoft.com/office/drawing/2014/main" val="703551959"/>
                     </a:ext>
                   </a:extLst>
                 </a:gridCol>
-                <a:gridCol w="2628706">
+                <a:gridCol w="8867775">
                   <a:extLst>
                     <a:ext uri="{9D8B030D-6E8A-4147-A177-3AD203B41FA5}">
                       <a16:colId xmlns:a16="http://schemas.microsoft.com/office/drawing/2014/main" val="1565312757"/>
-                    </a:ext>
-                  </a:extLst>
-                </a:gridCol>
-                <a:gridCol w="1295594">
-                  <a:extLst>
-                    <a:ext uri="{9D8B030D-6E8A-4147-A177-3AD203B41FA5}">
-                      <a16:colId xmlns:a16="http://schemas.microsoft.com/office/drawing/2014/main" val="846152689"/>
-                    </a:ext>
-                  </a:extLst>
-                </a:gridCol>
-                <a:gridCol w="1152525">
-                  <a:extLst>
-                    <a:ext uri="{9D8B030D-6E8A-4147-A177-3AD203B41FA5}">
-                      <a16:colId xmlns:a16="http://schemas.microsoft.com/office/drawing/2014/main" val="20000"/>
-                    </a:ext>
-                  </a:extLst>
-                </a:gridCol>
-                <a:gridCol w="1905000">
-                  <a:extLst>
-                    <a:ext uri="{9D8B030D-6E8A-4147-A177-3AD203B41FA5}">
-                      <a16:colId xmlns:a16="http://schemas.microsoft.com/office/drawing/2014/main" val="20002"/>
                     </a:ext>
                   </a:extLst>
                 </a:gridCol>
@@ -18413,202 +18806,6 @@
                           <a:ea typeface="+mj-ea"/>
                         </a:rPr>
                         <a:t>의미</a:t>
-                      </a:r>
-                      <a:endParaRPr lang="ko-KR" altLang="en-US" sz="1800" b="1" dirty="0">
-                        <a:latin typeface="+mj-ea"/>
-                        <a:ea typeface="+mj-ea"/>
-                      </a:endParaRPr>
-                    </a:p>
-                  </a:txBody>
-                  <a:tcPr anchor="ctr">
-                    <a:lnL w="12700" cap="flat" cmpd="sng" algn="ctr">
-                      <a:solidFill>
-                        <a:schemeClr val="tx1"/>
-                      </a:solidFill>
-                      <a:prstDash val="sysDot"/>
-                      <a:round/>
-                      <a:headEnd type="none" w="med" len="med"/>
-                      <a:tailEnd type="none" w="med" len="med"/>
-                    </a:lnL>
-                    <a:lnR w="12700" cap="flat" cmpd="sng" algn="ctr">
-                      <a:solidFill>
-                        <a:schemeClr val="tx1"/>
-                      </a:solidFill>
-                      <a:prstDash val="sysDot"/>
-                      <a:round/>
-                      <a:headEnd type="none" w="med" len="med"/>
-                      <a:tailEnd type="none" w="med" len="med"/>
-                    </a:lnR>
-                    <a:lnT w="12700" cap="flat" cmpd="sng" algn="ctr">
-                      <a:solidFill>
-                        <a:schemeClr val="tx1"/>
-                      </a:solidFill>
-                      <a:prstDash val="sysDot"/>
-                      <a:round/>
-                      <a:headEnd type="none" w="med" len="med"/>
-                      <a:tailEnd type="none" w="med" len="med"/>
-                    </a:lnT>
-                    <a:lnB w="12700" cap="flat" cmpd="sng" algn="ctr">
-                      <a:solidFill>
-                        <a:schemeClr val="tx1"/>
-                      </a:solidFill>
-                      <a:prstDash val="sysDot"/>
-                      <a:round/>
-                      <a:headEnd type="none" w="med" len="med"/>
-                      <a:tailEnd type="none" w="med" len="med"/>
-                    </a:lnB>
-                    <a:solidFill>
-                      <a:schemeClr val="bg1">
-                        <a:lumMod val="85000"/>
-                      </a:schemeClr>
-                    </a:solidFill>
-                  </a:tcPr>
-                </a:tc>
-                <a:tc>
-                  <a:txBody>
-                    <a:bodyPr/>
-                    <a:lstStyle/>
-                    <a:p>
-                      <a:pPr algn="ctr" latinLnBrk="1"/>
-                      <a:r>
-                        <a:rPr lang="en-US" altLang="ko-KR" sz="1800" b="1" dirty="0" smtClean="0">
-                          <a:latin typeface="+mj-ea"/>
-                          <a:ea typeface="+mj-ea"/>
-                        </a:rPr>
-                        <a:t>HEAD</a:t>
-                      </a:r>
-                      <a:r>
-                        <a:rPr lang="ko-KR" altLang="en-US" sz="1800" b="1" dirty="0" smtClean="0">
-                          <a:latin typeface="+mj-ea"/>
-                          <a:ea typeface="+mj-ea"/>
-                        </a:rPr>
-                        <a:t>위치</a:t>
-                      </a:r>
-                      <a:endParaRPr lang="ko-KR" altLang="en-US" sz="1800" b="1" dirty="0">
-                        <a:latin typeface="+mj-ea"/>
-                        <a:ea typeface="+mj-ea"/>
-                      </a:endParaRPr>
-                    </a:p>
-                  </a:txBody>
-                  <a:tcPr anchor="ctr">
-                    <a:lnL w="12700" cap="flat" cmpd="sng" algn="ctr">
-                      <a:solidFill>
-                        <a:schemeClr val="tx1"/>
-                      </a:solidFill>
-                      <a:prstDash val="sysDot"/>
-                      <a:round/>
-                      <a:headEnd type="none" w="med" len="med"/>
-                      <a:tailEnd type="none" w="med" len="med"/>
-                    </a:lnL>
-                    <a:lnR w="12700" cap="flat" cmpd="sng" algn="ctr">
-                      <a:solidFill>
-                        <a:schemeClr val="tx1"/>
-                      </a:solidFill>
-                      <a:prstDash val="sysDot"/>
-                      <a:round/>
-                      <a:headEnd type="none" w="med" len="med"/>
-                      <a:tailEnd type="none" w="med" len="med"/>
-                    </a:lnR>
-                    <a:lnT w="12700" cap="flat" cmpd="sng" algn="ctr">
-                      <a:solidFill>
-                        <a:schemeClr val="tx1"/>
-                      </a:solidFill>
-                      <a:prstDash val="sysDot"/>
-                      <a:round/>
-                      <a:headEnd type="none" w="med" len="med"/>
-                      <a:tailEnd type="none" w="med" len="med"/>
-                    </a:lnT>
-                    <a:lnB w="12700" cap="flat" cmpd="sng" algn="ctr">
-                      <a:solidFill>
-                        <a:schemeClr val="tx1"/>
-                      </a:solidFill>
-                      <a:prstDash val="sysDot"/>
-                      <a:round/>
-                      <a:headEnd type="none" w="med" len="med"/>
-                      <a:tailEnd type="none" w="med" len="med"/>
-                    </a:lnB>
-                    <a:solidFill>
-                      <a:schemeClr val="bg1">
-                        <a:lumMod val="85000"/>
-                      </a:schemeClr>
-                    </a:solidFill>
-                  </a:tcPr>
-                </a:tc>
-                <a:tc>
-                  <a:txBody>
-                    <a:bodyPr/>
-                    <a:lstStyle/>
-                    <a:p>
-                      <a:pPr algn="ctr" latinLnBrk="1"/>
-                      <a:r>
-                        <a:rPr lang="ko-KR" altLang="en-US" sz="1800" b="1" dirty="0" smtClean="0">
-                          <a:latin typeface="+mj-ea"/>
-                          <a:ea typeface="+mj-ea"/>
-                        </a:rPr>
-                        <a:t>인덱스</a:t>
-                      </a:r>
-                      <a:endParaRPr lang="ko-KR" altLang="en-US" sz="1800" b="1" dirty="0">
-                        <a:latin typeface="+mj-ea"/>
-                        <a:ea typeface="+mj-ea"/>
-                      </a:endParaRPr>
-                    </a:p>
-                  </a:txBody>
-                  <a:tcPr anchor="ctr">
-                    <a:lnL w="12700" cap="flat" cmpd="sng" algn="ctr">
-                      <a:solidFill>
-                        <a:schemeClr val="tx1"/>
-                      </a:solidFill>
-                      <a:prstDash val="sysDot"/>
-                      <a:round/>
-                      <a:headEnd type="none" w="med" len="med"/>
-                      <a:tailEnd type="none" w="med" len="med"/>
-                    </a:lnL>
-                    <a:lnR w="12700" cap="flat" cmpd="sng" algn="ctr">
-                      <a:solidFill>
-                        <a:schemeClr val="tx1"/>
-                      </a:solidFill>
-                      <a:prstDash val="sysDot"/>
-                      <a:round/>
-                      <a:headEnd type="none" w="med" len="med"/>
-                      <a:tailEnd type="none" w="med" len="med"/>
-                    </a:lnR>
-                    <a:lnT w="12700" cap="flat" cmpd="sng" algn="ctr">
-                      <a:solidFill>
-                        <a:schemeClr val="tx1"/>
-                      </a:solidFill>
-                      <a:prstDash val="sysDot"/>
-                      <a:round/>
-                      <a:headEnd type="none" w="med" len="med"/>
-                      <a:tailEnd type="none" w="med" len="med"/>
-                    </a:lnT>
-                    <a:lnB w="12700" cap="flat" cmpd="sng" algn="ctr">
-                      <a:solidFill>
-                        <a:schemeClr val="tx1"/>
-                      </a:solidFill>
-                      <a:prstDash val="sysDot"/>
-                      <a:round/>
-                      <a:headEnd type="none" w="med" len="med"/>
-                      <a:tailEnd type="none" w="med" len="med"/>
-                    </a:lnB>
-                    <a:solidFill>
-                      <a:schemeClr val="bg1">
-                        <a:lumMod val="85000"/>
-                      </a:schemeClr>
-                    </a:solidFill>
-                  </a:tcPr>
-                </a:tc>
-                <a:tc>
-                  <a:txBody>
-                    <a:bodyPr/>
-                    <a:lstStyle/>
-                    <a:p>
-                      <a:pPr algn="ctr" latinLnBrk="1"/>
-                      <a:r>
-                        <a:rPr lang="ko-KR" altLang="en-US" sz="1800" b="1" dirty="0" smtClean="0">
-                          <a:latin typeface="+mj-ea"/>
-                          <a:ea typeface="+mj-ea"/>
-                        </a:rPr>
-                        <a:t>저장소 디렉토리</a:t>
                       </a:r>
                       <a:endParaRPr lang="ko-KR" altLang="en-US" sz="1800" b="1" dirty="0">
                         <a:latin typeface="+mj-ea"/>
@@ -18764,7 +18961,7 @@
                           <a:latin typeface="+mn-ea"/>
                           <a:ea typeface="+mn-ea"/>
                         </a:rPr>
-                        <a:t>완전히 되돌림</a:t>
+                        <a:t>복구된 이력 이후의 내용을 모두 삭제 후 초기화</a:t>
                       </a:r>
                       <a:r>
                         <a:rPr lang="en-US" altLang="ko-KR" sz="1600" b="0" dirty="0" smtClean="0">
@@ -18778,7 +18975,7 @@
                           <a:latin typeface="+mn-ea"/>
                           <a:ea typeface="+mn-ea"/>
                         </a:rPr>
-                        <a:t>가장 강력한 삭제 기능</a:t>
+                        <a:t>주의</a:t>
                       </a:r>
                       <a:r>
                         <a:rPr lang="en-US" altLang="ko-KR" sz="1600" b="0" dirty="0" smtClean="0">
@@ -18787,236 +18984,6 @@
                         </a:rPr>
                         <a:t>)</a:t>
                       </a:r>
-                    </a:p>
-                  </a:txBody>
-                  <a:tcPr anchor="ctr">
-                    <a:lnL w="12700" cap="flat" cmpd="sng" algn="ctr">
-                      <a:solidFill>
-                        <a:schemeClr val="tx1"/>
-                      </a:solidFill>
-                      <a:prstDash val="sysDot"/>
-                      <a:round/>
-                      <a:headEnd type="none" w="med" len="med"/>
-                      <a:tailEnd type="none" w="med" len="med"/>
-                    </a:lnL>
-                    <a:lnR w="12700" cap="flat" cmpd="sng" algn="ctr">
-                      <a:solidFill>
-                        <a:schemeClr val="tx1"/>
-                      </a:solidFill>
-                      <a:prstDash val="sysDot"/>
-                      <a:round/>
-                      <a:headEnd type="none" w="med" len="med"/>
-                      <a:tailEnd type="none" w="med" len="med"/>
-                    </a:lnR>
-                    <a:lnT w="12700" cap="flat" cmpd="sng" algn="ctr">
-                      <a:solidFill>
-                        <a:schemeClr val="tx1"/>
-                      </a:solidFill>
-                      <a:prstDash val="sysDot"/>
-                      <a:round/>
-                      <a:headEnd type="none" w="med" len="med"/>
-                      <a:tailEnd type="none" w="med" len="med"/>
-                    </a:lnT>
-                    <a:lnB w="12700" cap="flat" cmpd="sng" algn="ctr">
-                      <a:solidFill>
-                        <a:schemeClr val="tx1"/>
-                      </a:solidFill>
-                      <a:prstDash val="sysDot"/>
-                      <a:round/>
-                      <a:headEnd type="none" w="med" len="med"/>
-                      <a:tailEnd type="none" w="med" len="med"/>
-                    </a:lnB>
-                  </a:tcPr>
-                </a:tc>
-                <a:tc>
-                  <a:txBody>
-                    <a:bodyPr/>
-                    <a:lstStyle/>
-                    <a:p>
-                      <a:pPr marL="0" marR="0" lvl="0" indent="0" algn="l" defTabSz="914400" rtl="0" eaLnBrk="1" fontAlgn="auto" latinLnBrk="1" hangingPunct="1">
-                        <a:lnSpc>
-                          <a:spcPct val="100000"/>
-                        </a:lnSpc>
-                        <a:spcBef>
-                          <a:spcPts val="0"/>
-                        </a:spcBef>
-                        <a:spcAft>
-                          <a:spcPts val="0"/>
-                        </a:spcAft>
-                        <a:buClrTx/>
-                        <a:buSzTx/>
-                        <a:buFontTx/>
-                        <a:buNone/>
-                        <a:tabLst/>
-                        <a:defRPr/>
-                      </a:pPr>
-                      <a:r>
-                        <a:rPr lang="ko-KR" altLang="en-US" sz="1600" b="0" dirty="0" smtClean="0">
-                          <a:latin typeface="+mn-ea"/>
-                          <a:ea typeface="+mn-ea"/>
-                        </a:rPr>
-                        <a:t>변경</a:t>
-                      </a:r>
-                      <a:endParaRPr lang="en-US" altLang="ko-KR" sz="1600" b="0" dirty="0" smtClean="0">
-                        <a:latin typeface="+mn-ea"/>
-                        <a:ea typeface="+mn-ea"/>
-                      </a:endParaRPr>
-                    </a:p>
-                  </a:txBody>
-                  <a:tcPr anchor="ctr">
-                    <a:lnL w="12700" cap="flat" cmpd="sng" algn="ctr">
-                      <a:solidFill>
-                        <a:schemeClr val="tx1"/>
-                      </a:solidFill>
-                      <a:prstDash val="sysDot"/>
-                      <a:round/>
-                      <a:headEnd type="none" w="med" len="med"/>
-                      <a:tailEnd type="none" w="med" len="med"/>
-                    </a:lnL>
-                    <a:lnR w="12700" cap="flat" cmpd="sng" algn="ctr">
-                      <a:solidFill>
-                        <a:schemeClr val="tx1"/>
-                      </a:solidFill>
-                      <a:prstDash val="sysDot"/>
-                      <a:round/>
-                      <a:headEnd type="none" w="med" len="med"/>
-                      <a:tailEnd type="none" w="med" len="med"/>
-                    </a:lnR>
-                    <a:lnT w="12700" cap="flat" cmpd="sng" algn="ctr">
-                      <a:solidFill>
-                        <a:schemeClr val="tx1"/>
-                      </a:solidFill>
-                      <a:prstDash val="sysDot"/>
-                      <a:round/>
-                      <a:headEnd type="none" w="med" len="med"/>
-                      <a:tailEnd type="none" w="med" len="med"/>
-                    </a:lnT>
-                    <a:lnB w="12700" cap="flat" cmpd="sng" algn="ctr">
-                      <a:solidFill>
-                        <a:schemeClr val="tx1"/>
-                      </a:solidFill>
-                      <a:prstDash val="sysDot"/>
-                      <a:round/>
-                      <a:headEnd type="none" w="med" len="med"/>
-                      <a:tailEnd type="none" w="med" len="med"/>
-                    </a:lnB>
-                  </a:tcPr>
-                </a:tc>
-                <a:tc>
-                  <a:txBody>
-                    <a:bodyPr/>
-                    <a:lstStyle/>
-                    <a:p>
-                      <a:pPr marL="0" marR="0" lvl="0" indent="0" algn="l" defTabSz="914400" rtl="0" eaLnBrk="1" fontAlgn="auto" latinLnBrk="1" hangingPunct="1">
-                        <a:lnSpc>
-                          <a:spcPct val="100000"/>
-                        </a:lnSpc>
-                        <a:spcBef>
-                          <a:spcPts val="0"/>
-                        </a:spcBef>
-                        <a:spcAft>
-                          <a:spcPts val="0"/>
-                        </a:spcAft>
-                        <a:buClrTx/>
-                        <a:buSzTx/>
-                        <a:buFontTx/>
-                        <a:buNone/>
-                        <a:tabLst/>
-                        <a:defRPr/>
-                      </a:pPr>
-                      <a:r>
-                        <a:rPr lang="ko-KR" altLang="en-US" sz="1600" b="0" kern="1200" dirty="0" smtClean="0">
-                          <a:solidFill>
-                            <a:schemeClr val="tx1"/>
-                          </a:solidFill>
-                          <a:latin typeface="+mn-ea"/>
-                          <a:ea typeface="+mn-ea"/>
-                          <a:cs typeface="+mn-cs"/>
-                        </a:rPr>
-                        <a:t>변경</a:t>
-                      </a:r>
-                      <a:endParaRPr lang="en-US" altLang="ko-KR" sz="1600" b="0" dirty="0" smtClean="0">
-                        <a:latin typeface="+mn-ea"/>
-                        <a:ea typeface="+mn-ea"/>
-                      </a:endParaRPr>
-                    </a:p>
-                  </a:txBody>
-                  <a:tcPr anchor="ctr">
-                    <a:lnL w="12700" cap="flat" cmpd="sng" algn="ctr">
-                      <a:solidFill>
-                        <a:schemeClr val="tx1"/>
-                      </a:solidFill>
-                      <a:prstDash val="sysDot"/>
-                      <a:round/>
-                      <a:headEnd type="none" w="med" len="med"/>
-                      <a:tailEnd type="none" w="med" len="med"/>
-                    </a:lnL>
-                    <a:lnR w="12700" cap="flat" cmpd="sng" algn="ctr">
-                      <a:solidFill>
-                        <a:schemeClr val="tx1"/>
-                      </a:solidFill>
-                      <a:prstDash val="sysDot"/>
-                      <a:round/>
-                      <a:headEnd type="none" w="med" len="med"/>
-                      <a:tailEnd type="none" w="med" len="med"/>
-                    </a:lnR>
-                    <a:lnT w="12700" cap="flat" cmpd="sng" algn="ctr">
-                      <a:solidFill>
-                        <a:schemeClr val="tx1"/>
-                      </a:solidFill>
-                      <a:prstDash val="sysDot"/>
-                      <a:round/>
-                      <a:headEnd type="none" w="med" len="med"/>
-                      <a:tailEnd type="none" w="med" len="med"/>
-                    </a:lnT>
-                    <a:lnB w="12700" cap="flat" cmpd="sng" algn="ctr">
-                      <a:solidFill>
-                        <a:schemeClr val="tx1"/>
-                      </a:solidFill>
-                      <a:prstDash val="sysDot"/>
-                      <a:round/>
-                      <a:headEnd type="none" w="med" len="med"/>
-                      <a:tailEnd type="none" w="med" len="med"/>
-                    </a:lnB>
-                  </a:tcPr>
-                </a:tc>
-                <a:tc>
-                  <a:txBody>
-                    <a:bodyPr/>
-                    <a:lstStyle/>
-                    <a:p>
-                      <a:pPr marL="0" marR="0" lvl="0" indent="0" algn="l" defTabSz="914400" rtl="0" eaLnBrk="1" fontAlgn="auto" latinLnBrk="1" hangingPunct="1">
-                        <a:lnSpc>
-                          <a:spcPct val="100000"/>
-                        </a:lnSpc>
-                        <a:spcBef>
-                          <a:spcPts val="0"/>
-                        </a:spcBef>
-                        <a:spcAft>
-                          <a:spcPts val="0"/>
-                        </a:spcAft>
-                        <a:buClrTx/>
-                        <a:buSzTx/>
-                        <a:buFontTx/>
-                        <a:buNone/>
-                        <a:tabLst/>
-                        <a:defRPr/>
-                      </a:pPr>
-                      <a:r>
-                        <a:rPr lang="ko-KR" altLang="en-US" sz="1600" b="0" kern="1200" dirty="0" smtClean="0">
-                          <a:solidFill>
-                            <a:schemeClr val="tx1"/>
-                          </a:solidFill>
-                          <a:latin typeface="+mn-ea"/>
-                          <a:ea typeface="+mn-ea"/>
-                          <a:cs typeface="+mn-cs"/>
-                        </a:rPr>
-                        <a:t>변경</a:t>
-                      </a:r>
-                      <a:endParaRPr lang="en-US" altLang="ko-KR" sz="1600" b="0" dirty="0" smtClean="0">
-                        <a:latin typeface="+mn-ea"/>
-                        <a:ea typeface="+mn-ea"/>
-                      </a:endParaRPr>
                     </a:p>
                   </a:txBody>
                   <a:tcPr anchor="ctr">
@@ -19162,241 +19129,12 @@
                         <a:defRPr/>
                       </a:pPr>
                       <a:r>
-                        <a:rPr lang="ko-KR" altLang="en-US" sz="1600" b="0" dirty="0" err="1" smtClean="0">
-                          <a:latin typeface="+mn-ea"/>
-                          <a:ea typeface="+mn-ea"/>
-                        </a:rPr>
-                        <a:t>커밋만</a:t>
-                      </a:r>
-                      <a:r>
                         <a:rPr lang="ko-KR" altLang="en-US" sz="1600" b="0" dirty="0" smtClean="0">
                           <a:latin typeface="+mn-ea"/>
                           <a:ea typeface="+mn-ea"/>
                         </a:rPr>
-                        <a:t> 되돌림</a:t>
+                        <a:t>복구된 이력 이후 내용 모두 유지</a:t>
                       </a:r>
-                    </a:p>
-                  </a:txBody>
-                  <a:tcPr anchor="ctr">
-                    <a:lnL w="12700" cap="flat" cmpd="sng" algn="ctr">
-                      <a:solidFill>
-                        <a:schemeClr val="tx1"/>
-                      </a:solidFill>
-                      <a:prstDash val="sysDot"/>
-                      <a:round/>
-                      <a:headEnd type="none" w="med" len="med"/>
-                      <a:tailEnd type="none" w="med" len="med"/>
-                    </a:lnL>
-                    <a:lnR w="12700" cap="flat" cmpd="sng" algn="ctr">
-                      <a:solidFill>
-                        <a:schemeClr val="tx1"/>
-                      </a:solidFill>
-                      <a:prstDash val="sysDot"/>
-                      <a:round/>
-                      <a:headEnd type="none" w="med" len="med"/>
-                      <a:tailEnd type="none" w="med" len="med"/>
-                    </a:lnR>
-                    <a:lnT w="12700" cap="flat" cmpd="sng" algn="ctr">
-                      <a:solidFill>
-                        <a:schemeClr val="tx1"/>
-                      </a:solidFill>
-                      <a:prstDash val="sysDot"/>
-                      <a:round/>
-                      <a:headEnd type="none" w="med" len="med"/>
-                      <a:tailEnd type="none" w="med" len="med"/>
-                    </a:lnT>
-                    <a:lnB w="12700" cap="flat" cmpd="sng" algn="ctr">
-                      <a:solidFill>
-                        <a:schemeClr val="tx1"/>
-                      </a:solidFill>
-                      <a:prstDash val="sysDot"/>
-                      <a:round/>
-                      <a:headEnd type="none" w="med" len="med"/>
-                      <a:tailEnd type="none" w="med" len="med"/>
-                    </a:lnB>
-                  </a:tcPr>
-                </a:tc>
-                <a:tc>
-                  <a:txBody>
-                    <a:bodyPr/>
-                    <a:lstStyle/>
-                    <a:p>
-                      <a:pPr marL="0" marR="0" lvl="0" indent="0" algn="l" defTabSz="914400" rtl="0" eaLnBrk="1" fontAlgn="auto" latinLnBrk="1" hangingPunct="1">
-                        <a:lnSpc>
-                          <a:spcPct val="100000"/>
-                        </a:lnSpc>
-                        <a:spcBef>
-                          <a:spcPts val="0"/>
-                        </a:spcBef>
-                        <a:spcAft>
-                          <a:spcPts val="0"/>
-                        </a:spcAft>
-                        <a:buClrTx/>
-                        <a:buSzTx/>
-                        <a:buFontTx/>
-                        <a:buNone/>
-                        <a:tabLst/>
-                        <a:defRPr/>
-                      </a:pPr>
-                      <a:r>
-                        <a:rPr lang="ko-KR" altLang="en-US" sz="1600" b="0" dirty="0" smtClean="0">
-                          <a:latin typeface="+mn-ea"/>
-                          <a:ea typeface="+mn-ea"/>
-                        </a:rPr>
-                        <a:t>변경</a:t>
-                      </a:r>
-                    </a:p>
-                  </a:txBody>
-                  <a:tcPr anchor="ctr">
-                    <a:lnL w="12700" cap="flat" cmpd="sng" algn="ctr">
-                      <a:solidFill>
-                        <a:schemeClr val="tx1"/>
-                      </a:solidFill>
-                      <a:prstDash val="sysDot"/>
-                      <a:round/>
-                      <a:headEnd type="none" w="med" len="med"/>
-                      <a:tailEnd type="none" w="med" len="med"/>
-                    </a:lnL>
-                    <a:lnR w="12700" cap="flat" cmpd="sng" algn="ctr">
-                      <a:solidFill>
-                        <a:schemeClr val="tx1"/>
-                      </a:solidFill>
-                      <a:prstDash val="sysDot"/>
-                      <a:round/>
-                      <a:headEnd type="none" w="med" len="med"/>
-                      <a:tailEnd type="none" w="med" len="med"/>
-                    </a:lnR>
-                    <a:lnT w="12700" cap="flat" cmpd="sng" algn="ctr">
-                      <a:solidFill>
-                        <a:schemeClr val="tx1"/>
-                      </a:solidFill>
-                      <a:prstDash val="sysDot"/>
-                      <a:round/>
-                      <a:headEnd type="none" w="med" len="med"/>
-                      <a:tailEnd type="none" w="med" len="med"/>
-                    </a:lnT>
-                    <a:lnB w="12700" cap="flat" cmpd="sng" algn="ctr">
-                      <a:solidFill>
-                        <a:schemeClr val="tx1"/>
-                      </a:solidFill>
-                      <a:prstDash val="sysDot"/>
-                      <a:round/>
-                      <a:headEnd type="none" w="med" len="med"/>
-                      <a:tailEnd type="none" w="med" len="med"/>
-                    </a:lnB>
-                  </a:tcPr>
-                </a:tc>
-                <a:tc>
-                  <a:txBody>
-                    <a:bodyPr/>
-                    <a:lstStyle/>
-                    <a:p>
-                      <a:pPr marL="0" marR="0" lvl="0" indent="0" algn="l" defTabSz="914400" rtl="0" eaLnBrk="1" fontAlgn="auto" latinLnBrk="1" hangingPunct="1">
-                        <a:lnSpc>
-                          <a:spcPct val="100000"/>
-                        </a:lnSpc>
-                        <a:spcBef>
-                          <a:spcPts val="0"/>
-                        </a:spcBef>
-                        <a:spcAft>
-                          <a:spcPts val="0"/>
-                        </a:spcAft>
-                        <a:buClrTx/>
-                        <a:buSzTx/>
-                        <a:buFontTx/>
-                        <a:buNone/>
-                        <a:tabLst/>
-                        <a:defRPr/>
-                      </a:pPr>
-                      <a:r>
-                        <a:rPr lang="ko-KR" altLang="en-US" sz="1600" b="0" kern="1200" dirty="0" smtClean="0">
-                          <a:solidFill>
-                            <a:schemeClr val="tx1"/>
-                          </a:solidFill>
-                          <a:latin typeface="+mn-ea"/>
-                          <a:ea typeface="+mn-ea"/>
-                          <a:cs typeface="+mn-cs"/>
-                        </a:rPr>
-                        <a:t>변경</a:t>
-                      </a:r>
-                      <a:endParaRPr lang="ko-KR" altLang="en-US" sz="1600" b="0" dirty="0" smtClean="0">
-                        <a:latin typeface="+mn-ea"/>
-                        <a:ea typeface="+mn-ea"/>
-                      </a:endParaRPr>
-                    </a:p>
-                  </a:txBody>
-                  <a:tcPr anchor="ctr">
-                    <a:lnL w="12700" cap="flat" cmpd="sng" algn="ctr">
-                      <a:solidFill>
-                        <a:schemeClr val="tx1"/>
-                      </a:solidFill>
-                      <a:prstDash val="sysDot"/>
-                      <a:round/>
-                      <a:headEnd type="none" w="med" len="med"/>
-                      <a:tailEnd type="none" w="med" len="med"/>
-                    </a:lnL>
-                    <a:lnR w="12700" cap="flat" cmpd="sng" algn="ctr">
-                      <a:solidFill>
-                        <a:schemeClr val="tx1"/>
-                      </a:solidFill>
-                      <a:prstDash val="sysDot"/>
-                      <a:round/>
-                      <a:headEnd type="none" w="med" len="med"/>
-                      <a:tailEnd type="none" w="med" len="med"/>
-                    </a:lnR>
-                    <a:lnT w="12700" cap="flat" cmpd="sng" algn="ctr">
-                      <a:solidFill>
-                        <a:schemeClr val="tx1"/>
-                      </a:solidFill>
-                      <a:prstDash val="sysDot"/>
-                      <a:round/>
-                      <a:headEnd type="none" w="med" len="med"/>
-                      <a:tailEnd type="none" w="med" len="med"/>
-                    </a:lnT>
-                    <a:lnB w="12700" cap="flat" cmpd="sng" algn="ctr">
-                      <a:solidFill>
-                        <a:schemeClr val="tx1"/>
-                      </a:solidFill>
-                      <a:prstDash val="sysDot"/>
-                      <a:round/>
-                      <a:headEnd type="none" w="med" len="med"/>
-                      <a:tailEnd type="none" w="med" len="med"/>
-                    </a:lnB>
-                  </a:tcPr>
-                </a:tc>
-                <a:tc>
-                  <a:txBody>
-                    <a:bodyPr/>
-                    <a:lstStyle/>
-                    <a:p>
-                      <a:pPr marL="0" marR="0" lvl="0" indent="0" algn="l" defTabSz="914400" rtl="0" eaLnBrk="1" fontAlgn="auto" latinLnBrk="1" hangingPunct="1">
-                        <a:lnSpc>
-                          <a:spcPct val="100000"/>
-                        </a:lnSpc>
-                        <a:spcBef>
-                          <a:spcPts val="0"/>
-                        </a:spcBef>
-                        <a:spcAft>
-                          <a:spcPts val="0"/>
-                        </a:spcAft>
-                        <a:buClrTx/>
-                        <a:buSzTx/>
-                        <a:buFontTx/>
-                        <a:buNone/>
-                        <a:tabLst/>
-                        <a:defRPr/>
-                      </a:pPr>
-                      <a:r>
-                        <a:rPr lang="ko-KR" altLang="en-US" sz="1600" b="0" dirty="0" smtClean="0">
-                          <a:latin typeface="+mn-ea"/>
-                          <a:ea typeface="+mn-ea"/>
-                        </a:rPr>
-                        <a:t>변경 안함</a:t>
-                      </a:r>
-                      <a:endParaRPr lang="en-US" altLang="ko-KR" sz="1600" b="0" dirty="0" smtClean="0">
-                        <a:latin typeface="+mn-ea"/>
-                        <a:ea typeface="+mn-ea"/>
-                      </a:endParaRPr>
                     </a:p>
                   </a:txBody>
                   <a:tcPr anchor="ctr">
@@ -19530,244 +19268,32 @@
                           <a:latin typeface="+mn-ea"/>
                           <a:ea typeface="+mn-ea"/>
                         </a:rPr>
-                        <a:t>인덱스 상태를 되돌림</a:t>
+                        <a:t>복구된 이력 이후 내용 모두 유지</a:t>
                       </a:r>
                       <a:r>
                         <a:rPr lang="en-US" altLang="ko-KR" sz="1600" b="0" dirty="0" smtClean="0">
                           <a:latin typeface="+mn-ea"/>
                           <a:ea typeface="+mn-ea"/>
                         </a:rPr>
-                        <a:t>(default)</a:t>
+                        <a:t>,</a:t>
+                      </a:r>
+                      <a:r>
+                        <a:rPr lang="en-US" altLang="ko-KR" sz="1600" b="0" baseline="0" dirty="0" smtClean="0">
+                          <a:latin typeface="+mn-ea"/>
+                          <a:ea typeface="+mn-ea"/>
+                        </a:rPr>
+                        <a:t> </a:t>
+                      </a:r>
+                      <a:r>
+                        <a:rPr lang="ko-KR" altLang="en-US" sz="1600" b="0" baseline="0" dirty="0" smtClean="0">
+                          <a:latin typeface="+mn-ea"/>
+                          <a:ea typeface="+mn-ea"/>
+                        </a:rPr>
+                        <a:t>인덱스 초기화로 변경 내용 다시 추가 해야 함</a:t>
                       </a:r>
                       <a:endParaRPr lang="ko-KR" altLang="en-US" sz="1600" b="0" dirty="0">
                         <a:latin typeface="+mn-ea"/>
                         <a:ea typeface="+mn-ea"/>
-                      </a:endParaRPr>
-                    </a:p>
-                  </a:txBody>
-                  <a:tcPr anchor="ctr">
-                    <a:lnL w="12700" cap="flat" cmpd="sng" algn="ctr">
-                      <a:solidFill>
-                        <a:schemeClr val="tx1"/>
-                      </a:solidFill>
-                      <a:prstDash val="sysDot"/>
-                      <a:round/>
-                      <a:headEnd type="none" w="med" len="med"/>
-                      <a:tailEnd type="none" w="med" len="med"/>
-                    </a:lnL>
-                    <a:lnR w="12700" cap="flat" cmpd="sng" algn="ctr">
-                      <a:solidFill>
-                        <a:schemeClr val="tx1"/>
-                      </a:solidFill>
-                      <a:prstDash val="sysDot"/>
-                      <a:round/>
-                      <a:headEnd type="none" w="med" len="med"/>
-                      <a:tailEnd type="none" w="med" len="med"/>
-                    </a:lnR>
-                    <a:lnT w="12700" cap="flat" cmpd="sng" algn="ctr">
-                      <a:solidFill>
-                        <a:schemeClr val="tx1"/>
-                      </a:solidFill>
-                      <a:prstDash val="sysDot"/>
-                      <a:round/>
-                      <a:headEnd type="none" w="med" len="med"/>
-                      <a:tailEnd type="none" w="med" len="med"/>
-                    </a:lnT>
-                    <a:lnB w="12700" cap="flat" cmpd="sng" algn="ctr">
-                      <a:solidFill>
-                        <a:schemeClr val="tx1"/>
-                      </a:solidFill>
-                      <a:prstDash val="sysDot"/>
-                      <a:round/>
-                      <a:headEnd type="none" w="med" len="med"/>
-                      <a:tailEnd type="none" w="med" len="med"/>
-                    </a:lnB>
-                  </a:tcPr>
-                </a:tc>
-                <a:tc>
-                  <a:txBody>
-                    <a:bodyPr/>
-                    <a:lstStyle/>
-                    <a:p>
-                      <a:pPr algn="l" latinLnBrk="1"/>
-                      <a:r>
-                        <a:rPr lang="ko-KR" altLang="en-US" sz="1600" b="0" kern="1200" dirty="0" smtClean="0">
-                          <a:solidFill>
-                            <a:schemeClr val="tx1"/>
-                          </a:solidFill>
-                          <a:latin typeface="+mn-ea"/>
-                          <a:ea typeface="+mn-ea"/>
-                          <a:cs typeface="+mn-cs"/>
-                        </a:rPr>
-                        <a:t>변경</a:t>
-                      </a:r>
-                      <a:endParaRPr lang="ko-KR" altLang="en-US" sz="1600" b="0" dirty="0">
-                        <a:latin typeface="+mn-ea"/>
-                        <a:ea typeface="+mn-ea"/>
-                      </a:endParaRPr>
-                    </a:p>
-                  </a:txBody>
-                  <a:tcPr anchor="ctr">
-                    <a:lnL w="12700" cap="flat" cmpd="sng" algn="ctr">
-                      <a:solidFill>
-                        <a:schemeClr val="tx1"/>
-                      </a:solidFill>
-                      <a:prstDash val="sysDot"/>
-                      <a:round/>
-                      <a:headEnd type="none" w="med" len="med"/>
-                      <a:tailEnd type="none" w="med" len="med"/>
-                    </a:lnL>
-                    <a:lnR w="12700" cap="flat" cmpd="sng" algn="ctr">
-                      <a:solidFill>
-                        <a:schemeClr val="tx1"/>
-                      </a:solidFill>
-                      <a:prstDash val="sysDot"/>
-                      <a:round/>
-                      <a:headEnd type="none" w="med" len="med"/>
-                      <a:tailEnd type="none" w="med" len="med"/>
-                    </a:lnR>
-                    <a:lnT w="12700" cap="flat" cmpd="sng" algn="ctr">
-                      <a:solidFill>
-                        <a:schemeClr val="tx1"/>
-                      </a:solidFill>
-                      <a:prstDash val="sysDot"/>
-                      <a:round/>
-                      <a:headEnd type="none" w="med" len="med"/>
-                      <a:tailEnd type="none" w="med" len="med"/>
-                    </a:lnT>
-                    <a:lnB w="12700" cap="flat" cmpd="sng" algn="ctr">
-                      <a:solidFill>
-                        <a:schemeClr val="tx1"/>
-                      </a:solidFill>
-                      <a:prstDash val="sysDot"/>
-                      <a:round/>
-                      <a:headEnd type="none" w="med" len="med"/>
-                      <a:tailEnd type="none" w="med" len="med"/>
-                    </a:lnB>
-                  </a:tcPr>
-                </a:tc>
-                <a:tc>
-                  <a:txBody>
-                    <a:bodyPr/>
-                    <a:lstStyle/>
-                    <a:p>
-                      <a:pPr marL="0" marR="0" lvl="0" indent="0" algn="l" defTabSz="914400" rtl="0" eaLnBrk="1" fontAlgn="auto" latinLnBrk="1" hangingPunct="1">
-                        <a:lnSpc>
-                          <a:spcPct val="100000"/>
-                        </a:lnSpc>
-                        <a:spcBef>
-                          <a:spcPts val="0"/>
-                        </a:spcBef>
-                        <a:spcAft>
-                          <a:spcPts val="0"/>
-                        </a:spcAft>
-                        <a:buClrTx/>
-                        <a:buSzTx/>
-                        <a:buFontTx/>
-                        <a:buNone/>
-                        <a:tabLst/>
-                        <a:defRPr/>
-                      </a:pPr>
-                      <a:r>
-                        <a:rPr lang="ko-KR" altLang="en-US" sz="1600" b="0" kern="1200" dirty="0" smtClean="0">
-                          <a:solidFill>
-                            <a:schemeClr val="tx1"/>
-                          </a:solidFill>
-                          <a:latin typeface="+mn-ea"/>
-                          <a:ea typeface="+mn-ea"/>
-                          <a:cs typeface="+mn-cs"/>
-                        </a:rPr>
-                        <a:t>변경 안함</a:t>
-                      </a:r>
-                      <a:endParaRPr lang="en-US" altLang="ko-KR" sz="1600" b="0" kern="1200" dirty="0" smtClean="0">
-                        <a:solidFill>
-                          <a:schemeClr val="tx1"/>
-                        </a:solidFill>
-                        <a:latin typeface="+mn-ea"/>
-                        <a:ea typeface="+mn-ea"/>
-                        <a:cs typeface="+mn-cs"/>
-                      </a:endParaRPr>
-                    </a:p>
-                  </a:txBody>
-                  <a:tcPr anchor="ctr">
-                    <a:lnL w="12700" cap="flat" cmpd="sng" algn="ctr">
-                      <a:solidFill>
-                        <a:schemeClr val="tx1"/>
-                      </a:solidFill>
-                      <a:prstDash val="sysDot"/>
-                      <a:round/>
-                      <a:headEnd type="none" w="med" len="med"/>
-                      <a:tailEnd type="none" w="med" len="med"/>
-                    </a:lnL>
-                    <a:lnR w="12700" cap="flat" cmpd="sng" algn="ctr">
-                      <a:solidFill>
-                        <a:schemeClr val="tx1"/>
-                      </a:solidFill>
-                      <a:prstDash val="sysDot"/>
-                      <a:round/>
-                      <a:headEnd type="none" w="med" len="med"/>
-                      <a:tailEnd type="none" w="med" len="med"/>
-                    </a:lnR>
-                    <a:lnT w="12700" cap="flat" cmpd="sng" algn="ctr">
-                      <a:solidFill>
-                        <a:schemeClr val="tx1"/>
-                      </a:solidFill>
-                      <a:prstDash val="sysDot"/>
-                      <a:round/>
-                      <a:headEnd type="none" w="med" len="med"/>
-                      <a:tailEnd type="none" w="med" len="med"/>
-                    </a:lnT>
-                    <a:lnB w="12700" cap="flat" cmpd="sng" algn="ctr">
-                      <a:solidFill>
-                        <a:schemeClr val="tx1"/>
-                      </a:solidFill>
-                      <a:prstDash val="sysDot"/>
-                      <a:round/>
-                      <a:headEnd type="none" w="med" len="med"/>
-                      <a:tailEnd type="none" w="med" len="med"/>
-                    </a:lnB>
-                  </a:tcPr>
-                </a:tc>
-                <a:tc>
-                  <a:txBody>
-                    <a:bodyPr/>
-                    <a:lstStyle/>
-                    <a:p>
-                      <a:pPr marL="0" marR="0" lvl="0" indent="0" algn="l" defTabSz="914400" rtl="0" eaLnBrk="1" fontAlgn="auto" latinLnBrk="1" hangingPunct="1">
-                        <a:lnSpc>
-                          <a:spcPct val="100000"/>
-                        </a:lnSpc>
-                        <a:spcBef>
-                          <a:spcPts val="0"/>
-                        </a:spcBef>
-                        <a:spcAft>
-                          <a:spcPts val="0"/>
-                        </a:spcAft>
-                        <a:buClrTx/>
-                        <a:buSzTx/>
-                        <a:buFontTx/>
-                        <a:buNone/>
-                        <a:tabLst/>
-                        <a:defRPr/>
-                      </a:pPr>
-                      <a:r>
-                        <a:rPr lang="ko-KR" altLang="en-US" sz="1600" b="0" kern="1200" dirty="0" smtClean="0">
-                          <a:solidFill>
-                            <a:schemeClr val="tx1"/>
-                          </a:solidFill>
-                          <a:latin typeface="+mn-ea"/>
-                          <a:ea typeface="+mn-ea"/>
-                          <a:cs typeface="+mn-cs"/>
-                        </a:rPr>
-                        <a:t>변경 안함</a:t>
-                      </a:r>
-                      <a:endParaRPr lang="en-US" altLang="ko-KR" sz="1600" b="0" kern="1200" dirty="0" smtClean="0">
-                        <a:solidFill>
-                          <a:schemeClr val="tx1"/>
-                        </a:solidFill>
-                        <a:latin typeface="+mn-ea"/>
-                        <a:ea typeface="+mn-ea"/>
-                        <a:cs typeface="+mn-cs"/>
                       </a:endParaRPr>
                     </a:p>
                   </a:txBody>
@@ -19820,78 +19346,6 @@
           </a:graphicData>
         </a:graphic>
       </p:graphicFrame>
-      <p:sp>
-        <p:nvSpPr>
-          <p:cNvPr id="9" name="TextBox 8"/>
-          <p:cNvSpPr txBox="1"/>
-          <p:nvPr/>
-        </p:nvSpPr>
-        <p:spPr>
-          <a:xfrm>
-            <a:off x="8775940" y="1758041"/>
-            <a:ext cx="3292415" cy="1477328"/>
-          </a:xfrm>
-          <a:prstGeom prst="rect">
-            <a:avLst/>
-          </a:prstGeom>
-          <a:noFill/>
-        </p:spPr>
-        <p:txBody>
-          <a:bodyPr wrap="square" rtlCol="0">
-            <a:spAutoFit/>
-          </a:bodyPr>
-          <a:lstStyle/>
-          <a:p>
-            <a:pPr marL="285750" indent="-285750">
-              <a:buFont typeface="Arial" panose="020B0604020202020204" pitchFamily="34" charset="0"/>
-              <a:buChar char="•"/>
-            </a:pPr>
-            <a:r>
-              <a:rPr lang="ko-KR" altLang="en-US" dirty="0" smtClean="0"/>
-              <a:t>인덱스</a:t>
-            </a:r>
-            <a:r>
-              <a:rPr lang="en-US" altLang="ko-KR" dirty="0" smtClean="0"/>
-              <a:t>(index)</a:t>
-            </a:r>
-            <a:r>
-              <a:rPr lang="ko-KR" altLang="en-US" dirty="0" smtClean="0"/>
-              <a:t>는 실제 </a:t>
-            </a:r>
-            <a:r>
-              <a:rPr lang="ko-KR" altLang="en-US" dirty="0" err="1" smtClean="0"/>
-              <a:t>커밋</a:t>
-            </a:r>
-            <a:r>
-              <a:rPr lang="ko-KR" altLang="en-US" dirty="0" smtClean="0"/>
-              <a:t> 전 변경 내역을 담는 준비 영역</a:t>
-            </a:r>
-            <a:endParaRPr lang="en-US" altLang="ko-KR" dirty="0" smtClean="0"/>
-          </a:p>
-          <a:p>
-            <a:pPr marL="285750" indent="-285750">
-              <a:buFont typeface="Arial" panose="020B0604020202020204" pitchFamily="34" charset="0"/>
-              <a:buChar char="•"/>
-            </a:pPr>
-            <a:r>
-              <a:rPr lang="en-US" altLang="ko-KR" dirty="0" err="1" smtClean="0"/>
-              <a:t>git</a:t>
-            </a:r>
-            <a:r>
-              <a:rPr lang="en-US" altLang="ko-KR" dirty="0" smtClean="0"/>
-              <a:t> add </a:t>
-            </a:r>
-            <a:r>
-              <a:rPr lang="ko-KR" altLang="en-US" dirty="0" smtClean="0"/>
-              <a:t>실행 시 이 영역으로 이동</a:t>
-            </a:r>
-            <a:r>
-              <a:rPr lang="ko-KR" altLang="en-US" dirty="0"/>
-              <a:t>함</a:t>
-            </a:r>
-          </a:p>
-        </p:txBody>
-      </p:sp>
       <p:sp>
         <p:nvSpPr>
           <p:cNvPr id="10" name="TextBox 9"/>
@@ -20571,6 +20025,407 @@
   <p:clrMapOvr>
     <a:masterClrMapping/>
   </p:clrMapOvr>
+  <p:timing>
+    <p:tnLst>
+      <p:par>
+        <p:cTn id="1" dur="indefinite" restart="never" nodeType="tmRoot"/>
+      </p:par>
+    </p:tnLst>
+  </p:timing>
+</p:sld>
+</file>
+
+<file path=ppt/slides/slide9.xml><?xml version="1.0" encoding="utf-8"?>
+<p:sld xmlns:a="http://schemas.openxmlformats.org/drawingml/2006/main" xmlns:r="http://schemas.openxmlformats.org/officeDocument/2006/relationships" xmlns:p="http://schemas.openxmlformats.org/presentationml/2006/main">
+  <p:cSld>
+    <p:spTree>
+      <p:nvGrpSpPr>
+        <p:cNvPr id="1" name=""/>
+        <p:cNvGrpSpPr/>
+        <p:nvPr/>
+      </p:nvGrpSpPr>
+      <p:grpSpPr>
+        <a:xfrm>
+          <a:off x="0" y="0"/>
+          <a:ext cx="0" cy="0"/>
+          <a:chOff x="0" y="0"/>
+          <a:chExt cx="0" cy="0"/>
+        </a:xfrm>
+      </p:grpSpPr>
+      <p:sp>
+        <p:nvSpPr>
+          <p:cNvPr id="2" name="제목 1"/>
+          <p:cNvSpPr>
+            <a:spLocks noGrp="1"/>
+          </p:cNvSpPr>
+          <p:nvPr>
+            <p:ph type="title"/>
+          </p:nvPr>
+        </p:nvSpPr>
+        <p:spPr>
+          <a:xfrm>
+            <a:off x="173966" y="158091"/>
+            <a:ext cx="10515600" cy="756309"/>
+          </a:xfrm>
+        </p:spPr>
+        <p:txBody>
+          <a:bodyPr/>
+          <a:lstStyle/>
+          <a:p>
+            <a:r>
+              <a:rPr lang="ko-KR" altLang="en-US" b="1" dirty="0" smtClean="0">
+                <a:latin typeface="+mn-ea"/>
+                <a:ea typeface="+mn-ea"/>
+              </a:rPr>
+              <a:t>버전 되돌리기 </a:t>
+            </a:r>
+            <a:r>
+              <a:rPr lang="en-US" altLang="ko-KR" b="1" dirty="0" smtClean="0">
+                <a:latin typeface="+mn-ea"/>
+                <a:ea typeface="+mn-ea"/>
+              </a:rPr>
+              <a:t>: </a:t>
+            </a:r>
+            <a:r>
+              <a:rPr lang="en-US" altLang="ko-KR" b="1" dirty="0" err="1" smtClean="0">
+                <a:latin typeface="+mn-ea"/>
+                <a:ea typeface="+mn-ea"/>
+              </a:rPr>
+              <a:t>git</a:t>
+            </a:r>
+            <a:r>
+              <a:rPr lang="en-US" altLang="ko-KR" b="1" dirty="0" smtClean="0">
+                <a:latin typeface="+mn-ea"/>
+                <a:ea typeface="+mn-ea"/>
+              </a:rPr>
+              <a:t> revert &lt;checksum&gt;</a:t>
+            </a:r>
+            <a:endParaRPr lang="ko-KR" altLang="en-US" b="1" dirty="0">
+              <a:latin typeface="+mn-ea"/>
+              <a:ea typeface="+mn-ea"/>
+            </a:endParaRPr>
+          </a:p>
+        </p:txBody>
+      </p:sp>
+      <p:sp>
+        <p:nvSpPr>
+          <p:cNvPr id="3" name="내용 개체 틀 2"/>
+          <p:cNvSpPr>
+            <a:spLocks noGrp="1"/>
+          </p:cNvSpPr>
+          <p:nvPr>
+            <p:ph idx="1"/>
+          </p:nvPr>
+        </p:nvSpPr>
+        <p:spPr>
+          <a:xfrm>
+            <a:off x="293298" y="1043796"/>
+            <a:ext cx="4945452" cy="5699904"/>
+          </a:xfrm>
+        </p:spPr>
+        <p:txBody>
+          <a:bodyPr>
+            <a:normAutofit fontScale="85000" lnSpcReduction="20000"/>
+          </a:bodyPr>
+          <a:lstStyle/>
+          <a:p>
+            <a:pPr>
+              <a:lnSpc>
+                <a:spcPct val="110000"/>
+              </a:lnSpc>
+            </a:pPr>
+            <a:r>
+              <a:rPr lang="ko-KR" altLang="en-US" dirty="0" smtClean="0"/>
+              <a:t>공개된 </a:t>
+            </a:r>
+            <a:r>
+              <a:rPr lang="ko-KR" altLang="en-US" dirty="0" err="1" smtClean="0"/>
+              <a:t>커밋의</a:t>
+            </a:r>
+            <a:r>
+              <a:rPr lang="ko-KR" altLang="en-US" dirty="0" smtClean="0"/>
+              <a:t> 변경 내역을 되돌리기</a:t>
+            </a:r>
+            <a:endParaRPr lang="en-US" altLang="ko-KR" dirty="0" smtClean="0"/>
+          </a:p>
+          <a:p>
+            <a:pPr>
+              <a:lnSpc>
+                <a:spcPct val="110000"/>
+              </a:lnSpc>
+            </a:pPr>
+            <a:r>
+              <a:rPr lang="ko-KR" altLang="en-US" dirty="0" smtClean="0"/>
+              <a:t>실제</a:t>
+            </a:r>
+            <a:r>
+              <a:rPr lang="en-US" altLang="ko-KR" dirty="0" smtClean="0"/>
+              <a:t> </a:t>
+            </a:r>
+            <a:r>
+              <a:rPr lang="ko-KR" altLang="en-US" dirty="0" smtClean="0"/>
+              <a:t>되돌리는 것이 아니고 되돌리는 것과 같은 효과를 내는 것</a:t>
+            </a:r>
+            <a:endParaRPr lang="en-US" altLang="ko-KR" dirty="0" smtClean="0"/>
+          </a:p>
+          <a:p>
+            <a:pPr>
+              <a:lnSpc>
+                <a:spcPct val="110000"/>
+              </a:lnSpc>
+            </a:pPr>
+            <a:r>
+              <a:rPr lang="ko-KR" altLang="en-US" dirty="0" smtClean="0"/>
+              <a:t>대상 </a:t>
+            </a:r>
+            <a:r>
+              <a:rPr lang="ko-KR" altLang="en-US" dirty="0" err="1" smtClean="0"/>
+              <a:t>커밋의</a:t>
+            </a:r>
+            <a:r>
+              <a:rPr lang="ko-KR" altLang="en-US" dirty="0" smtClean="0"/>
+              <a:t> 변경 내역을 거꾸로 적용하는 새 </a:t>
+            </a:r>
+            <a:r>
+              <a:rPr lang="ko-KR" altLang="en-US" dirty="0" err="1" smtClean="0"/>
+              <a:t>커밋을</a:t>
+            </a:r>
+            <a:r>
+              <a:rPr lang="ko-KR" altLang="en-US" dirty="0" smtClean="0"/>
+              <a:t> 만드는 것</a:t>
+            </a:r>
+            <a:endParaRPr lang="en-US" altLang="ko-KR" dirty="0" smtClean="0"/>
+          </a:p>
+          <a:p>
+            <a:pPr>
+              <a:lnSpc>
+                <a:spcPct val="110000"/>
+              </a:lnSpc>
+            </a:pPr>
+            <a:r>
+              <a:rPr lang="en-US" altLang="ko-KR" dirty="0" err="1" smtClean="0"/>
+              <a:t>git</a:t>
+            </a:r>
+            <a:r>
+              <a:rPr lang="en-US" altLang="ko-KR" dirty="0" smtClean="0"/>
+              <a:t> reset </a:t>
+            </a:r>
+            <a:r>
+              <a:rPr lang="ko-KR" altLang="en-US" dirty="0" smtClean="0"/>
+              <a:t>보다 안전한 방법</a:t>
+            </a:r>
+            <a:r>
+              <a:rPr lang="en-US" altLang="ko-KR" dirty="0" smtClean="0"/>
+              <a:t>(</a:t>
+            </a:r>
+            <a:r>
+              <a:rPr lang="ko-KR" altLang="en-US" dirty="0" smtClean="0"/>
+              <a:t>협업 시 사용</a:t>
+            </a:r>
+            <a:r>
+              <a:rPr lang="en-US" altLang="ko-KR" dirty="0" smtClean="0"/>
+              <a:t>)</a:t>
+            </a:r>
+          </a:p>
+          <a:p>
+            <a:pPr>
+              <a:lnSpc>
+                <a:spcPct val="110000"/>
+              </a:lnSpc>
+            </a:pPr>
+            <a:r>
+              <a:rPr lang="ko-KR" altLang="en-US" dirty="0" err="1" smtClean="0"/>
+              <a:t>커밋의</a:t>
+            </a:r>
+            <a:r>
+              <a:rPr lang="ko-KR" altLang="en-US" dirty="0" smtClean="0"/>
+              <a:t> </a:t>
+            </a:r>
+            <a:r>
+              <a:rPr lang="ko-KR" altLang="en-US" b="1" dirty="0" smtClean="0">
+                <a:solidFill>
+                  <a:srgbClr val="0000FF"/>
+                </a:solidFill>
+              </a:rPr>
+              <a:t>역순</a:t>
+            </a:r>
+            <a:r>
+              <a:rPr lang="ko-KR" altLang="en-US" dirty="0" smtClean="0"/>
+              <a:t>으로 한 단계씩 변경 내역을 되돌려야 충돌을 피할 수 있음</a:t>
+            </a:r>
+            <a:endParaRPr lang="en-US" altLang="ko-KR" dirty="0" smtClean="0"/>
+          </a:p>
+          <a:p>
+            <a:pPr>
+              <a:lnSpc>
+                <a:spcPct val="110000"/>
+              </a:lnSpc>
+            </a:pPr>
+            <a:r>
+              <a:rPr lang="ko-KR" altLang="en-US" dirty="0" smtClean="0"/>
+              <a:t>한 단계씩 돌아가는 것은 </a:t>
+            </a:r>
+            <a:r>
+              <a:rPr lang="en-US" altLang="ko-KR" dirty="0" smtClean="0"/>
+              <a:t>HEAD</a:t>
+            </a:r>
+            <a:r>
+              <a:rPr lang="ko-KR" altLang="en-US" dirty="0" smtClean="0"/>
+              <a:t>를 사용</a:t>
+            </a:r>
+            <a:endParaRPr lang="en-US" altLang="ko-KR" dirty="0" smtClean="0"/>
+          </a:p>
+          <a:p>
+            <a:pPr lvl="1">
+              <a:lnSpc>
+                <a:spcPct val="110000"/>
+              </a:lnSpc>
+            </a:pPr>
+            <a:r>
+              <a:rPr lang="en-US" altLang="ko-KR" dirty="0" err="1" smtClean="0"/>
+              <a:t>git</a:t>
+            </a:r>
+            <a:r>
+              <a:rPr lang="en-US" altLang="ko-KR" dirty="0" smtClean="0"/>
+              <a:t> revert HEAD</a:t>
+            </a:r>
+            <a:endParaRPr lang="ko-KR" altLang="en-US" dirty="0"/>
+          </a:p>
+        </p:txBody>
+      </p:sp>
+      <p:pic>
+        <p:nvPicPr>
+          <p:cNvPr id="4" name="그림 3"/>
+          <p:cNvPicPr>
+            <a:picLocks noChangeAspect="1"/>
+          </p:cNvPicPr>
+          <p:nvPr/>
+        </p:nvPicPr>
+        <p:blipFill>
+          <a:blip r:embed="rId2"/>
+          <a:stretch>
+            <a:fillRect/>
+          </a:stretch>
+        </p:blipFill>
+        <p:spPr>
+          <a:xfrm>
+            <a:off x="5238750" y="891673"/>
+            <a:ext cx="6748193" cy="6307092"/>
+          </a:xfrm>
+          <a:prstGeom prst="rect">
+            <a:avLst/>
+          </a:prstGeom>
+        </p:spPr>
+      </p:pic>
+      <p:sp>
+        <p:nvSpPr>
+          <p:cNvPr id="5" name="직사각형 4"/>
+          <p:cNvSpPr/>
+          <p:nvPr/>
+        </p:nvSpPr>
+        <p:spPr>
+          <a:xfrm>
+            <a:off x="5218681" y="1043796"/>
+            <a:ext cx="5470885" cy="232277"/>
+          </a:xfrm>
+          <a:prstGeom prst="rect">
+            <a:avLst/>
+          </a:prstGeom>
+          <a:noFill/>
+          <a:ln w="38100">
+            <a:solidFill>
+              <a:srgbClr val="FF0000"/>
+            </a:solidFill>
+          </a:ln>
+        </p:spPr>
+        <p:style>
+          <a:lnRef idx="2">
+            <a:schemeClr val="accent1">
+              <a:shade val="50000"/>
+            </a:schemeClr>
+          </a:lnRef>
+          <a:fillRef idx="1">
+            <a:schemeClr val="accent1"/>
+          </a:fillRef>
+          <a:effectRef idx="0">
+            <a:schemeClr val="accent1"/>
+          </a:effectRef>
+          <a:fontRef idx="minor">
+            <a:schemeClr val="lt1"/>
+          </a:fontRef>
+        </p:style>
+        <p:txBody>
+          <a:bodyPr rtlCol="0" anchor="ctr"/>
+          <a:lstStyle/>
+          <a:p>
+            <a:pPr algn="ctr"/>
+            <a:endParaRPr lang="ko-KR" altLang="en-US"/>
+          </a:p>
+        </p:txBody>
+      </p:sp>
+      <p:sp>
+        <p:nvSpPr>
+          <p:cNvPr id="6" name="직사각형 5"/>
+          <p:cNvSpPr/>
+          <p:nvPr/>
+        </p:nvSpPr>
+        <p:spPr>
+          <a:xfrm>
+            <a:off x="5218681" y="1893516"/>
+            <a:ext cx="1182120" cy="232277"/>
+          </a:xfrm>
+          <a:prstGeom prst="rect">
+            <a:avLst/>
+          </a:prstGeom>
+          <a:noFill/>
+          <a:ln w="38100">
+            <a:solidFill>
+              <a:srgbClr val="FF0000"/>
+            </a:solidFill>
+          </a:ln>
+        </p:spPr>
+        <p:style>
+          <a:lnRef idx="2">
+            <a:schemeClr val="accent1">
+              <a:shade val="50000"/>
+            </a:schemeClr>
+          </a:lnRef>
+          <a:fillRef idx="1">
+            <a:schemeClr val="accent1"/>
+          </a:fillRef>
+          <a:effectRef idx="0">
+            <a:schemeClr val="accent1"/>
+          </a:effectRef>
+          <a:fontRef idx="minor">
+            <a:schemeClr val="lt1"/>
+          </a:fontRef>
+        </p:style>
+        <p:txBody>
+          <a:bodyPr rtlCol="0" anchor="ctr"/>
+          <a:lstStyle/>
+          <a:p>
+            <a:pPr algn="ctr"/>
+            <a:endParaRPr lang="ko-KR" altLang="en-US"/>
+          </a:p>
+        </p:txBody>
+      </p:sp>
+    </p:spTree>
+    <p:extLst>
+      <p:ext uri="{BB962C8B-B14F-4D97-AF65-F5344CB8AC3E}">
+        <p14:creationId xmlns:p14="http://schemas.microsoft.com/office/powerpoint/2010/main" val="982699170"/>
+      </p:ext>
+    </p:extLst>
+  </p:cSld>
+  <p:clrMapOvr>
+    <a:masterClrMapping/>
+  </p:clrMapOvr>
+  <p:timing>
+    <p:tnLst>
+      <p:par>
+        <p:cTn id="1" dur="indefinite" restart="never" nodeType="tmRoot"/>
+      </p:par>
+    </p:tnLst>
+  </p:timing>
 </p:sld>
 </file>
 

--- a/07-Git2.pptx
+++ b/07-Git2.pptx
@@ -137,137 +137,6 @@
 </p:presentation>
 </file>
 
-<file path=ppt/ink/ink1.xml><?xml version="1.0" encoding="utf-8"?>
-<inkml:ink xmlns:inkml="http://www.w3.org/2003/InkML">
-  <inkml:definitions>
-    <inkml:context xml:id="ctx0">
-      <inkml:inkSource xml:id="inkSrc0">
-        <inkml:traceFormat>
-          <inkml:channel name="X" type="integer" max="1680" units="cm"/>
-          <inkml:channel name="Y" type="integer" max="1050" units="cm"/>
-          <inkml:channel name="T" type="integer" max="2.14748E9" units="dev"/>
-        </inkml:traceFormat>
-        <inkml:channelProperties>
-          <inkml:channelProperty channel="X" name="resolution" value="34.28571" units="1/cm"/>
-          <inkml:channelProperty channel="Y" name="resolution" value="32.8125" units="1/cm"/>
-          <inkml:channelProperty channel="T" name="resolution" value="1" units="1/dev"/>
-        </inkml:channelProperties>
-      </inkml:inkSource>
-      <inkml:timestamp xml:id="ts0" timeString="2020-11-09T07:57:32.534"/>
-    </inkml:context>
-    <inkml:brush xml:id="br0">
-      <inkml:brushProperty name="width" value="0.26667" units="cm"/>
-      <inkml:brushProperty name="height" value="0.53333" units="cm"/>
-      <inkml:brushProperty name="color" value="#FF00FF"/>
-      <inkml:brushProperty name="tip" value="rectangle"/>
-      <inkml:brushProperty name="rasterOp" value="maskPen"/>
-      <inkml:brushProperty name="fitToCurve" value="1"/>
-    </inkml:brush>
-  </inkml:definitions>
-  <inkml:trace contextRef="#ctx0" brushRef="#br0">0 0 0,'5699'228'0</inkml:trace>
-</inkml:ink>
-</file>
-
-<file path=ppt/ink/ink2.xml><?xml version="1.0" encoding="utf-8"?>
-<inkml:ink xmlns:inkml="http://www.w3.org/2003/InkML">
-  <inkml:definitions>
-    <inkml:context xml:id="ctx0">
-      <inkml:inkSource xml:id="inkSrc0">
-        <inkml:traceFormat>
-          <inkml:channel name="X" type="integer" max="1680" units="cm"/>
-          <inkml:channel name="Y" type="integer" max="1050" units="cm"/>
-          <inkml:channel name="T" type="integer" max="2.14748E9" units="dev"/>
-        </inkml:traceFormat>
-        <inkml:channelProperties>
-          <inkml:channelProperty channel="X" name="resolution" value="34.28571" units="1/cm"/>
-          <inkml:channelProperty channel="Y" name="resolution" value="32.8125" units="1/cm"/>
-          <inkml:channelProperty channel="T" name="resolution" value="1" units="1/dev"/>
-        </inkml:channelProperties>
-      </inkml:inkSource>
-      <inkml:timestamp xml:id="ts0" timeString="2020-11-09T07:57:33.206"/>
-    </inkml:context>
-    <inkml:brush xml:id="br0">
-      <inkml:brushProperty name="width" value="0.26667" units="cm"/>
-      <inkml:brushProperty name="height" value="0.53333" units="cm"/>
-      <inkml:brushProperty name="color" value="#FF00FF"/>
-      <inkml:brushProperty name="tip" value="rectangle"/>
-      <inkml:brushProperty name="rasterOp" value="maskPen"/>
-      <inkml:brushProperty name="fitToCurve" value="1"/>
-    </inkml:brush>
-  </inkml:definitions>
-  <inkml:trace contextRef="#ctx0" brushRef="#br0">-1 0 0,'2116'33'0,"-943"-1"0,32 33 16,-391-65-1,-456 0 1,-293 0-1</inkml:trace>
-</inkml:ink>
-</file>
-
-<file path=ppt/ink/ink3.xml><?xml version="1.0" encoding="utf-8"?>
-<inkml:ink xmlns:inkml="http://www.w3.org/2003/InkML">
-  <inkml:definitions>
-    <inkml:context xml:id="ctx0">
-      <inkml:inkSource xml:id="inkSrc0">
-        <inkml:traceFormat>
-          <inkml:channel name="X" type="integer" max="1680" units="cm"/>
-          <inkml:channel name="Y" type="integer" max="1050" units="cm"/>
-          <inkml:channel name="T" type="integer" max="2.14748E9" units="dev"/>
-        </inkml:traceFormat>
-        <inkml:channelProperties>
-          <inkml:channelProperty channel="X" name="resolution" value="34.28571" units="1/cm"/>
-          <inkml:channelProperty channel="Y" name="resolution" value="32.8125" units="1/cm"/>
-          <inkml:channelProperty channel="T" name="resolution" value="1" units="1/dev"/>
-        </inkml:channelProperties>
-      </inkml:inkSource>
-      <inkml:timestamp xml:id="ts0" timeString="2020-11-09T07:57:34.111"/>
-    </inkml:context>
-    <inkml:brush xml:id="br0">
-      <inkml:brushProperty name="width" value="0.26667" units="cm"/>
-      <inkml:brushProperty name="height" value="0.53333" units="cm"/>
-      <inkml:brushProperty name="color" value="#FF00FF"/>
-      <inkml:brushProperty name="tip" value="rectangle"/>
-      <inkml:brushProperty name="rasterOp" value="maskPen"/>
-      <inkml:brushProperty name="fitToCurve" value="1"/>
-    </inkml:brush>
-  </inkml:definitions>
-  <inkml:trace contextRef="#ctx0" brushRef="#br0">2 1 0,'0'1498'0,"0"-456"0,33 489 15,-33-750 1,65 880 0,-33-65-1,-32-652 1,33 33-1,-33-326 1,33-227 0,-33-262 265,32-97-281</inkml:trace>
-</inkml:ink>
-</file>
-
-<file path=ppt/ink/ink4.xml><?xml version="1.0" encoding="utf-8"?>
-<inkml:ink xmlns:inkml="http://www.w3.org/2003/InkML">
-  <inkml:definitions>
-    <inkml:context xml:id="ctx0">
-      <inkml:inkSource xml:id="inkSrc0">
-        <inkml:traceFormat>
-          <inkml:channel name="X" type="integer" max="1680" units="cm"/>
-          <inkml:channel name="Y" type="integer" max="1050" units="cm"/>
-          <inkml:channel name="T" type="integer" max="2.14748E9" units="dev"/>
-        </inkml:traceFormat>
-        <inkml:channelProperties>
-          <inkml:channelProperty channel="X" name="resolution" value="34.28571" units="1/cm"/>
-          <inkml:channelProperty channel="Y" name="resolution" value="32.8125" units="1/cm"/>
-          <inkml:channelProperty channel="T" name="resolution" value="1" units="1/dev"/>
-        </inkml:channelProperties>
-      </inkml:inkSource>
-      <inkml:timestamp xml:id="ts0" timeString="2020-11-09T07:58:05.236"/>
-    </inkml:context>
-    <inkml:brush xml:id="br0">
-      <inkml:brushProperty name="width" value="0.06667" units="cm"/>
-      <inkml:brushProperty name="height" value="0.06667" units="cm"/>
-      <inkml:brushProperty name="color" value="#ED1C24"/>
-      <inkml:brushProperty name="fitToCurve" value="1"/>
-    </inkml:brush>
-  </inkml:definitions>
-  <inkml:traceGroup>
-    <inkml:annotationXML>
-      <emma:emma xmlns:emma="http://www.w3.org/2003/04/emma" version="1.0">
-        <emma:interpretation id="{579A91F0-602A-4363-90C4-A98EF7D41DA9}" emma:medium="tactile" emma:mode="ink">
-          <msink:context xmlns:msink="http://schemas.microsoft.com/ink/2010/main" type="inkDrawing" rotatedBoundingBox="5314,2676 15967,1130 16229,2933 5576,4478" semanticType="callout" shapeName="Other"/>
-        </emma:interpretation>
-      </emma:emma>
-    </inkml:annotationXML>
-    <inkml:trace contextRef="#ctx0" brushRef="#br0">0 2247 0,'33'-65'16,"65"-196"0,64-32-1,99-65 1,-66 130 0,66 0-1,-66 163 1,-97 65-1,162 0 1,33 98 15,98 64-31,0 197 16,0-66 15,0 32-15,-66-162-1,-129-163 17,325-32-17,-163-131-15,977-326 16,98-195 0,-717 294-1,-325 129 1,-293 229 46,-1 32-46,99 162 0,-66-162-1,196 33 1,64-33-1,-129-33 1,-33-97 0,-98 65-1,-130 0 1</inkml:trace>
-  </inkml:traceGroup>
-</inkml:ink>
-</file>
-
 <file path=ppt/slideLayouts/slideLayout1.xml><?xml version="1.0" encoding="utf-8"?>
 <p:sldLayout xmlns:a="http://schemas.openxmlformats.org/drawingml/2006/main" xmlns:r="http://schemas.openxmlformats.org/officeDocument/2006/relationships" xmlns:p="http://schemas.openxmlformats.org/presentationml/2006/main" type="title" preserve="1">
   <p:cSld name="제목 슬라이드">
@@ -399,7 +268,7 @@
           <a:p>
             <a:fld id="{78570142-8825-4D52-AFCC-EF8893624958}" type="datetimeFigureOut">
               <a:rPr lang="ko-KR" altLang="en-US" smtClean="0"/>
-              <a:t>2020-11-09</a:t>
+              <a:t>2020-11-10</a:t>
             </a:fld>
             <a:endParaRPr lang="ko-KR" altLang="en-US"/>
           </a:p>
@@ -569,7 +438,7 @@
           <a:p>
             <a:fld id="{78570142-8825-4D52-AFCC-EF8893624958}" type="datetimeFigureOut">
               <a:rPr lang="ko-KR" altLang="en-US" smtClean="0"/>
-              <a:t>2020-11-09</a:t>
+              <a:t>2020-11-10</a:t>
             </a:fld>
             <a:endParaRPr lang="ko-KR" altLang="en-US"/>
           </a:p>
@@ -749,7 +618,7 @@
           <a:p>
             <a:fld id="{78570142-8825-4D52-AFCC-EF8893624958}" type="datetimeFigureOut">
               <a:rPr lang="ko-KR" altLang="en-US" smtClean="0"/>
-              <a:t>2020-11-09</a:t>
+              <a:t>2020-11-10</a:t>
             </a:fld>
             <a:endParaRPr lang="ko-KR" altLang="en-US"/>
           </a:p>
@@ -919,7 +788,7 @@
           <a:p>
             <a:fld id="{78570142-8825-4D52-AFCC-EF8893624958}" type="datetimeFigureOut">
               <a:rPr lang="ko-KR" altLang="en-US" smtClean="0"/>
-              <a:t>2020-11-09</a:t>
+              <a:t>2020-11-10</a:t>
             </a:fld>
             <a:endParaRPr lang="ko-KR" altLang="en-US"/>
           </a:p>
@@ -1165,7 +1034,7 @@
           <a:p>
             <a:fld id="{78570142-8825-4D52-AFCC-EF8893624958}" type="datetimeFigureOut">
               <a:rPr lang="ko-KR" altLang="en-US" smtClean="0"/>
-              <a:t>2020-11-09</a:t>
+              <a:t>2020-11-10</a:t>
             </a:fld>
             <a:endParaRPr lang="ko-KR" altLang="en-US"/>
           </a:p>
@@ -1397,7 +1266,7 @@
           <a:p>
             <a:fld id="{78570142-8825-4D52-AFCC-EF8893624958}" type="datetimeFigureOut">
               <a:rPr lang="ko-KR" altLang="en-US" smtClean="0"/>
-              <a:t>2020-11-09</a:t>
+              <a:t>2020-11-10</a:t>
             </a:fld>
             <a:endParaRPr lang="ko-KR" altLang="en-US"/>
           </a:p>
@@ -1764,7 +1633,7 @@
           <a:p>
             <a:fld id="{78570142-8825-4D52-AFCC-EF8893624958}" type="datetimeFigureOut">
               <a:rPr lang="ko-KR" altLang="en-US" smtClean="0"/>
-              <a:t>2020-11-09</a:t>
+              <a:t>2020-11-10</a:t>
             </a:fld>
             <a:endParaRPr lang="ko-KR" altLang="en-US"/>
           </a:p>
@@ -1882,7 +1751,7 @@
           <a:p>
             <a:fld id="{78570142-8825-4D52-AFCC-EF8893624958}" type="datetimeFigureOut">
               <a:rPr lang="ko-KR" altLang="en-US" smtClean="0"/>
-              <a:t>2020-11-09</a:t>
+              <a:t>2020-11-10</a:t>
             </a:fld>
             <a:endParaRPr lang="ko-KR" altLang="en-US"/>
           </a:p>
@@ -1977,7 +1846,7 @@
           <a:p>
             <a:fld id="{78570142-8825-4D52-AFCC-EF8893624958}" type="datetimeFigureOut">
               <a:rPr lang="ko-KR" altLang="en-US" smtClean="0"/>
-              <a:t>2020-11-09</a:t>
+              <a:t>2020-11-10</a:t>
             </a:fld>
             <a:endParaRPr lang="ko-KR" altLang="en-US"/>
           </a:p>
@@ -2254,7 +2123,7 @@
           <a:p>
             <a:fld id="{78570142-8825-4D52-AFCC-EF8893624958}" type="datetimeFigureOut">
               <a:rPr lang="ko-KR" altLang="en-US" smtClean="0"/>
-              <a:t>2020-11-09</a:t>
+              <a:t>2020-11-10</a:t>
             </a:fld>
             <a:endParaRPr lang="ko-KR" altLang="en-US"/>
           </a:p>
@@ -2511,7 +2380,7 @@
           <a:p>
             <a:fld id="{78570142-8825-4D52-AFCC-EF8893624958}" type="datetimeFigureOut">
               <a:rPr lang="ko-KR" altLang="en-US" smtClean="0"/>
-              <a:t>2020-11-09</a:t>
+              <a:t>2020-11-10</a:t>
             </a:fld>
             <a:endParaRPr lang="ko-KR" altLang="en-US"/>
           </a:p>
@@ -2724,7 +2593,7 @@
           <a:p>
             <a:fld id="{78570142-8825-4D52-AFCC-EF8893624958}" type="datetimeFigureOut">
               <a:rPr lang="ko-KR" altLang="en-US" smtClean="0"/>
-              <a:t>2020-11-09</a:t>
+              <a:t>2020-11-10</a:t>
             </a:fld>
             <a:endParaRPr lang="ko-KR" altLang="en-US"/>
           </a:p>
@@ -3341,162 +3210,6 @@
           </a:p>
         </p:txBody>
       </p:sp>
-      <mc:AlternateContent xmlns:mc="http://schemas.openxmlformats.org/markup-compatibility/2006">
-        <mc:Choice xmlns:p14="http://schemas.microsoft.com/office/powerpoint/2010/main" Requires="p14">
-          <p:contentPart p14:bwMode="auto" r:id="rId2">
-            <p14:nvContentPartPr>
-              <p14:cNvPr id="4" name="잉크 3"/>
-              <p14:cNvContentPartPr/>
-              <p14:nvPr/>
-            </p14:nvContentPartPr>
-            <p14:xfrm>
-              <a:off x="398520" y="2262591"/>
-              <a:ext cx="2052000" cy="82440"/>
-            </p14:xfrm>
-          </p:contentPart>
-        </mc:Choice>
-        <mc:Fallback>
-          <p:pic>
-            <p:nvPicPr>
-              <p:cNvPr id="4" name="잉크 3"/>
-              <p:cNvPicPr/>
-              <p:nvPr/>
-            </p:nvPicPr>
-            <p:blipFill>
-              <a:blip r:embed="rId3"/>
-              <a:stretch>
-                <a:fillRect/>
-              </a:stretch>
-            </p:blipFill>
-            <p:spPr>
-              <a:xfrm>
-                <a:off x="350640" y="2166471"/>
-                <a:ext cx="2147760" cy="274680"/>
-              </a:xfrm>
-              <a:prstGeom prst="rect">
-                <a:avLst/>
-              </a:prstGeom>
-            </p:spPr>
-          </p:pic>
-        </mc:Fallback>
-      </mc:AlternateContent>
-      <mc:AlternateContent xmlns:mc="http://schemas.openxmlformats.org/markup-compatibility/2006">
-        <mc:Choice xmlns:p14="http://schemas.microsoft.com/office/powerpoint/2010/main" Requires="p14">
-          <p:contentPart p14:bwMode="auto" r:id="rId4">
-            <p14:nvContentPartPr>
-              <p14:cNvPr id="5" name="잉크 4"/>
-              <p14:cNvContentPartPr/>
-              <p14:nvPr/>
-            </p14:nvContentPartPr>
-            <p14:xfrm>
-              <a:off x="785880" y="3470031"/>
-              <a:ext cx="2063160" cy="47160"/>
-            </p14:xfrm>
-          </p:contentPart>
-        </mc:Choice>
-        <mc:Fallback>
-          <p:pic>
-            <p:nvPicPr>
-              <p:cNvPr id="5" name="잉크 4"/>
-              <p:cNvPicPr/>
-              <p:nvPr/>
-            </p:nvPicPr>
-            <p:blipFill>
-              <a:blip r:embed="rId5"/>
-              <a:stretch>
-                <a:fillRect/>
-              </a:stretch>
-            </p:blipFill>
-            <p:spPr>
-              <a:xfrm>
-                <a:off x="737640" y="3373911"/>
-                <a:ext cx="2159280" cy="239400"/>
-              </a:xfrm>
-              <a:prstGeom prst="rect">
-                <a:avLst/>
-              </a:prstGeom>
-            </p:spPr>
-          </p:pic>
-        </mc:Fallback>
-      </mc:AlternateContent>
-      <mc:AlternateContent xmlns:mc="http://schemas.openxmlformats.org/markup-compatibility/2006">
-        <mc:Choice xmlns:p14="http://schemas.microsoft.com/office/powerpoint/2010/main" Requires="p14">
-          <p:contentPart p14:bwMode="auto" r:id="rId6">
-            <p14:nvContentPartPr>
-              <p14:cNvPr id="6" name="잉크 5"/>
-              <p14:cNvContentPartPr/>
-              <p14:nvPr/>
-            </p14:nvContentPartPr>
-            <p14:xfrm>
-              <a:off x="1851480" y="1124991"/>
-              <a:ext cx="83160" cy="4080240"/>
-            </p14:xfrm>
-          </p:contentPart>
-        </mc:Choice>
-        <mc:Fallback>
-          <p:pic>
-            <p:nvPicPr>
-              <p:cNvPr id="6" name="잉크 5"/>
-              <p:cNvPicPr/>
-              <p:nvPr/>
-            </p:nvPicPr>
-            <p:blipFill>
-              <a:blip r:embed="rId7"/>
-              <a:stretch>
-                <a:fillRect/>
-              </a:stretch>
-            </p:blipFill>
-            <p:spPr>
-              <a:xfrm>
-                <a:off x="1803600" y="1029231"/>
-                <a:ext cx="178920" cy="4272120"/>
-              </a:xfrm>
-              <a:prstGeom prst="rect">
-                <a:avLst/>
-              </a:prstGeom>
-            </p:spPr>
-          </p:pic>
-        </mc:Fallback>
-      </mc:AlternateContent>
-      <mc:AlternateContent xmlns:mc="http://schemas.openxmlformats.org/markup-compatibility/2006">
-        <mc:Choice xmlns:p14="http://schemas.microsoft.com/office/powerpoint/2010/main" Requires="p14">
-          <p:contentPart p14:bwMode="auto" r:id="rId8">
-            <p14:nvContentPartPr>
-              <p14:cNvPr id="8" name="잉크 7"/>
-              <p14:cNvContentPartPr/>
-              <p14:nvPr/>
-            </p14:nvContentPartPr>
-            <p14:xfrm>
-              <a:off x="1981080" y="621351"/>
-              <a:ext cx="3798720" cy="809280"/>
-            </p14:xfrm>
-          </p:contentPart>
-        </mc:Choice>
-        <mc:Fallback>
-          <p:pic>
-            <p:nvPicPr>
-              <p:cNvPr id="8" name="잉크 7"/>
-              <p:cNvPicPr/>
-              <p:nvPr/>
-            </p:nvPicPr>
-            <p:blipFill>
-              <a:blip r:embed="rId9"/>
-              <a:stretch>
-                <a:fillRect/>
-              </a:stretch>
-            </p:blipFill>
-            <p:spPr>
-              <a:xfrm>
-                <a:off x="1969200" y="609471"/>
-                <a:ext cx="3822480" cy="833040"/>
-              </a:xfrm>
-              <a:prstGeom prst="rect">
-                <a:avLst/>
-              </a:prstGeom>
-            </p:spPr>
-          </p:pic>
-        </mc:Fallback>
-      </mc:AlternateContent>
     </p:spTree>
     <p:extLst>
       <p:ext uri="{BB962C8B-B14F-4D97-AF65-F5344CB8AC3E}">
@@ -16468,13 +16181,7 @@
               <a:rPr lang="en-US" altLang="ko-KR" smtClean="0">
                 <a:latin typeface="+mj-ea"/>
               </a:rPr>
-              <a:t>&gt;..&lt;</a:t>
-            </a:r>
-            <a:r>
-              <a:rPr lang="en-US" altLang="ko-KR" smtClean="0">
-                <a:latin typeface="+mj-ea"/>
-              </a:rPr>
-              <a:t>checksum2&gt;</a:t>
+              <a:t>&gt;..&lt;checksum2&gt;</a:t>
             </a:r>
             <a:endParaRPr lang="en-US" altLang="ko-KR" dirty="0" smtClean="0">
               <a:latin typeface="+mj-ea"/>

--- a/07-Git2.pptx
+++ b/07-Git2.pptx
@@ -6228,7 +6228,7 @@
         </p:nvSpPr>
         <p:spPr>
           <a:xfrm>
-            <a:off x="6111096" y="1695989"/>
+            <a:off x="6097242" y="1008476"/>
             <a:ext cx="4280339" cy="400110"/>
           </a:xfrm>
           <a:prstGeom prst="rect">

--- a/07-Git2.pptx
+++ b/07-Git2.pptx
@@ -12583,7 +12583,7 @@
         </p:nvSpPr>
         <p:spPr>
           <a:xfrm>
-            <a:off x="838200" y="365126"/>
+            <a:off x="331788" y="166035"/>
             <a:ext cx="10515600" cy="754712"/>
           </a:xfrm>
         </p:spPr>
@@ -12615,7 +12615,46 @@
                 </a:effectLst>
                 <a:latin typeface="+mj-ea"/>
               </a:rPr>
-              <a:t>: branch</a:t>
+              <a:t>: </a:t>
+            </a:r>
+            <a:r>
+              <a:rPr lang="en-US" altLang="ko-KR" b="1" dirty="0" smtClean="0">
+                <a:effectLst>
+                  <a:outerShdw blurRad="38100" dist="38100" dir="2700000" algn="tl">
+                    <a:srgbClr val="000000">
+                      <a:alpha val="43137"/>
+                    </a:srgbClr>
+                  </a:outerShdw>
+                </a:effectLst>
+                <a:latin typeface="+mj-ea"/>
+              </a:rPr>
+              <a:t>branch </a:t>
+            </a:r>
+            <a:r>
+              <a:rPr lang="en-US" altLang="ko-KR" b="1" smtClean="0">
+                <a:effectLst>
+                  <a:outerShdw blurRad="38100" dist="38100" dir="2700000" algn="tl">
+                    <a:srgbClr val="000000">
+                      <a:alpha val="43137"/>
+                    </a:srgbClr>
+                  </a:outerShdw>
+                </a:effectLst>
+                <a:latin typeface="+mj-ea"/>
+              </a:rPr>
+              <a:t>- </a:t>
+            </a:r>
+            <a:r>
+              <a:rPr lang="ko-KR" altLang="en-US" b="1" smtClean="0">
+                <a:effectLst>
+                  <a:outerShdw blurRad="38100" dist="38100" dir="2700000" algn="tl">
+                    <a:srgbClr val="000000">
+                      <a:alpha val="43137"/>
+                    </a:srgbClr>
+                  </a:outerShdw>
+                </a:effectLst>
+                <a:latin typeface="+mj-ea"/>
+              </a:rPr>
+              <a:t>과제</a:t>
             </a:r>
             <a:endParaRPr lang="ko-KR" altLang="en-US" b="1" dirty="0">
               <a:effectLst>
